--- a/OOP/lectures/110--Generic.and.Collections.pptx
+++ b/OOP/lectures/110--Generic.and.Collections.pptx
@@ -5,15 +5,38 @@
     <p:sldMasterId id="2147483648" r:id="rId1"/>
   </p:sldMasterIdLst>
   <p:notesMasterIdLst>
-    <p:notesMasterId r:id="rId8"/>
+    <p:notesMasterId r:id="rId31"/>
   </p:notesMasterIdLst>
   <p:sldIdLst>
     <p:sldId id="267" r:id="rId2"/>
     <p:sldId id="274" r:id="rId3"/>
-    <p:sldId id="276" r:id="rId4"/>
-    <p:sldId id="275" r:id="rId5"/>
-    <p:sldId id="272" r:id="rId6"/>
-    <p:sldId id="268" r:id="rId7"/>
+    <p:sldId id="285" r:id="rId4"/>
+    <p:sldId id="286" r:id="rId5"/>
+    <p:sldId id="287" r:id="rId6"/>
+    <p:sldId id="288" r:id="rId7"/>
+    <p:sldId id="289" r:id="rId8"/>
+    <p:sldId id="290" r:id="rId9"/>
+    <p:sldId id="291" r:id="rId10"/>
+    <p:sldId id="292" r:id="rId11"/>
+    <p:sldId id="294" r:id="rId12"/>
+    <p:sldId id="295" r:id="rId13"/>
+    <p:sldId id="296" r:id="rId14"/>
+    <p:sldId id="297" r:id="rId15"/>
+    <p:sldId id="298" r:id="rId16"/>
+    <p:sldId id="299" r:id="rId17"/>
+    <p:sldId id="276" r:id="rId18"/>
+    <p:sldId id="277" r:id="rId19"/>
+    <p:sldId id="280" r:id="rId20"/>
+    <p:sldId id="281" r:id="rId21"/>
+    <p:sldId id="278" r:id="rId22"/>
+    <p:sldId id="282" r:id="rId23"/>
+    <p:sldId id="283" r:id="rId24"/>
+    <p:sldId id="284" r:id="rId25"/>
+    <p:sldId id="293" r:id="rId26"/>
+    <p:sldId id="272" r:id="rId27"/>
+    <p:sldId id="275" r:id="rId28"/>
+    <p:sldId id="279" r:id="rId29"/>
+    <p:sldId id="268" r:id="rId30"/>
   </p:sldIdLst>
   <p:sldSz cx="9144000" cy="6858000" type="screen4x3"/>
   <p:notesSz cx="6858000" cy="9144000"/>
@@ -1011,7 +1034,7 @@
               <a:pPr>
                 <a:defRPr/>
               </a:pPr>
-              <a:t>11/5/2017</a:t>
+              <a:t>12/11/2017</a:t>
             </a:fld>
             <a:endParaRPr lang="en-US" altLang="en-US"/>
           </a:p>
@@ -1245,7 +1268,7 @@
               <a:pPr>
                 <a:defRPr/>
               </a:pPr>
-              <a:t>11/5/2017</a:t>
+              <a:t>12/11/2017</a:t>
             </a:fld>
             <a:endParaRPr lang="en-US" altLang="en-US"/>
           </a:p>
@@ -2118,7 +2141,7 @@
               <a:pPr>
                 <a:defRPr/>
               </a:pPr>
-              <a:t>11/5/2017</a:t>
+              <a:t>12/11/2017</a:t>
             </a:fld>
             <a:endParaRPr lang="en-US" altLang="en-US"/>
           </a:p>
@@ -2267,7 +2290,7 @@
               <a:pPr>
                 <a:defRPr/>
               </a:pPr>
-              <a:t>11/5/2017</a:t>
+              <a:t>12/11/2017</a:t>
             </a:fld>
             <a:endParaRPr lang="en-US" altLang="en-US"/>
           </a:p>
@@ -2598,7 +2621,7 @@
               <a:pPr>
                 <a:defRPr/>
               </a:pPr>
-              <a:t>11/5/2017</a:t>
+              <a:t>12/11/2017</a:t>
             </a:fld>
             <a:endParaRPr lang="en-US" altLang="en-US"/>
           </a:p>
@@ -2906,7 +2929,7 @@
               <a:pPr>
                 <a:defRPr/>
               </a:pPr>
-              <a:t>11/5/2017</a:t>
+              <a:t>12/11/2017</a:t>
             </a:fld>
             <a:endParaRPr lang="en-US" altLang="en-US"/>
           </a:p>
@@ -3635,10 +3658,9 @@
           <a:p>
             <a:pPr eaLnBrk="1" hangingPunct="1"/>
             <a:r>
-              <a:rPr lang="en-GB" altLang="en-US" smtClean="0"/>
-              <a:t>Generic and Collections</a:t>
-            </a:r>
-            <a:endParaRPr lang="en-GB" altLang="en-US" dirty="0" smtClean="0"/>
+              <a:rPr lang="en-GB" altLang="en-US" dirty="0" smtClean="0"/>
+              <a:t>Generic Types and Collections</a:t>
+            </a:r>
           </a:p>
         </p:txBody>
       </p:sp>
@@ -3869,6 +3891,1107 @@
 </p:sld>
 </file>
 
+<file path=ppt/slides/slide10.xml><?xml version="1.0" encoding="utf-8"?>
+<p:sld xmlns:a="http://schemas.openxmlformats.org/drawingml/2006/main" xmlns:r="http://schemas.openxmlformats.org/officeDocument/2006/relationships" xmlns:p="http://schemas.openxmlformats.org/presentationml/2006/main">
+  <p:cSld>
+    <p:spTree>
+      <p:nvGrpSpPr>
+        <p:cNvPr id="1" name=""/>
+        <p:cNvGrpSpPr/>
+        <p:nvPr/>
+      </p:nvGrpSpPr>
+      <p:grpSpPr>
+        <a:xfrm>
+          <a:off x="0" y="0"/>
+          <a:ext cx="0" cy="0"/>
+          <a:chOff x="0" y="0"/>
+          <a:chExt cx="0" cy="0"/>
+        </a:xfrm>
+      </p:grpSpPr>
+      <p:sp>
+        <p:nvSpPr>
+          <p:cNvPr id="2" name="Title 1"/>
+          <p:cNvSpPr>
+            <a:spLocks noGrp="1"/>
+          </p:cNvSpPr>
+          <p:nvPr>
+            <p:ph type="title"/>
+          </p:nvPr>
+        </p:nvSpPr>
+        <p:spPr/>
+        <p:txBody>
+          <a:bodyPr/>
+          <a:lstStyle/>
+          <a:p>
+            <a:r>
+              <a:rPr lang="en-GB" dirty="0" smtClean="0"/>
+              <a:t>Answer</a:t>
+            </a:r>
+            <a:endParaRPr lang="en-GB" dirty="0"/>
+          </a:p>
+        </p:txBody>
+      </p:sp>
+      <p:sp>
+        <p:nvSpPr>
+          <p:cNvPr id="3" name="Content Placeholder 2"/>
+          <p:cNvSpPr>
+            <a:spLocks noGrp="1"/>
+          </p:cNvSpPr>
+          <p:nvPr>
+            <p:ph idx="1"/>
+          </p:nvPr>
+        </p:nvSpPr>
+        <p:spPr/>
+        <p:txBody>
+          <a:bodyPr/>
+          <a:lstStyle/>
+          <a:p>
+            <a:r>
+              <a:rPr lang="en-GB" dirty="0" smtClean="0"/>
+              <a:t>96</a:t>
+            </a:r>
+            <a:endParaRPr lang="en-GB" dirty="0"/>
+          </a:p>
+        </p:txBody>
+      </p:sp>
+      <p:pic>
+        <p:nvPicPr>
+          <p:cNvPr id="4" name="Picture 3"/>
+          <p:cNvPicPr>
+            <a:picLocks noChangeAspect="1"/>
+          </p:cNvPicPr>
+          <p:nvPr/>
+        </p:nvPicPr>
+        <p:blipFill>
+          <a:blip r:embed="rId2"/>
+          <a:stretch>
+            <a:fillRect/>
+          </a:stretch>
+        </p:blipFill>
+        <p:spPr>
+          <a:xfrm>
+            <a:off x="685800" y="4038600"/>
+            <a:ext cx="2762250" cy="523875"/>
+          </a:xfrm>
+          <a:prstGeom prst="rect">
+            <a:avLst/>
+          </a:prstGeom>
+        </p:spPr>
+      </p:pic>
+    </p:spTree>
+    <p:extLst>
+      <p:ext uri="{BB962C8B-B14F-4D97-AF65-F5344CB8AC3E}">
+        <p14:creationId xmlns:p14="http://schemas.microsoft.com/office/powerpoint/2010/main" val="1233421915"/>
+      </p:ext>
+    </p:extLst>
+  </p:cSld>
+  <p:clrMapOvr>
+    <a:masterClrMapping/>
+  </p:clrMapOvr>
+</p:sld>
+</file>
+
+<file path=ppt/slides/slide11.xml><?xml version="1.0" encoding="utf-8"?>
+<p:sld xmlns:a="http://schemas.openxmlformats.org/drawingml/2006/main" xmlns:r="http://schemas.openxmlformats.org/officeDocument/2006/relationships" xmlns:p="http://schemas.openxmlformats.org/presentationml/2006/main">
+  <p:cSld>
+    <p:spTree>
+      <p:nvGrpSpPr>
+        <p:cNvPr id="1" name=""/>
+        <p:cNvGrpSpPr/>
+        <p:nvPr/>
+      </p:nvGrpSpPr>
+      <p:grpSpPr>
+        <a:xfrm>
+          <a:off x="0" y="0"/>
+          <a:ext cx="0" cy="0"/>
+          <a:chOff x="0" y="0"/>
+          <a:chExt cx="0" cy="0"/>
+        </a:xfrm>
+      </p:grpSpPr>
+      <p:sp>
+        <p:nvSpPr>
+          <p:cNvPr id="2" name="Title 1"/>
+          <p:cNvSpPr>
+            <a:spLocks noGrp="1"/>
+          </p:cNvSpPr>
+          <p:nvPr>
+            <p:ph type="title"/>
+          </p:nvPr>
+        </p:nvSpPr>
+        <p:spPr>
+          <a:xfrm>
+            <a:off x="685800" y="304800"/>
+            <a:ext cx="7772400" cy="1143000"/>
+          </a:xfrm>
+        </p:spPr>
+        <p:txBody>
+          <a:bodyPr/>
+          <a:lstStyle/>
+          <a:p>
+            <a:r>
+              <a:rPr lang="en-GB" dirty="0" smtClean="0"/>
+              <a:t>Question</a:t>
+            </a:r>
+            <a:endParaRPr lang="en-GB" dirty="0"/>
+          </a:p>
+        </p:txBody>
+      </p:sp>
+      <p:sp>
+        <p:nvSpPr>
+          <p:cNvPr id="3" name="Content Placeholder 2"/>
+          <p:cNvSpPr>
+            <a:spLocks noGrp="1"/>
+          </p:cNvSpPr>
+          <p:nvPr>
+            <p:ph idx="1"/>
+          </p:nvPr>
+        </p:nvSpPr>
+        <p:spPr>
+          <a:xfrm>
+            <a:off x="685800" y="1447800"/>
+            <a:ext cx="7772400" cy="4114800"/>
+          </a:xfrm>
+        </p:spPr>
+        <p:txBody>
+          <a:bodyPr/>
+          <a:lstStyle/>
+          <a:p>
+            <a:r>
+              <a:rPr lang="en-GB" dirty="0"/>
+              <a:t>Does the following code compile?  What would the output be?</a:t>
+            </a:r>
+          </a:p>
+          <a:p>
+            <a:endParaRPr lang="en-GB" dirty="0"/>
+          </a:p>
+        </p:txBody>
+      </p:sp>
+      <p:pic>
+        <p:nvPicPr>
+          <p:cNvPr id="4" name="Picture 3"/>
+          <p:cNvPicPr>
+            <a:picLocks noChangeAspect="1"/>
+          </p:cNvPicPr>
+          <p:nvPr/>
+        </p:nvPicPr>
+        <p:blipFill>
+          <a:blip r:embed="rId2"/>
+          <a:stretch>
+            <a:fillRect/>
+          </a:stretch>
+        </p:blipFill>
+        <p:spPr>
+          <a:xfrm>
+            <a:off x="1676400" y="2743200"/>
+            <a:ext cx="5505450" cy="3957865"/>
+          </a:xfrm>
+          <a:prstGeom prst="rect">
+            <a:avLst/>
+          </a:prstGeom>
+        </p:spPr>
+      </p:pic>
+    </p:spTree>
+    <p:extLst>
+      <p:ext uri="{BB962C8B-B14F-4D97-AF65-F5344CB8AC3E}">
+        <p14:creationId xmlns:p14="http://schemas.microsoft.com/office/powerpoint/2010/main" val="2092278806"/>
+      </p:ext>
+    </p:extLst>
+  </p:cSld>
+  <p:clrMapOvr>
+    <a:masterClrMapping/>
+  </p:clrMapOvr>
+</p:sld>
+</file>
+
+<file path=ppt/slides/slide12.xml><?xml version="1.0" encoding="utf-8"?>
+<p:sld xmlns:a="http://schemas.openxmlformats.org/drawingml/2006/main" xmlns:r="http://schemas.openxmlformats.org/officeDocument/2006/relationships" xmlns:p="http://schemas.openxmlformats.org/presentationml/2006/main">
+  <p:cSld>
+    <p:spTree>
+      <p:nvGrpSpPr>
+        <p:cNvPr id="1" name=""/>
+        <p:cNvGrpSpPr/>
+        <p:nvPr/>
+      </p:nvGrpSpPr>
+      <p:grpSpPr>
+        <a:xfrm>
+          <a:off x="0" y="0"/>
+          <a:ext cx="0" cy="0"/>
+          <a:chOff x="0" y="0"/>
+          <a:chExt cx="0" cy="0"/>
+        </a:xfrm>
+      </p:grpSpPr>
+      <p:sp>
+        <p:nvSpPr>
+          <p:cNvPr id="2" name="Title 1"/>
+          <p:cNvSpPr>
+            <a:spLocks noGrp="1"/>
+          </p:cNvSpPr>
+          <p:nvPr>
+            <p:ph type="title"/>
+          </p:nvPr>
+        </p:nvSpPr>
+        <p:spPr/>
+        <p:txBody>
+          <a:bodyPr/>
+          <a:lstStyle/>
+          <a:p>
+            <a:r>
+              <a:rPr lang="en-GB" dirty="0" smtClean="0"/>
+              <a:t>Answer</a:t>
+            </a:r>
+            <a:endParaRPr lang="en-GB" dirty="0"/>
+          </a:p>
+        </p:txBody>
+      </p:sp>
+      <p:sp>
+        <p:nvSpPr>
+          <p:cNvPr id="3" name="Content Placeholder 2"/>
+          <p:cNvSpPr>
+            <a:spLocks noGrp="1"/>
+          </p:cNvSpPr>
+          <p:nvPr>
+            <p:ph idx="1"/>
+          </p:nvPr>
+        </p:nvSpPr>
+        <p:spPr/>
+        <p:txBody>
+          <a:bodyPr/>
+          <a:lstStyle/>
+          <a:p>
+            <a:r>
+              <a:rPr lang="en-GB" dirty="0" smtClean="0"/>
+              <a:t>5 10</a:t>
+            </a:r>
+            <a:endParaRPr lang="en-GB" dirty="0"/>
+          </a:p>
+        </p:txBody>
+      </p:sp>
+    </p:spTree>
+    <p:extLst>
+      <p:ext uri="{BB962C8B-B14F-4D97-AF65-F5344CB8AC3E}">
+        <p14:creationId xmlns:p14="http://schemas.microsoft.com/office/powerpoint/2010/main" val="124077664"/>
+      </p:ext>
+    </p:extLst>
+  </p:cSld>
+  <p:clrMapOvr>
+    <a:masterClrMapping/>
+  </p:clrMapOvr>
+</p:sld>
+</file>
+
+<file path=ppt/slides/slide13.xml><?xml version="1.0" encoding="utf-8"?>
+<p:sld xmlns:a="http://schemas.openxmlformats.org/drawingml/2006/main" xmlns:r="http://schemas.openxmlformats.org/officeDocument/2006/relationships" xmlns:p="http://schemas.openxmlformats.org/presentationml/2006/main">
+  <p:cSld>
+    <p:spTree>
+      <p:nvGrpSpPr>
+        <p:cNvPr id="1" name=""/>
+        <p:cNvGrpSpPr/>
+        <p:nvPr/>
+      </p:nvGrpSpPr>
+      <p:grpSpPr>
+        <a:xfrm>
+          <a:off x="0" y="0"/>
+          <a:ext cx="0" cy="0"/>
+          <a:chOff x="0" y="0"/>
+          <a:chExt cx="0" cy="0"/>
+        </a:xfrm>
+      </p:grpSpPr>
+      <p:sp>
+        <p:nvSpPr>
+          <p:cNvPr id="2" name="Title 1"/>
+          <p:cNvSpPr>
+            <a:spLocks noGrp="1"/>
+          </p:cNvSpPr>
+          <p:nvPr>
+            <p:ph type="title"/>
+          </p:nvPr>
+        </p:nvSpPr>
+        <p:spPr>
+          <a:xfrm>
+            <a:off x="685800" y="76200"/>
+            <a:ext cx="7772400" cy="1143000"/>
+          </a:xfrm>
+        </p:spPr>
+        <p:txBody>
+          <a:bodyPr/>
+          <a:lstStyle/>
+          <a:p>
+            <a:r>
+              <a:rPr lang="en-GB" dirty="0" smtClean="0"/>
+              <a:t>Question</a:t>
+            </a:r>
+            <a:endParaRPr lang="en-GB" dirty="0"/>
+          </a:p>
+        </p:txBody>
+      </p:sp>
+      <p:sp>
+        <p:nvSpPr>
+          <p:cNvPr id="3" name="Content Placeholder 2"/>
+          <p:cNvSpPr>
+            <a:spLocks noGrp="1"/>
+          </p:cNvSpPr>
+          <p:nvPr>
+            <p:ph idx="1"/>
+          </p:nvPr>
+        </p:nvSpPr>
+        <p:spPr>
+          <a:xfrm>
+            <a:off x="457200" y="1219200"/>
+            <a:ext cx="3429000" cy="4114800"/>
+          </a:xfrm>
+        </p:spPr>
+        <p:txBody>
+          <a:bodyPr>
+            <a:normAutofit fontScale="70000" lnSpcReduction="20000"/>
+          </a:bodyPr>
+          <a:lstStyle/>
+          <a:p>
+            <a:r>
+              <a:rPr lang="en-GB" dirty="0"/>
+              <a:t>Does the following code compile?  What would the output be</a:t>
+            </a:r>
+            <a:r>
+              <a:rPr lang="en-GB" dirty="0" smtClean="0"/>
+              <a:t>?</a:t>
+            </a:r>
+          </a:p>
+          <a:p>
+            <a:endParaRPr lang="en-GB" dirty="0" smtClean="0"/>
+          </a:p>
+          <a:p>
+            <a:pPr marL="0" indent="0">
+              <a:buNone/>
+            </a:pPr>
+            <a:endParaRPr lang="en-GB" dirty="0"/>
+          </a:p>
+          <a:p>
+            <a:pPr marL="0" indent="0">
+              <a:buNone/>
+            </a:pPr>
+            <a:r>
+              <a:rPr lang="en-GB" dirty="0" smtClean="0">
+                <a:solidFill>
+                  <a:sysClr val="windowText" lastClr="000000"/>
+                </a:solidFill>
+              </a:rPr>
+              <a:t>a) </a:t>
+            </a:r>
+            <a:r>
+              <a:rPr lang="en-GB" dirty="0">
+                <a:solidFill>
+                  <a:sysClr val="windowText" lastClr="000000"/>
+                </a:solidFill>
+              </a:rPr>
+              <a:t>(that is, the empty string, printed twice)</a:t>
+            </a:r>
+            <a:br>
+              <a:rPr lang="en-GB" dirty="0">
+                <a:solidFill>
+                  <a:sysClr val="windowText" lastClr="000000"/>
+                </a:solidFill>
+              </a:rPr>
+            </a:br>
+            <a:r>
+              <a:rPr lang="en-GB" dirty="0" smtClean="0">
+                <a:solidFill>
+                  <a:sysClr val="windowText" lastClr="000000"/>
+                </a:solidFill>
+              </a:rPr>
+              <a:t>b) </a:t>
+            </a:r>
+            <a:r>
+              <a:rPr lang="en-GB" dirty="0">
+                <a:solidFill>
+                  <a:sysClr val="windowText" lastClr="000000"/>
+                </a:solidFill>
+              </a:rPr>
+              <a:t>*</a:t>
+            </a:r>
+            <a:br>
+              <a:rPr lang="en-GB" dirty="0">
+                <a:solidFill>
+                  <a:sysClr val="windowText" lastClr="000000"/>
+                </a:solidFill>
+              </a:rPr>
+            </a:br>
+            <a:r>
+              <a:rPr lang="en-GB" dirty="0" smtClean="0">
+                <a:solidFill>
+                  <a:sysClr val="windowText" lastClr="000000"/>
+                </a:solidFill>
+              </a:rPr>
+              <a:t>c) </a:t>
+            </a:r>
+            <a:r>
+              <a:rPr lang="en-GB" dirty="0">
+                <a:solidFill>
+                  <a:sysClr val="windowText" lastClr="000000"/>
+                </a:solidFill>
+              </a:rPr>
+              <a:t>!***</a:t>
+            </a:r>
+            <a:br>
+              <a:rPr lang="en-GB" dirty="0">
+                <a:solidFill>
+                  <a:sysClr val="windowText" lastClr="000000"/>
+                </a:solidFill>
+              </a:rPr>
+            </a:br>
+            <a:r>
+              <a:rPr lang="en-GB" dirty="0" smtClean="0">
+                <a:solidFill>
+                  <a:sysClr val="windowText" lastClr="000000"/>
+                </a:solidFill>
+              </a:rPr>
+              <a:t>d) </a:t>
+            </a:r>
+            <a:r>
+              <a:rPr lang="en-GB" dirty="0">
+                <a:solidFill>
+                  <a:sysClr val="windowText" lastClr="000000"/>
+                </a:solidFill>
+              </a:rPr>
+              <a:t>!****</a:t>
+            </a:r>
+            <a:br>
+              <a:rPr lang="en-GB" dirty="0">
+                <a:solidFill>
+                  <a:sysClr val="windowText" lastClr="000000"/>
+                </a:solidFill>
+              </a:rPr>
+            </a:br>
+            <a:r>
+              <a:rPr lang="en-GB" dirty="0" smtClean="0">
+                <a:solidFill>
+                  <a:sysClr val="windowText" lastClr="000000"/>
+                </a:solidFill>
+              </a:rPr>
+              <a:t>e) </a:t>
+            </a:r>
+            <a:r>
+              <a:rPr lang="en-GB" dirty="0">
+                <a:solidFill>
+                  <a:sysClr val="windowText" lastClr="000000"/>
+                </a:solidFill>
+              </a:rPr>
+              <a:t>!!!***</a:t>
+            </a:r>
+            <a:endParaRPr lang="en-GB" dirty="0"/>
+          </a:p>
+          <a:p>
+            <a:pPr marL="0" indent="0">
+              <a:buNone/>
+            </a:pPr>
+            <a:r>
+              <a:rPr lang="en-GB" dirty="0" smtClean="0"/>
+              <a:t> </a:t>
+            </a:r>
+            <a:endParaRPr lang="en-GB" dirty="0"/>
+          </a:p>
+        </p:txBody>
+      </p:sp>
+      <p:pic>
+        <p:nvPicPr>
+          <p:cNvPr id="4" name="Picture 3"/>
+          <p:cNvPicPr>
+            <a:picLocks noChangeAspect="1"/>
+          </p:cNvPicPr>
+          <p:nvPr/>
+        </p:nvPicPr>
+        <p:blipFill>
+          <a:blip r:embed="rId2"/>
+          <a:stretch>
+            <a:fillRect/>
+          </a:stretch>
+        </p:blipFill>
+        <p:spPr>
+          <a:xfrm>
+            <a:off x="3798093" y="1905000"/>
+            <a:ext cx="5345907" cy="3271470"/>
+          </a:xfrm>
+          <a:prstGeom prst="rect">
+            <a:avLst/>
+          </a:prstGeom>
+        </p:spPr>
+      </p:pic>
+    </p:spTree>
+    <p:extLst>
+      <p:ext uri="{BB962C8B-B14F-4D97-AF65-F5344CB8AC3E}">
+        <p14:creationId xmlns:p14="http://schemas.microsoft.com/office/powerpoint/2010/main" val="3986573732"/>
+      </p:ext>
+    </p:extLst>
+  </p:cSld>
+  <p:clrMapOvr>
+    <a:masterClrMapping/>
+  </p:clrMapOvr>
+</p:sld>
+</file>
+
+<file path=ppt/slides/slide14.xml><?xml version="1.0" encoding="utf-8"?>
+<p:sld xmlns:a="http://schemas.openxmlformats.org/drawingml/2006/main" xmlns:r="http://schemas.openxmlformats.org/officeDocument/2006/relationships" xmlns:p="http://schemas.openxmlformats.org/presentationml/2006/main">
+  <p:cSld>
+    <p:spTree>
+      <p:nvGrpSpPr>
+        <p:cNvPr id="1" name=""/>
+        <p:cNvGrpSpPr/>
+        <p:nvPr/>
+      </p:nvGrpSpPr>
+      <p:grpSpPr>
+        <a:xfrm>
+          <a:off x="0" y="0"/>
+          <a:ext cx="0" cy="0"/>
+          <a:chOff x="0" y="0"/>
+          <a:chExt cx="0" cy="0"/>
+        </a:xfrm>
+      </p:grpSpPr>
+      <p:sp>
+        <p:nvSpPr>
+          <p:cNvPr id="2" name="Title 1"/>
+          <p:cNvSpPr>
+            <a:spLocks noGrp="1"/>
+          </p:cNvSpPr>
+          <p:nvPr>
+            <p:ph type="title"/>
+          </p:nvPr>
+        </p:nvSpPr>
+        <p:spPr/>
+        <p:txBody>
+          <a:bodyPr/>
+          <a:lstStyle/>
+          <a:p>
+            <a:r>
+              <a:rPr lang="en-GB" dirty="0" smtClean="0"/>
+              <a:t>Answer</a:t>
+            </a:r>
+            <a:endParaRPr lang="en-GB" dirty="0"/>
+          </a:p>
+        </p:txBody>
+      </p:sp>
+      <p:sp>
+        <p:nvSpPr>
+          <p:cNvPr id="3" name="Content Placeholder 2"/>
+          <p:cNvSpPr>
+            <a:spLocks noGrp="1"/>
+          </p:cNvSpPr>
+          <p:nvPr>
+            <p:ph idx="1"/>
+          </p:nvPr>
+        </p:nvSpPr>
+        <p:spPr/>
+        <p:txBody>
+          <a:bodyPr/>
+          <a:lstStyle/>
+          <a:p>
+            <a:r>
+              <a:rPr lang="en-GB" dirty="0" smtClean="0"/>
+              <a:t>c) !***</a:t>
+            </a:r>
+            <a:endParaRPr lang="en-GB" dirty="0"/>
+          </a:p>
+        </p:txBody>
+      </p:sp>
+    </p:spTree>
+    <p:extLst>
+      <p:ext uri="{BB962C8B-B14F-4D97-AF65-F5344CB8AC3E}">
+        <p14:creationId xmlns:p14="http://schemas.microsoft.com/office/powerpoint/2010/main" val="926672302"/>
+      </p:ext>
+    </p:extLst>
+  </p:cSld>
+  <p:clrMapOvr>
+    <a:masterClrMapping/>
+  </p:clrMapOvr>
+</p:sld>
+</file>
+
+<file path=ppt/slides/slide15.xml><?xml version="1.0" encoding="utf-8"?>
+<p:sld xmlns:a="http://schemas.openxmlformats.org/drawingml/2006/main" xmlns:r="http://schemas.openxmlformats.org/officeDocument/2006/relationships" xmlns:p="http://schemas.openxmlformats.org/presentationml/2006/main">
+  <p:cSld>
+    <p:spTree>
+      <p:nvGrpSpPr>
+        <p:cNvPr id="1" name=""/>
+        <p:cNvGrpSpPr/>
+        <p:nvPr/>
+      </p:nvGrpSpPr>
+      <p:grpSpPr>
+        <a:xfrm>
+          <a:off x="0" y="0"/>
+          <a:ext cx="0" cy="0"/>
+          <a:chOff x="0" y="0"/>
+          <a:chExt cx="0" cy="0"/>
+        </a:xfrm>
+      </p:grpSpPr>
+      <p:sp>
+        <p:nvSpPr>
+          <p:cNvPr id="2" name="Title 1"/>
+          <p:cNvSpPr>
+            <a:spLocks noGrp="1"/>
+          </p:cNvSpPr>
+          <p:nvPr>
+            <p:ph type="title"/>
+          </p:nvPr>
+        </p:nvSpPr>
+        <p:spPr>
+          <a:xfrm>
+            <a:off x="685800" y="76200"/>
+            <a:ext cx="7772400" cy="1143000"/>
+          </a:xfrm>
+        </p:spPr>
+        <p:txBody>
+          <a:bodyPr/>
+          <a:lstStyle/>
+          <a:p>
+            <a:r>
+              <a:rPr lang="en-GB" dirty="0" smtClean="0"/>
+              <a:t>Question</a:t>
+            </a:r>
+            <a:endParaRPr lang="en-GB" dirty="0"/>
+          </a:p>
+        </p:txBody>
+      </p:sp>
+      <p:sp>
+        <p:nvSpPr>
+          <p:cNvPr id="3" name="Content Placeholder 2"/>
+          <p:cNvSpPr>
+            <a:spLocks noGrp="1"/>
+          </p:cNvSpPr>
+          <p:nvPr>
+            <p:ph idx="1"/>
+          </p:nvPr>
+        </p:nvSpPr>
+        <p:spPr>
+          <a:xfrm>
+            <a:off x="685800" y="990600"/>
+            <a:ext cx="7772400" cy="4114800"/>
+          </a:xfrm>
+        </p:spPr>
+        <p:txBody>
+          <a:bodyPr/>
+          <a:lstStyle/>
+          <a:p>
+            <a:r>
+              <a:rPr lang="en-GB" dirty="0" smtClean="0"/>
+              <a:t>What is the output of the following program?</a:t>
+            </a:r>
+            <a:endParaRPr lang="en-GB" dirty="0"/>
+          </a:p>
+        </p:txBody>
+      </p:sp>
+      <p:pic>
+        <p:nvPicPr>
+          <p:cNvPr id="4" name="Picture 3"/>
+          <p:cNvPicPr>
+            <a:picLocks noChangeAspect="1"/>
+          </p:cNvPicPr>
+          <p:nvPr/>
+        </p:nvPicPr>
+        <p:blipFill>
+          <a:blip r:embed="rId2"/>
+          <a:stretch>
+            <a:fillRect/>
+          </a:stretch>
+        </p:blipFill>
+        <p:spPr>
+          <a:xfrm>
+            <a:off x="1724024" y="2229179"/>
+            <a:ext cx="5695951" cy="2419021"/>
+          </a:xfrm>
+          <a:prstGeom prst="rect">
+            <a:avLst/>
+          </a:prstGeom>
+        </p:spPr>
+      </p:pic>
+      <p:pic>
+        <p:nvPicPr>
+          <p:cNvPr id="5" name="Picture 4"/>
+          <p:cNvPicPr>
+            <a:picLocks noChangeAspect="1"/>
+          </p:cNvPicPr>
+          <p:nvPr/>
+        </p:nvPicPr>
+        <p:blipFill>
+          <a:blip r:embed="rId3"/>
+          <a:stretch>
+            <a:fillRect/>
+          </a:stretch>
+        </p:blipFill>
+        <p:spPr>
+          <a:xfrm>
+            <a:off x="650421" y="4724400"/>
+            <a:ext cx="7467600" cy="1972691"/>
+          </a:xfrm>
+          <a:prstGeom prst="rect">
+            <a:avLst/>
+          </a:prstGeom>
+        </p:spPr>
+      </p:pic>
+    </p:spTree>
+    <p:extLst>
+      <p:ext uri="{BB962C8B-B14F-4D97-AF65-F5344CB8AC3E}">
+        <p14:creationId xmlns:p14="http://schemas.microsoft.com/office/powerpoint/2010/main" val="286350135"/>
+      </p:ext>
+    </p:extLst>
+  </p:cSld>
+  <p:clrMapOvr>
+    <a:masterClrMapping/>
+  </p:clrMapOvr>
+</p:sld>
+</file>
+
+<file path=ppt/slides/slide16.xml><?xml version="1.0" encoding="utf-8"?>
+<p:sld xmlns:a="http://schemas.openxmlformats.org/drawingml/2006/main" xmlns:r="http://schemas.openxmlformats.org/officeDocument/2006/relationships" xmlns:p="http://schemas.openxmlformats.org/presentationml/2006/main">
+  <p:cSld>
+    <p:spTree>
+      <p:nvGrpSpPr>
+        <p:cNvPr id="1" name=""/>
+        <p:cNvGrpSpPr/>
+        <p:nvPr/>
+      </p:nvGrpSpPr>
+      <p:grpSpPr>
+        <a:xfrm>
+          <a:off x="0" y="0"/>
+          <a:ext cx="0" cy="0"/>
+          <a:chOff x="0" y="0"/>
+          <a:chExt cx="0" cy="0"/>
+        </a:xfrm>
+      </p:grpSpPr>
+      <p:sp>
+        <p:nvSpPr>
+          <p:cNvPr id="2" name="Title 1"/>
+          <p:cNvSpPr>
+            <a:spLocks noGrp="1"/>
+          </p:cNvSpPr>
+          <p:nvPr>
+            <p:ph type="title"/>
+          </p:nvPr>
+        </p:nvSpPr>
+        <p:spPr/>
+        <p:txBody>
+          <a:bodyPr/>
+          <a:lstStyle/>
+          <a:p>
+            <a:r>
+              <a:rPr lang="en-GB" dirty="0" smtClean="0"/>
+              <a:t>Answer</a:t>
+            </a:r>
+            <a:endParaRPr lang="en-GB" dirty="0"/>
+          </a:p>
+        </p:txBody>
+      </p:sp>
+      <p:sp>
+        <p:nvSpPr>
+          <p:cNvPr id="3" name="Content Placeholder 2"/>
+          <p:cNvSpPr>
+            <a:spLocks noGrp="1"/>
+          </p:cNvSpPr>
+          <p:nvPr>
+            <p:ph idx="1"/>
+          </p:nvPr>
+        </p:nvSpPr>
+        <p:spPr/>
+        <p:txBody>
+          <a:bodyPr/>
+          <a:lstStyle/>
+          <a:p>
+            <a:r>
+              <a:rPr lang="en-GB" dirty="0" smtClean="0"/>
+              <a:t>B) 123.321Hi!</a:t>
+            </a:r>
+            <a:endParaRPr lang="en-GB" dirty="0"/>
+          </a:p>
+        </p:txBody>
+      </p:sp>
+    </p:spTree>
+    <p:extLst>
+      <p:ext uri="{BB962C8B-B14F-4D97-AF65-F5344CB8AC3E}">
+        <p14:creationId xmlns:p14="http://schemas.microsoft.com/office/powerpoint/2010/main" val="3775777194"/>
+      </p:ext>
+    </p:extLst>
+  </p:cSld>
+  <p:clrMapOvr>
+    <a:masterClrMapping/>
+  </p:clrMapOvr>
+</p:sld>
+</file>
+
+<file path=ppt/slides/slide17.xml><?xml version="1.0" encoding="utf-8"?>
+<p:sld xmlns:a="http://schemas.openxmlformats.org/drawingml/2006/main" xmlns:r="http://schemas.openxmlformats.org/officeDocument/2006/relationships" xmlns:p="http://schemas.openxmlformats.org/presentationml/2006/main">
+  <p:cSld>
+    <p:spTree>
+      <p:nvGrpSpPr>
+        <p:cNvPr id="1" name=""/>
+        <p:cNvGrpSpPr/>
+        <p:nvPr/>
+      </p:nvGrpSpPr>
+      <p:grpSpPr>
+        <a:xfrm>
+          <a:off x="0" y="0"/>
+          <a:ext cx="0" cy="0"/>
+          <a:chOff x="0" y="0"/>
+          <a:chExt cx="0" cy="0"/>
+        </a:xfrm>
+      </p:grpSpPr>
+      <p:sp>
+        <p:nvSpPr>
+          <p:cNvPr id="2" name="Title 1"/>
+          <p:cNvSpPr>
+            <a:spLocks noGrp="1"/>
+          </p:cNvSpPr>
+          <p:nvPr>
+            <p:ph type="title"/>
+          </p:nvPr>
+        </p:nvSpPr>
+        <p:spPr/>
+        <p:txBody>
+          <a:bodyPr/>
+          <a:lstStyle/>
+          <a:p>
+            <a:r>
+              <a:rPr lang="en-GB" dirty="0" smtClean="0"/>
+              <a:t>Generic Types</a:t>
+            </a:r>
+            <a:endParaRPr lang="en-GB" dirty="0"/>
+          </a:p>
+        </p:txBody>
+      </p:sp>
+      <p:sp>
+        <p:nvSpPr>
+          <p:cNvPr id="3" name="Content Placeholder 2"/>
+          <p:cNvSpPr>
+            <a:spLocks noGrp="1"/>
+          </p:cNvSpPr>
+          <p:nvPr>
+            <p:ph idx="1"/>
+          </p:nvPr>
+        </p:nvSpPr>
+        <p:spPr/>
+        <p:txBody>
+          <a:bodyPr/>
+          <a:lstStyle/>
+          <a:p>
+            <a:r>
+              <a:rPr lang="en-GB" dirty="0"/>
+              <a:t>Generics is the capability </a:t>
+            </a:r>
+            <a:r>
+              <a:rPr lang="en-GB" dirty="0" smtClean="0"/>
+              <a:t>to parameterize types</a:t>
+            </a:r>
+          </a:p>
+          <a:p>
+            <a:r>
+              <a:rPr lang="en-GB" dirty="0" smtClean="0"/>
+              <a:t>Flexibility to define </a:t>
+            </a:r>
+            <a:r>
+              <a:rPr lang="en-GB" dirty="0"/>
+              <a:t>a class </a:t>
+            </a:r>
+            <a:r>
+              <a:rPr lang="en-GB" dirty="0" smtClean="0"/>
+              <a:t>or a </a:t>
+            </a:r>
+            <a:r>
+              <a:rPr lang="en-GB" dirty="0"/>
+              <a:t>method with generic types that the compiler can replace with concrete types</a:t>
+            </a:r>
+          </a:p>
+        </p:txBody>
+      </p:sp>
+    </p:spTree>
+    <p:extLst>
+      <p:ext uri="{BB962C8B-B14F-4D97-AF65-F5344CB8AC3E}">
+        <p14:creationId xmlns:p14="http://schemas.microsoft.com/office/powerpoint/2010/main" val="648076782"/>
+      </p:ext>
+    </p:extLst>
+  </p:cSld>
+  <p:clrMapOvr>
+    <a:masterClrMapping/>
+  </p:clrMapOvr>
+</p:sld>
+</file>
+
+<file path=ppt/slides/slide18.xml><?xml version="1.0" encoding="utf-8"?>
+<p:sld xmlns:a="http://schemas.openxmlformats.org/drawingml/2006/main" xmlns:r="http://schemas.openxmlformats.org/officeDocument/2006/relationships" xmlns:p="http://schemas.openxmlformats.org/presentationml/2006/main">
+  <p:cSld>
+    <p:spTree>
+      <p:nvGrpSpPr>
+        <p:cNvPr id="1" name=""/>
+        <p:cNvGrpSpPr/>
+        <p:nvPr/>
+      </p:nvGrpSpPr>
+      <p:grpSpPr>
+        <a:xfrm>
+          <a:off x="0" y="0"/>
+          <a:ext cx="0" cy="0"/>
+          <a:chOff x="0" y="0"/>
+          <a:chExt cx="0" cy="0"/>
+        </a:xfrm>
+      </p:grpSpPr>
+      <p:sp>
+        <p:nvSpPr>
+          <p:cNvPr id="2" name="Title 1"/>
+          <p:cNvSpPr>
+            <a:spLocks noGrp="1"/>
+          </p:cNvSpPr>
+          <p:nvPr>
+            <p:ph type="title"/>
+          </p:nvPr>
+        </p:nvSpPr>
+        <p:spPr/>
+        <p:txBody>
+          <a:bodyPr/>
+          <a:lstStyle/>
+          <a:p>
+            <a:r>
+              <a:rPr lang="en-GB" dirty="0" smtClean="0"/>
+              <a:t>Example</a:t>
+            </a:r>
+            <a:endParaRPr lang="en-GB" dirty="0"/>
+          </a:p>
+        </p:txBody>
+      </p:sp>
+      <p:sp>
+        <p:nvSpPr>
+          <p:cNvPr id="3" name="Content Placeholder 2"/>
+          <p:cNvSpPr>
+            <a:spLocks noGrp="1"/>
+          </p:cNvSpPr>
+          <p:nvPr>
+            <p:ph idx="1"/>
+          </p:nvPr>
+        </p:nvSpPr>
+        <p:spPr>
+          <a:xfrm>
+            <a:off x="685800" y="3505200"/>
+            <a:ext cx="7772400" cy="2590800"/>
+          </a:xfrm>
+        </p:spPr>
+        <p:txBody>
+          <a:bodyPr/>
+          <a:lstStyle/>
+          <a:p>
+            <a:r>
+              <a:rPr lang="en-GB" dirty="0"/>
+              <a:t>&lt;T&gt; represents the formal generic type</a:t>
+            </a:r>
+          </a:p>
+          <a:p>
+            <a:r>
+              <a:rPr lang="en-GB" dirty="0"/>
+              <a:t>Replaced by an actual concrete type</a:t>
+            </a:r>
+          </a:p>
+        </p:txBody>
+      </p:sp>
+      <p:pic>
+        <p:nvPicPr>
+          <p:cNvPr id="4" name="Picture 3"/>
+          <p:cNvPicPr>
+            <a:picLocks noChangeAspect="1"/>
+          </p:cNvPicPr>
+          <p:nvPr/>
+        </p:nvPicPr>
+        <p:blipFill>
+          <a:blip r:embed="rId2"/>
+          <a:stretch>
+            <a:fillRect/>
+          </a:stretch>
+        </p:blipFill>
+        <p:spPr>
+          <a:xfrm>
+            <a:off x="-76200" y="1676400"/>
+            <a:ext cx="9144000" cy="1597068"/>
+          </a:xfrm>
+          <a:prstGeom prst="rect">
+            <a:avLst/>
+          </a:prstGeom>
+        </p:spPr>
+      </p:pic>
+    </p:spTree>
+    <p:extLst>
+      <p:ext uri="{BB962C8B-B14F-4D97-AF65-F5344CB8AC3E}">
+        <p14:creationId xmlns:p14="http://schemas.microsoft.com/office/powerpoint/2010/main" val="644961492"/>
+      </p:ext>
+    </p:extLst>
+  </p:cSld>
+  <p:clrMapOvr>
+    <a:masterClrMapping/>
+  </p:clrMapOvr>
+</p:sld>
+</file>
+
+<file path=ppt/slides/slide19.xml><?xml version="1.0" encoding="utf-8"?>
+<p:sld xmlns:a="http://schemas.openxmlformats.org/drawingml/2006/main" xmlns:r="http://schemas.openxmlformats.org/officeDocument/2006/relationships" xmlns:p="http://schemas.openxmlformats.org/presentationml/2006/main">
+  <p:cSld>
+    <p:spTree>
+      <p:nvGrpSpPr>
+        <p:cNvPr id="1" name=""/>
+        <p:cNvGrpSpPr/>
+        <p:nvPr/>
+      </p:nvGrpSpPr>
+      <p:grpSpPr>
+        <a:xfrm>
+          <a:off x="0" y="0"/>
+          <a:ext cx="0" cy="0"/>
+          <a:chOff x="0" y="0"/>
+          <a:chExt cx="0" cy="0"/>
+        </a:xfrm>
+      </p:grpSpPr>
+      <p:sp>
+        <p:nvSpPr>
+          <p:cNvPr id="2" name="Title 1"/>
+          <p:cNvSpPr>
+            <a:spLocks noGrp="1"/>
+          </p:cNvSpPr>
+          <p:nvPr>
+            <p:ph type="title"/>
+          </p:nvPr>
+        </p:nvSpPr>
+        <p:spPr/>
+        <p:txBody>
+          <a:bodyPr/>
+          <a:lstStyle/>
+          <a:p>
+            <a:r>
+              <a:rPr lang="en-GB" dirty="0" smtClean="0"/>
+              <a:t>Why use Generic Types?</a:t>
+            </a:r>
+            <a:endParaRPr lang="en-GB" dirty="0"/>
+          </a:p>
+        </p:txBody>
+      </p:sp>
+      <p:sp>
+        <p:nvSpPr>
+          <p:cNvPr id="3" name="Content Placeholder 2"/>
+          <p:cNvSpPr>
+            <a:spLocks noGrp="1"/>
+          </p:cNvSpPr>
+          <p:nvPr>
+            <p:ph idx="1"/>
+          </p:nvPr>
+        </p:nvSpPr>
+        <p:spPr/>
+        <p:txBody>
+          <a:bodyPr/>
+          <a:lstStyle/>
+          <a:p>
+            <a:endParaRPr lang="en-GB" dirty="0"/>
+          </a:p>
+        </p:txBody>
+      </p:sp>
+    </p:spTree>
+    <p:extLst>
+      <p:ext uri="{BB962C8B-B14F-4D97-AF65-F5344CB8AC3E}">
+        <p14:creationId xmlns:p14="http://schemas.microsoft.com/office/powerpoint/2010/main" val="609979620"/>
+      </p:ext>
+    </p:extLst>
+  </p:cSld>
+  <p:clrMapOvr>
+    <a:masterClrMapping/>
+  </p:clrMapOvr>
+</p:sld>
+</file>
+
 <file path=ppt/slides/slide2.xml><?xml version="1.0" encoding="utf-8"?>
 <p:sld xmlns:a="http://schemas.openxmlformats.org/drawingml/2006/main" xmlns:r="http://schemas.openxmlformats.org/officeDocument/2006/relationships" xmlns:p="http://schemas.openxmlformats.org/presentationml/2006/main">
   <p:cSld>
@@ -3932,13 +5055,22 @@
             <a:pPr eaLnBrk="1" hangingPunct="1"/>
             <a:r>
               <a:rPr lang="en-US" altLang="en-US" dirty="0" smtClean="0"/>
-              <a:t>Essential </a:t>
-            </a:r>
+              <a:t>Review</a:t>
+            </a:r>
+          </a:p>
+          <a:p>
+            <a:pPr eaLnBrk="1" hangingPunct="1"/>
+            <a:r>
+              <a:rPr lang="en-US" altLang="en-US" dirty="0" smtClean="0"/>
+              <a:t>Essential Generic Type Concepts</a:t>
+            </a:r>
+          </a:p>
+          <a:p>
+            <a:pPr eaLnBrk="1" hangingPunct="1"/>
             <a:r>
               <a:rPr lang="en-US" altLang="en-US" dirty="0" smtClean="0"/>
               <a:t>Collections with Java</a:t>
             </a:r>
-            <a:endParaRPr lang="en-US" altLang="en-US" dirty="0" smtClean="0"/>
           </a:p>
           <a:p>
             <a:pPr eaLnBrk="1" hangingPunct="1"/>
@@ -3953,6 +5085,1255 @@
               <a:rPr lang="en-US" altLang="en-US" dirty="0" smtClean="0"/>
               <a:t>Review/Discussion</a:t>
             </a:r>
+          </a:p>
+        </p:txBody>
+      </p:sp>
+    </p:spTree>
+  </p:cSld>
+  <p:clrMapOvr>
+    <a:masterClrMapping/>
+  </p:clrMapOvr>
+  <p:timing>
+    <p:tnLst>
+      <p:par>
+        <p:cTn id="1" dur="indefinite" restart="never" nodeType="tmRoot"/>
+      </p:par>
+    </p:tnLst>
+  </p:timing>
+</p:sld>
+</file>
+
+<file path=ppt/slides/slide20.xml><?xml version="1.0" encoding="utf-8"?>
+<p:sld xmlns:a="http://schemas.openxmlformats.org/drawingml/2006/main" xmlns:r="http://schemas.openxmlformats.org/officeDocument/2006/relationships" xmlns:p="http://schemas.openxmlformats.org/presentationml/2006/main">
+  <p:cSld>
+    <p:spTree>
+      <p:nvGrpSpPr>
+        <p:cNvPr id="1" name=""/>
+        <p:cNvGrpSpPr/>
+        <p:nvPr/>
+      </p:nvGrpSpPr>
+      <p:grpSpPr>
+        <a:xfrm>
+          <a:off x="0" y="0"/>
+          <a:ext cx="0" cy="0"/>
+          <a:chOff x="0" y="0"/>
+          <a:chExt cx="0" cy="0"/>
+        </a:xfrm>
+      </p:grpSpPr>
+      <p:sp>
+        <p:nvSpPr>
+          <p:cNvPr id="2" name="Title 1"/>
+          <p:cNvSpPr>
+            <a:spLocks noGrp="1"/>
+          </p:cNvSpPr>
+          <p:nvPr>
+            <p:ph type="title"/>
+          </p:nvPr>
+        </p:nvSpPr>
+        <p:spPr/>
+        <p:txBody>
+          <a:bodyPr/>
+          <a:lstStyle/>
+          <a:p>
+            <a:r>
+              <a:rPr lang="en-GB" dirty="0" smtClean="0"/>
+              <a:t>Why use Generics?</a:t>
+            </a:r>
+            <a:endParaRPr lang="en-GB" dirty="0"/>
+          </a:p>
+        </p:txBody>
+      </p:sp>
+      <p:sp>
+        <p:nvSpPr>
+          <p:cNvPr id="3" name="Content Placeholder 2"/>
+          <p:cNvSpPr>
+            <a:spLocks noGrp="1"/>
+          </p:cNvSpPr>
+          <p:nvPr>
+            <p:ph idx="1"/>
+          </p:nvPr>
+        </p:nvSpPr>
+        <p:spPr/>
+        <p:txBody>
+          <a:bodyPr/>
+          <a:lstStyle/>
+          <a:p>
+            <a:r>
+              <a:rPr lang="en-GB" dirty="0"/>
+              <a:t>Identify errors at compile time</a:t>
+            </a:r>
+          </a:p>
+          <a:p>
+            <a:r>
+              <a:rPr lang="en-GB" dirty="0"/>
+              <a:t>Explicit type checking</a:t>
+            </a:r>
+          </a:p>
+          <a:p>
+            <a:r>
+              <a:rPr lang="en-GB" dirty="0"/>
+              <a:t>Robust and reliable programs</a:t>
+            </a:r>
+          </a:p>
+        </p:txBody>
+      </p:sp>
+    </p:spTree>
+    <p:extLst>
+      <p:ext uri="{BB962C8B-B14F-4D97-AF65-F5344CB8AC3E}">
+        <p14:creationId xmlns:p14="http://schemas.microsoft.com/office/powerpoint/2010/main" val="2172300176"/>
+      </p:ext>
+    </p:extLst>
+  </p:cSld>
+  <p:clrMapOvr>
+    <a:masterClrMapping/>
+  </p:clrMapOvr>
+</p:sld>
+</file>
+
+<file path=ppt/slides/slide21.xml><?xml version="1.0" encoding="utf-8"?>
+<p:sld xmlns:a="http://schemas.openxmlformats.org/drawingml/2006/main" xmlns:r="http://schemas.openxmlformats.org/officeDocument/2006/relationships" xmlns:p="http://schemas.openxmlformats.org/presentationml/2006/main">
+  <p:cSld>
+    <p:spTree>
+      <p:nvGrpSpPr>
+        <p:cNvPr id="1" name=""/>
+        <p:cNvGrpSpPr/>
+        <p:nvPr/>
+      </p:nvGrpSpPr>
+      <p:grpSpPr>
+        <a:xfrm>
+          <a:off x="0" y="0"/>
+          <a:ext cx="0" cy="0"/>
+          <a:chOff x="0" y="0"/>
+          <a:chExt cx="0" cy="0"/>
+        </a:xfrm>
+      </p:grpSpPr>
+      <p:sp>
+        <p:nvSpPr>
+          <p:cNvPr id="2" name="Title 1"/>
+          <p:cNvSpPr>
+            <a:spLocks noGrp="1"/>
+          </p:cNvSpPr>
+          <p:nvPr>
+            <p:ph type="title"/>
+          </p:nvPr>
+        </p:nvSpPr>
+        <p:spPr/>
+        <p:txBody>
+          <a:bodyPr/>
+          <a:lstStyle/>
+          <a:p>
+            <a:r>
+              <a:rPr lang="en-GB" dirty="0" smtClean="0"/>
+              <a:t>Example</a:t>
+            </a:r>
+            <a:endParaRPr lang="en-GB" dirty="0"/>
+          </a:p>
+        </p:txBody>
+      </p:sp>
+      <p:sp>
+        <p:nvSpPr>
+          <p:cNvPr id="3" name="Content Placeholder 2"/>
+          <p:cNvSpPr>
+            <a:spLocks noGrp="1"/>
+          </p:cNvSpPr>
+          <p:nvPr>
+            <p:ph idx="1"/>
+          </p:nvPr>
+        </p:nvSpPr>
+        <p:spPr/>
+        <p:txBody>
+          <a:bodyPr/>
+          <a:lstStyle/>
+          <a:p>
+            <a:r>
+              <a:rPr lang="en-GB" dirty="0" smtClean="0"/>
+              <a:t>Arrays</a:t>
+            </a:r>
+          </a:p>
+          <a:p>
+            <a:endParaRPr lang="en-GB" dirty="0"/>
+          </a:p>
+          <a:p>
+            <a:endParaRPr lang="en-GB" dirty="0" smtClean="0"/>
+          </a:p>
+          <a:p>
+            <a:r>
+              <a:rPr lang="en-GB" dirty="0"/>
+              <a:t>Create array for `strings</a:t>
+            </a:r>
+            <a:r>
+              <a:rPr lang="en-GB" dirty="0" smtClean="0"/>
+              <a:t>':</a:t>
+            </a:r>
+          </a:p>
+          <a:p>
+            <a:endParaRPr lang="en-GB" dirty="0"/>
+          </a:p>
+          <a:p>
+            <a:endParaRPr lang="en-GB" dirty="0" smtClean="0"/>
+          </a:p>
+          <a:p>
+            <a:r>
+              <a:rPr lang="en-GB" dirty="0" smtClean="0"/>
+              <a:t>Only add `strings’ to the array</a:t>
+            </a:r>
+            <a:endParaRPr lang="en-GB" dirty="0"/>
+          </a:p>
+        </p:txBody>
+      </p:sp>
+      <p:pic>
+        <p:nvPicPr>
+          <p:cNvPr id="6" name="Picture 5"/>
+          <p:cNvPicPr>
+            <a:picLocks noChangeAspect="1"/>
+          </p:cNvPicPr>
+          <p:nvPr/>
+        </p:nvPicPr>
+        <p:blipFill>
+          <a:blip r:embed="rId2"/>
+          <a:stretch>
+            <a:fillRect/>
+          </a:stretch>
+        </p:blipFill>
+        <p:spPr>
+          <a:xfrm>
+            <a:off x="1066800" y="2667000"/>
+            <a:ext cx="3628571" cy="381000"/>
+          </a:xfrm>
+          <a:prstGeom prst="rect">
+            <a:avLst/>
+          </a:prstGeom>
+        </p:spPr>
+      </p:pic>
+      <p:pic>
+        <p:nvPicPr>
+          <p:cNvPr id="7" name="Picture 6"/>
+          <p:cNvPicPr>
+            <a:picLocks noChangeAspect="1"/>
+          </p:cNvPicPr>
+          <p:nvPr/>
+        </p:nvPicPr>
+        <p:blipFill>
+          <a:blip r:embed="rId3"/>
+          <a:stretch>
+            <a:fillRect/>
+          </a:stretch>
+        </p:blipFill>
+        <p:spPr>
+          <a:xfrm>
+            <a:off x="533400" y="4724400"/>
+            <a:ext cx="8305800" cy="543159"/>
+          </a:xfrm>
+          <a:prstGeom prst="rect">
+            <a:avLst/>
+          </a:prstGeom>
+        </p:spPr>
+      </p:pic>
+    </p:spTree>
+    <p:extLst>
+      <p:ext uri="{BB962C8B-B14F-4D97-AF65-F5344CB8AC3E}">
+        <p14:creationId xmlns:p14="http://schemas.microsoft.com/office/powerpoint/2010/main" val="656661191"/>
+      </p:ext>
+    </p:extLst>
+  </p:cSld>
+  <p:clrMapOvr>
+    <a:masterClrMapping/>
+  </p:clrMapOvr>
+</p:sld>
+</file>
+
+<file path=ppt/slides/slide22.xml><?xml version="1.0" encoding="utf-8"?>
+<p:sld xmlns:a="http://schemas.openxmlformats.org/drawingml/2006/main" xmlns:r="http://schemas.openxmlformats.org/officeDocument/2006/relationships" xmlns:p="http://schemas.openxmlformats.org/presentationml/2006/main">
+  <p:cSld>
+    <p:spTree>
+      <p:nvGrpSpPr>
+        <p:cNvPr id="1" name=""/>
+        <p:cNvGrpSpPr/>
+        <p:nvPr/>
+      </p:nvGrpSpPr>
+      <p:grpSpPr>
+        <a:xfrm>
+          <a:off x="0" y="0"/>
+          <a:ext cx="0" cy="0"/>
+          <a:chOff x="0" y="0"/>
+          <a:chExt cx="0" cy="0"/>
+        </a:xfrm>
+      </p:grpSpPr>
+      <p:sp>
+        <p:nvSpPr>
+          <p:cNvPr id="2" name="Title 1"/>
+          <p:cNvSpPr>
+            <a:spLocks noGrp="1"/>
+          </p:cNvSpPr>
+          <p:nvPr>
+            <p:ph type="title"/>
+          </p:nvPr>
+        </p:nvSpPr>
+        <p:spPr/>
+        <p:txBody>
+          <a:bodyPr/>
+          <a:lstStyle/>
+          <a:p>
+            <a:r>
+              <a:rPr lang="en-GB" dirty="0" smtClean="0"/>
+              <a:t>Example</a:t>
+            </a:r>
+            <a:endParaRPr lang="en-GB" dirty="0"/>
+          </a:p>
+        </p:txBody>
+      </p:sp>
+      <p:sp>
+        <p:nvSpPr>
+          <p:cNvPr id="3" name="Content Placeholder 2"/>
+          <p:cNvSpPr>
+            <a:spLocks noGrp="1"/>
+          </p:cNvSpPr>
+          <p:nvPr>
+            <p:ph idx="1"/>
+          </p:nvPr>
+        </p:nvSpPr>
+        <p:spPr/>
+        <p:txBody>
+          <a:bodyPr/>
+          <a:lstStyle/>
+          <a:p>
+            <a:endParaRPr lang="en-GB"/>
+          </a:p>
+        </p:txBody>
+      </p:sp>
+      <p:pic>
+        <p:nvPicPr>
+          <p:cNvPr id="4" name="Picture 3"/>
+          <p:cNvPicPr>
+            <a:picLocks noChangeAspect="1"/>
+          </p:cNvPicPr>
+          <p:nvPr/>
+        </p:nvPicPr>
+        <p:blipFill>
+          <a:blip r:embed="rId2"/>
+          <a:stretch>
+            <a:fillRect/>
+          </a:stretch>
+        </p:blipFill>
+        <p:spPr>
+          <a:xfrm>
+            <a:off x="990600" y="1978306"/>
+            <a:ext cx="6705600" cy="3877937"/>
+          </a:xfrm>
+          <a:prstGeom prst="rect">
+            <a:avLst/>
+          </a:prstGeom>
+        </p:spPr>
+      </p:pic>
+    </p:spTree>
+    <p:extLst>
+      <p:ext uri="{BB962C8B-B14F-4D97-AF65-F5344CB8AC3E}">
+        <p14:creationId xmlns:p14="http://schemas.microsoft.com/office/powerpoint/2010/main" val="154629313"/>
+      </p:ext>
+    </p:extLst>
+  </p:cSld>
+  <p:clrMapOvr>
+    <a:masterClrMapping/>
+  </p:clrMapOvr>
+</p:sld>
+</file>
+
+<file path=ppt/slides/slide23.xml><?xml version="1.0" encoding="utf-8"?>
+<p:sld xmlns:a="http://schemas.openxmlformats.org/drawingml/2006/main" xmlns:r="http://schemas.openxmlformats.org/officeDocument/2006/relationships" xmlns:p="http://schemas.openxmlformats.org/presentationml/2006/main">
+  <p:cSld>
+    <p:spTree>
+      <p:nvGrpSpPr>
+        <p:cNvPr id="1" name=""/>
+        <p:cNvGrpSpPr/>
+        <p:nvPr/>
+      </p:nvGrpSpPr>
+      <p:grpSpPr>
+        <a:xfrm>
+          <a:off x="0" y="0"/>
+          <a:ext cx="0" cy="0"/>
+          <a:chOff x="0" y="0"/>
+          <a:chExt cx="0" cy="0"/>
+        </a:xfrm>
+      </p:grpSpPr>
+      <p:sp>
+        <p:nvSpPr>
+          <p:cNvPr id="2" name="Title 1"/>
+          <p:cNvSpPr>
+            <a:spLocks noGrp="1"/>
+          </p:cNvSpPr>
+          <p:nvPr>
+            <p:ph type="title"/>
+          </p:nvPr>
+        </p:nvSpPr>
+        <p:spPr/>
+        <p:txBody>
+          <a:bodyPr/>
+          <a:lstStyle/>
+          <a:p>
+            <a:r>
+              <a:rPr lang="en-GB" dirty="0" smtClean="0"/>
+              <a:t>Writing Generic Class</a:t>
+            </a:r>
+            <a:endParaRPr lang="en-GB" dirty="0"/>
+          </a:p>
+        </p:txBody>
+      </p:sp>
+      <p:sp>
+        <p:nvSpPr>
+          <p:cNvPr id="3" name="Content Placeholder 2"/>
+          <p:cNvSpPr>
+            <a:spLocks noGrp="1"/>
+          </p:cNvSpPr>
+          <p:nvPr>
+            <p:ph idx="1"/>
+          </p:nvPr>
+        </p:nvSpPr>
+        <p:spPr/>
+        <p:txBody>
+          <a:bodyPr/>
+          <a:lstStyle/>
+          <a:p>
+            <a:r>
+              <a:rPr lang="en-GB" dirty="0" smtClean="0"/>
+              <a:t>Specify the ‘Type’ in the class definition</a:t>
+            </a:r>
+          </a:p>
+          <a:p>
+            <a:pPr lvl="1"/>
+            <a:r>
+              <a:rPr lang="en-GB" dirty="0" smtClean="0"/>
+              <a:t>e.g., &lt;E&gt;, &lt;T&gt;, …</a:t>
+            </a:r>
+          </a:p>
+          <a:p>
+            <a:r>
+              <a:rPr lang="en-GB" dirty="0" smtClean="0"/>
+              <a:t>Use the Type as needed</a:t>
+            </a:r>
+            <a:endParaRPr lang="en-GB" dirty="0"/>
+          </a:p>
+        </p:txBody>
+      </p:sp>
+    </p:spTree>
+    <p:extLst>
+      <p:ext uri="{BB962C8B-B14F-4D97-AF65-F5344CB8AC3E}">
+        <p14:creationId xmlns:p14="http://schemas.microsoft.com/office/powerpoint/2010/main" val="1586051054"/>
+      </p:ext>
+    </p:extLst>
+  </p:cSld>
+  <p:clrMapOvr>
+    <a:masterClrMapping/>
+  </p:clrMapOvr>
+</p:sld>
+</file>
+
+<file path=ppt/slides/slide24.xml><?xml version="1.0" encoding="utf-8"?>
+<p:sld xmlns:a="http://schemas.openxmlformats.org/drawingml/2006/main" xmlns:r="http://schemas.openxmlformats.org/officeDocument/2006/relationships" xmlns:p="http://schemas.openxmlformats.org/presentationml/2006/main">
+  <p:cSld>
+    <p:spTree>
+      <p:nvGrpSpPr>
+        <p:cNvPr id="1" name=""/>
+        <p:cNvGrpSpPr/>
+        <p:nvPr/>
+      </p:nvGrpSpPr>
+      <p:grpSpPr>
+        <a:xfrm>
+          <a:off x="0" y="0"/>
+          <a:ext cx="0" cy="0"/>
+          <a:chOff x="0" y="0"/>
+          <a:chExt cx="0" cy="0"/>
+        </a:xfrm>
+      </p:grpSpPr>
+      <p:sp>
+        <p:nvSpPr>
+          <p:cNvPr id="2" name="Title 1"/>
+          <p:cNvSpPr>
+            <a:spLocks noGrp="1"/>
+          </p:cNvSpPr>
+          <p:nvPr>
+            <p:ph type="title"/>
+          </p:nvPr>
+        </p:nvSpPr>
+        <p:spPr/>
+        <p:txBody>
+          <a:bodyPr/>
+          <a:lstStyle/>
+          <a:p>
+            <a:r>
+              <a:rPr lang="en-GB" dirty="0" smtClean="0"/>
+              <a:t>Example</a:t>
+            </a:r>
+            <a:endParaRPr lang="en-GB" dirty="0"/>
+          </a:p>
+        </p:txBody>
+      </p:sp>
+      <p:pic>
+        <p:nvPicPr>
+          <p:cNvPr id="4" name="Picture 3"/>
+          <p:cNvPicPr>
+            <a:picLocks noChangeAspect="1"/>
+          </p:cNvPicPr>
+          <p:nvPr/>
+        </p:nvPicPr>
+        <p:blipFill>
+          <a:blip r:embed="rId2"/>
+          <a:stretch>
+            <a:fillRect/>
+          </a:stretch>
+        </p:blipFill>
+        <p:spPr>
+          <a:xfrm>
+            <a:off x="1866900" y="1999527"/>
+            <a:ext cx="5410200" cy="4142415"/>
+          </a:xfrm>
+          <a:prstGeom prst="rect">
+            <a:avLst/>
+          </a:prstGeom>
+        </p:spPr>
+      </p:pic>
+      <p:sp>
+        <p:nvSpPr>
+          <p:cNvPr id="5" name="Rectangle 4"/>
+          <p:cNvSpPr/>
+          <p:nvPr/>
+        </p:nvSpPr>
+        <p:spPr>
+          <a:xfrm>
+            <a:off x="3657600" y="1905000"/>
+            <a:ext cx="457200" cy="381000"/>
+          </a:xfrm>
+          <a:prstGeom prst="rect">
+            <a:avLst/>
+          </a:prstGeom>
+          <a:noFill/>
+          <a:ln w="25400">
+            <a:solidFill>
+              <a:srgbClr val="FF0000"/>
+            </a:solidFill>
+          </a:ln>
+        </p:spPr>
+        <p:style>
+          <a:lnRef idx="2">
+            <a:schemeClr val="accent1">
+              <a:shade val="50000"/>
+            </a:schemeClr>
+          </a:lnRef>
+          <a:fillRef idx="1">
+            <a:schemeClr val="accent1"/>
+          </a:fillRef>
+          <a:effectRef idx="0">
+            <a:schemeClr val="accent1"/>
+          </a:effectRef>
+          <a:fontRef idx="minor">
+            <a:schemeClr val="lt1"/>
+          </a:fontRef>
+        </p:style>
+        <p:txBody>
+          <a:bodyPr rtlCol="0" anchor="ctr"/>
+          <a:lstStyle/>
+          <a:p>
+            <a:pPr algn="ctr"/>
+            <a:endParaRPr lang="en-GB"/>
+          </a:p>
+        </p:txBody>
+      </p:sp>
+      <p:sp>
+        <p:nvSpPr>
+          <p:cNvPr id="8" name="Rectangle 7"/>
+          <p:cNvSpPr/>
+          <p:nvPr/>
+        </p:nvSpPr>
+        <p:spPr>
+          <a:xfrm>
+            <a:off x="3919959" y="2369917"/>
+            <a:ext cx="457200" cy="381000"/>
+          </a:xfrm>
+          <a:prstGeom prst="rect">
+            <a:avLst/>
+          </a:prstGeom>
+          <a:noFill/>
+          <a:ln w="25400">
+            <a:solidFill>
+              <a:srgbClr val="FF0000"/>
+            </a:solidFill>
+          </a:ln>
+        </p:spPr>
+        <p:style>
+          <a:lnRef idx="2">
+            <a:schemeClr val="accent1">
+              <a:shade val="50000"/>
+            </a:schemeClr>
+          </a:lnRef>
+          <a:fillRef idx="1">
+            <a:schemeClr val="accent1"/>
+          </a:fillRef>
+          <a:effectRef idx="0">
+            <a:schemeClr val="accent1"/>
+          </a:effectRef>
+          <a:fontRef idx="minor">
+            <a:schemeClr val="lt1"/>
+          </a:fontRef>
+        </p:style>
+        <p:txBody>
+          <a:bodyPr rtlCol="0" anchor="ctr"/>
+          <a:lstStyle/>
+          <a:p>
+            <a:pPr algn="ctr"/>
+            <a:endParaRPr lang="en-GB"/>
+          </a:p>
+        </p:txBody>
+      </p:sp>
+      <p:sp>
+        <p:nvSpPr>
+          <p:cNvPr id="9" name="Rectangle 8"/>
+          <p:cNvSpPr/>
+          <p:nvPr/>
+        </p:nvSpPr>
+        <p:spPr>
+          <a:xfrm>
+            <a:off x="6430218" y="2372811"/>
+            <a:ext cx="457200" cy="381000"/>
+          </a:xfrm>
+          <a:prstGeom prst="rect">
+            <a:avLst/>
+          </a:prstGeom>
+          <a:noFill/>
+          <a:ln w="25400">
+            <a:solidFill>
+              <a:srgbClr val="FF0000"/>
+            </a:solidFill>
+          </a:ln>
+        </p:spPr>
+        <p:style>
+          <a:lnRef idx="2">
+            <a:schemeClr val="accent1">
+              <a:shade val="50000"/>
+            </a:schemeClr>
+          </a:lnRef>
+          <a:fillRef idx="1">
+            <a:schemeClr val="accent1"/>
+          </a:fillRef>
+          <a:effectRef idx="0">
+            <a:schemeClr val="accent1"/>
+          </a:effectRef>
+          <a:fontRef idx="minor">
+            <a:schemeClr val="lt1"/>
+          </a:fontRef>
+        </p:style>
+        <p:txBody>
+          <a:bodyPr rtlCol="0" anchor="ctr"/>
+          <a:lstStyle/>
+          <a:p>
+            <a:pPr algn="ctr"/>
+            <a:endParaRPr lang="en-GB"/>
+          </a:p>
+        </p:txBody>
+      </p:sp>
+      <p:sp>
+        <p:nvSpPr>
+          <p:cNvPr id="12" name="Rectangle 11"/>
+          <p:cNvSpPr/>
+          <p:nvPr/>
+        </p:nvSpPr>
+        <p:spPr>
+          <a:xfrm>
+            <a:off x="3810000" y="3505200"/>
+            <a:ext cx="457200" cy="381000"/>
+          </a:xfrm>
+          <a:prstGeom prst="rect">
+            <a:avLst/>
+          </a:prstGeom>
+          <a:noFill/>
+          <a:ln w="25400">
+            <a:solidFill>
+              <a:srgbClr val="FF0000"/>
+            </a:solidFill>
+          </a:ln>
+        </p:spPr>
+        <p:style>
+          <a:lnRef idx="2">
+            <a:schemeClr val="accent1">
+              <a:shade val="50000"/>
+            </a:schemeClr>
+          </a:lnRef>
+          <a:fillRef idx="1">
+            <a:schemeClr val="accent1"/>
+          </a:fillRef>
+          <a:effectRef idx="0">
+            <a:schemeClr val="accent1"/>
+          </a:effectRef>
+          <a:fontRef idx="minor">
+            <a:schemeClr val="lt1"/>
+          </a:fontRef>
+        </p:style>
+        <p:txBody>
+          <a:bodyPr rtlCol="0" anchor="ctr"/>
+          <a:lstStyle/>
+          <a:p>
+            <a:pPr algn="ctr"/>
+            <a:endParaRPr lang="en-GB"/>
+          </a:p>
+        </p:txBody>
+      </p:sp>
+      <p:sp>
+        <p:nvSpPr>
+          <p:cNvPr id="15" name="Rectangle 14"/>
+          <p:cNvSpPr/>
+          <p:nvPr/>
+        </p:nvSpPr>
+        <p:spPr>
+          <a:xfrm>
+            <a:off x="2819400" y="4419600"/>
+            <a:ext cx="457200" cy="381000"/>
+          </a:xfrm>
+          <a:prstGeom prst="rect">
+            <a:avLst/>
+          </a:prstGeom>
+          <a:noFill/>
+          <a:ln w="25400">
+            <a:solidFill>
+              <a:srgbClr val="FF0000"/>
+            </a:solidFill>
+          </a:ln>
+        </p:spPr>
+        <p:style>
+          <a:lnRef idx="2">
+            <a:schemeClr val="accent1">
+              <a:shade val="50000"/>
+            </a:schemeClr>
+          </a:lnRef>
+          <a:fillRef idx="1">
+            <a:schemeClr val="accent1"/>
+          </a:fillRef>
+          <a:effectRef idx="0">
+            <a:schemeClr val="accent1"/>
+          </a:effectRef>
+          <a:fontRef idx="minor">
+            <a:schemeClr val="lt1"/>
+          </a:fontRef>
+        </p:style>
+        <p:txBody>
+          <a:bodyPr rtlCol="0" anchor="ctr"/>
+          <a:lstStyle/>
+          <a:p>
+            <a:pPr algn="ctr"/>
+            <a:endParaRPr lang="en-GB"/>
+          </a:p>
+        </p:txBody>
+      </p:sp>
+      <p:sp>
+        <p:nvSpPr>
+          <p:cNvPr id="20" name="Rectangle 19"/>
+          <p:cNvSpPr/>
+          <p:nvPr/>
+        </p:nvSpPr>
+        <p:spPr>
+          <a:xfrm>
+            <a:off x="2601410" y="4886447"/>
+            <a:ext cx="457200" cy="381000"/>
+          </a:xfrm>
+          <a:prstGeom prst="rect">
+            <a:avLst/>
+          </a:prstGeom>
+          <a:noFill/>
+          <a:ln w="25400">
+            <a:solidFill>
+              <a:srgbClr val="FF0000"/>
+            </a:solidFill>
+          </a:ln>
+        </p:spPr>
+        <p:style>
+          <a:lnRef idx="2">
+            <a:schemeClr val="accent1">
+              <a:shade val="50000"/>
+            </a:schemeClr>
+          </a:lnRef>
+          <a:fillRef idx="1">
+            <a:schemeClr val="accent1"/>
+          </a:fillRef>
+          <a:effectRef idx="0">
+            <a:schemeClr val="accent1"/>
+          </a:effectRef>
+          <a:fontRef idx="minor">
+            <a:schemeClr val="lt1"/>
+          </a:fontRef>
+        </p:style>
+        <p:txBody>
+          <a:bodyPr rtlCol="0" anchor="ctr"/>
+          <a:lstStyle/>
+          <a:p>
+            <a:pPr algn="ctr"/>
+            <a:endParaRPr lang="en-GB"/>
+          </a:p>
+        </p:txBody>
+      </p:sp>
+    </p:spTree>
+    <p:extLst>
+      <p:ext uri="{BB962C8B-B14F-4D97-AF65-F5344CB8AC3E}">
+        <p14:creationId xmlns:p14="http://schemas.microsoft.com/office/powerpoint/2010/main" val="525877404"/>
+      </p:ext>
+    </p:extLst>
+  </p:cSld>
+  <p:clrMapOvr>
+    <a:masterClrMapping/>
+  </p:clrMapOvr>
+</p:sld>
+</file>
+
+<file path=ppt/slides/slide25.xml><?xml version="1.0" encoding="utf-8"?>
+<p:sld xmlns:a="http://schemas.openxmlformats.org/drawingml/2006/main" xmlns:r="http://schemas.openxmlformats.org/officeDocument/2006/relationships" xmlns:p="http://schemas.openxmlformats.org/presentationml/2006/main">
+  <p:cSld>
+    <p:spTree>
+      <p:nvGrpSpPr>
+        <p:cNvPr id="1" name=""/>
+        <p:cNvGrpSpPr/>
+        <p:nvPr/>
+      </p:nvGrpSpPr>
+      <p:grpSpPr>
+        <a:xfrm>
+          <a:off x="0" y="0"/>
+          <a:ext cx="0" cy="0"/>
+          <a:chOff x="0" y="0"/>
+          <a:chExt cx="0" cy="0"/>
+        </a:xfrm>
+      </p:grpSpPr>
+      <p:sp>
+        <p:nvSpPr>
+          <p:cNvPr id="2" name="Title 1"/>
+          <p:cNvSpPr>
+            <a:spLocks noGrp="1"/>
+          </p:cNvSpPr>
+          <p:nvPr>
+            <p:ph type="title"/>
+          </p:nvPr>
+        </p:nvSpPr>
+        <p:spPr/>
+        <p:txBody>
+          <a:bodyPr/>
+          <a:lstStyle/>
+          <a:p>
+            <a:r>
+              <a:rPr lang="en-GB" dirty="0" smtClean="0"/>
+              <a:t>Example cont.</a:t>
+            </a:r>
+            <a:endParaRPr lang="en-GB" dirty="0"/>
+          </a:p>
+        </p:txBody>
+      </p:sp>
+      <p:sp>
+        <p:nvSpPr>
+          <p:cNvPr id="3" name="Content Placeholder 2"/>
+          <p:cNvSpPr>
+            <a:spLocks noGrp="1"/>
+          </p:cNvSpPr>
+          <p:nvPr>
+            <p:ph idx="1"/>
+          </p:nvPr>
+        </p:nvSpPr>
+        <p:spPr/>
+        <p:txBody>
+          <a:bodyPr/>
+          <a:lstStyle/>
+          <a:p>
+            <a:endParaRPr lang="en-GB" dirty="0" smtClean="0"/>
+          </a:p>
+          <a:p>
+            <a:endParaRPr lang="en-GB" dirty="0"/>
+          </a:p>
+          <a:p>
+            <a:endParaRPr lang="en-GB" dirty="0" smtClean="0"/>
+          </a:p>
+          <a:p>
+            <a:endParaRPr lang="en-GB" dirty="0"/>
+          </a:p>
+          <a:p>
+            <a:endParaRPr lang="en-GB" dirty="0" smtClean="0"/>
+          </a:p>
+          <a:p>
+            <a:r>
+              <a:rPr lang="en-GB" smtClean="0"/>
+              <a:t>Generic Type </a:t>
+            </a:r>
+            <a:r>
+              <a:rPr lang="en-GB" dirty="0" smtClean="0"/>
+              <a:t>‘Integer’</a:t>
+            </a:r>
+            <a:endParaRPr lang="en-GB" dirty="0"/>
+          </a:p>
+          <a:p>
+            <a:r>
+              <a:rPr lang="en-GB" dirty="0" smtClean="0"/>
+              <a:t>Output 1</a:t>
+            </a:r>
+            <a:endParaRPr lang="en-GB" dirty="0"/>
+          </a:p>
+        </p:txBody>
+      </p:sp>
+      <p:pic>
+        <p:nvPicPr>
+          <p:cNvPr id="4" name="Picture 3"/>
+          <p:cNvPicPr>
+            <a:picLocks noChangeAspect="1"/>
+          </p:cNvPicPr>
+          <p:nvPr/>
+        </p:nvPicPr>
+        <p:blipFill>
+          <a:blip r:embed="rId2"/>
+          <a:stretch>
+            <a:fillRect/>
+          </a:stretch>
+        </p:blipFill>
+        <p:spPr>
+          <a:xfrm>
+            <a:off x="1295400" y="2362200"/>
+            <a:ext cx="6301773" cy="2222500"/>
+          </a:xfrm>
+          <a:prstGeom prst="rect">
+            <a:avLst/>
+          </a:prstGeom>
+        </p:spPr>
+      </p:pic>
+    </p:spTree>
+    <p:extLst>
+      <p:ext uri="{BB962C8B-B14F-4D97-AF65-F5344CB8AC3E}">
+        <p14:creationId xmlns:p14="http://schemas.microsoft.com/office/powerpoint/2010/main" val="4085692818"/>
+      </p:ext>
+    </p:extLst>
+  </p:cSld>
+  <p:clrMapOvr>
+    <a:masterClrMapping/>
+  </p:clrMapOvr>
+</p:sld>
+</file>
+
+<file path=ppt/slides/slide26.xml><?xml version="1.0" encoding="utf-8"?>
+<p:sld xmlns:a="http://schemas.openxmlformats.org/drawingml/2006/main" xmlns:r="http://schemas.openxmlformats.org/officeDocument/2006/relationships" xmlns:p="http://schemas.openxmlformats.org/presentationml/2006/main">
+  <p:cSld>
+    <p:spTree>
+      <p:nvGrpSpPr>
+        <p:cNvPr id="1" name=""/>
+        <p:cNvGrpSpPr/>
+        <p:nvPr/>
+      </p:nvGrpSpPr>
+      <p:grpSpPr>
+        <a:xfrm>
+          <a:off x="0" y="0"/>
+          <a:ext cx="0" cy="0"/>
+          <a:chOff x="0" y="0"/>
+          <a:chExt cx="0" cy="0"/>
+        </a:xfrm>
+      </p:grpSpPr>
+      <p:sp>
+        <p:nvSpPr>
+          <p:cNvPr id="12290" name="Title 1"/>
+          <p:cNvSpPr>
+            <a:spLocks noGrp="1"/>
+          </p:cNvSpPr>
+          <p:nvPr>
+            <p:ph type="title"/>
+          </p:nvPr>
+        </p:nvSpPr>
+        <p:spPr/>
+        <p:txBody>
+          <a:bodyPr/>
+          <a:lstStyle/>
+          <a:p>
+            <a:r>
+              <a:rPr lang="en-GB" altLang="en-US" smtClean="0"/>
+              <a:t>Summary</a:t>
+            </a:r>
+          </a:p>
+        </p:txBody>
+      </p:sp>
+      <p:sp>
+        <p:nvSpPr>
+          <p:cNvPr id="12291" name="Content Placeholder 2"/>
+          <p:cNvSpPr>
+            <a:spLocks noGrp="1"/>
+          </p:cNvSpPr>
+          <p:nvPr>
+            <p:ph idx="1"/>
+          </p:nvPr>
+        </p:nvSpPr>
+        <p:spPr/>
+        <p:txBody>
+          <a:bodyPr/>
+          <a:lstStyle/>
+          <a:p>
+            <a:r>
+              <a:rPr lang="en-GB" altLang="en-US" dirty="0" smtClean="0"/>
+              <a:t>Generic Types with Java</a:t>
+            </a:r>
+          </a:p>
+          <a:p>
+            <a:r>
+              <a:rPr lang="en-GB" altLang="en-US" dirty="0" smtClean="0"/>
+              <a:t>Advantages of Generic Types </a:t>
+            </a:r>
+          </a:p>
+          <a:p>
+            <a:pPr lvl="1"/>
+            <a:r>
+              <a:rPr lang="en-GB" altLang="en-US" dirty="0" smtClean="0"/>
+              <a:t>Flexibility/Robustness</a:t>
+            </a:r>
+          </a:p>
+          <a:p>
+            <a:r>
+              <a:rPr lang="en-GB" altLang="en-US" dirty="0" smtClean="0"/>
+              <a:t>Incorporate Generic Types into your implementations</a:t>
+            </a:r>
+          </a:p>
+          <a:p>
+            <a:r>
+              <a:rPr lang="en-GB" altLang="en-US" dirty="0" smtClean="0"/>
+              <a:t>Examples</a:t>
+            </a:r>
+          </a:p>
+        </p:txBody>
+      </p:sp>
+    </p:spTree>
+  </p:cSld>
+  <p:clrMapOvr>
+    <a:masterClrMapping/>
+  </p:clrMapOvr>
+  <p:timing>
+    <p:tnLst>
+      <p:par>
+        <p:cTn id="1" dur="indefinite" restart="never" nodeType="tmRoot"/>
+      </p:par>
+    </p:tnLst>
+  </p:timing>
+</p:sld>
+</file>
+
+<file path=ppt/slides/slide27.xml><?xml version="1.0" encoding="utf-8"?>
+<p:sld xmlns:a="http://schemas.openxmlformats.org/drawingml/2006/main" xmlns:r="http://schemas.openxmlformats.org/officeDocument/2006/relationships" xmlns:p="http://schemas.openxmlformats.org/presentationml/2006/main">
+  <p:cSld>
+    <p:spTree>
+      <p:nvGrpSpPr>
+        <p:cNvPr id="1" name=""/>
+        <p:cNvGrpSpPr/>
+        <p:nvPr/>
+      </p:nvGrpSpPr>
+      <p:grpSpPr>
+        <a:xfrm>
+          <a:off x="0" y="0"/>
+          <a:ext cx="0" cy="0"/>
+          <a:chOff x="0" y="0"/>
+          <a:chExt cx="0" cy="0"/>
+        </a:xfrm>
+      </p:grpSpPr>
+      <p:sp>
+        <p:nvSpPr>
+          <p:cNvPr id="11266" name="Title 1"/>
+          <p:cNvSpPr>
+            <a:spLocks noGrp="1"/>
+          </p:cNvSpPr>
+          <p:nvPr>
+            <p:ph type="title"/>
+          </p:nvPr>
+        </p:nvSpPr>
+        <p:spPr/>
+        <p:txBody>
+          <a:bodyPr/>
+          <a:lstStyle/>
+          <a:p>
+            <a:r>
+              <a:rPr lang="en-GB" altLang="en-US" smtClean="0"/>
+              <a:t>This Week</a:t>
+            </a:r>
+          </a:p>
+        </p:txBody>
+      </p:sp>
+      <p:sp>
+        <p:nvSpPr>
+          <p:cNvPr id="11267" name="Content Placeholder 2"/>
+          <p:cNvSpPr>
+            <a:spLocks noGrp="1"/>
+          </p:cNvSpPr>
+          <p:nvPr>
+            <p:ph idx="1"/>
+          </p:nvPr>
+        </p:nvSpPr>
+        <p:spPr/>
+        <p:txBody>
+          <a:bodyPr/>
+          <a:lstStyle/>
+          <a:p>
+            <a:r>
+              <a:rPr lang="en-GB" altLang="en-US" dirty="0" smtClean="0"/>
+              <a:t>Read Associated Chapters</a:t>
+            </a:r>
+          </a:p>
+          <a:p>
+            <a:r>
+              <a:rPr lang="en-GB" altLang="en-US" dirty="0" smtClean="0"/>
+              <a:t>Review Slides</a:t>
+            </a:r>
+          </a:p>
+          <a:p>
+            <a:r>
+              <a:rPr lang="en-GB" altLang="en-US" dirty="0" smtClean="0"/>
+              <a:t>Java Exercises</a:t>
+            </a:r>
+          </a:p>
+        </p:txBody>
+      </p:sp>
+    </p:spTree>
+  </p:cSld>
+  <p:clrMapOvr>
+    <a:masterClrMapping/>
+  </p:clrMapOvr>
+</p:sld>
+</file>
+
+<file path=ppt/slides/slide28.xml><?xml version="1.0" encoding="utf-8"?>
+<p:sld xmlns:a="http://schemas.openxmlformats.org/drawingml/2006/main" xmlns:r="http://schemas.openxmlformats.org/officeDocument/2006/relationships" xmlns:p="http://schemas.openxmlformats.org/presentationml/2006/main">
+  <p:cSld>
+    <p:spTree>
+      <p:nvGrpSpPr>
+        <p:cNvPr id="1" name=""/>
+        <p:cNvGrpSpPr/>
+        <p:nvPr/>
+      </p:nvGrpSpPr>
+      <p:grpSpPr>
+        <a:xfrm>
+          <a:off x="0" y="0"/>
+          <a:ext cx="0" cy="0"/>
+          <a:chOff x="0" y="0"/>
+          <a:chExt cx="0" cy="0"/>
+        </a:xfrm>
+      </p:grpSpPr>
+      <p:sp>
+        <p:nvSpPr>
+          <p:cNvPr id="2" name="Title 1"/>
+          <p:cNvSpPr>
+            <a:spLocks noGrp="1"/>
+          </p:cNvSpPr>
+          <p:nvPr>
+            <p:ph type="title"/>
+          </p:nvPr>
+        </p:nvSpPr>
+        <p:spPr/>
+        <p:txBody>
+          <a:bodyPr/>
+          <a:lstStyle/>
+          <a:p>
+            <a:r>
+              <a:rPr lang="en-GB" dirty="0" smtClean="0"/>
+              <a:t>Exercises</a:t>
+            </a:r>
+            <a:endParaRPr lang="en-GB" dirty="0"/>
+          </a:p>
+        </p:txBody>
+      </p:sp>
+      <p:sp>
+        <p:nvSpPr>
+          <p:cNvPr id="3" name="Content Placeholder 2"/>
+          <p:cNvSpPr>
+            <a:spLocks noGrp="1"/>
+          </p:cNvSpPr>
+          <p:nvPr>
+            <p:ph idx="1"/>
+          </p:nvPr>
+        </p:nvSpPr>
+        <p:spPr/>
+        <p:txBody>
+          <a:bodyPr/>
+          <a:lstStyle/>
+          <a:p>
+            <a:r>
+              <a:rPr lang="en-GB" dirty="0" smtClean="0"/>
+              <a:t>Exercises 21.1 to 21.2 (Generics)</a:t>
+            </a:r>
+          </a:p>
+          <a:p>
+            <a:pPr marL="0" indent="0">
+              <a:buNone/>
+            </a:pPr>
+            <a:r>
+              <a:rPr lang="en-GB" dirty="0"/>
+              <a:t> </a:t>
+            </a:r>
+            <a:r>
+              <a:rPr lang="en-GB" dirty="0" smtClean="0"/>
+              <a:t>                   25.1 to 25.2 (Arrays/Lists)</a:t>
+            </a:r>
+            <a:endParaRPr lang="en-GB" dirty="0"/>
+          </a:p>
+        </p:txBody>
+      </p:sp>
+    </p:spTree>
+    <p:extLst>
+      <p:ext uri="{BB962C8B-B14F-4D97-AF65-F5344CB8AC3E}">
+        <p14:creationId xmlns:p14="http://schemas.microsoft.com/office/powerpoint/2010/main" val="612155335"/>
+      </p:ext>
+    </p:extLst>
+  </p:cSld>
+  <p:clrMapOvr>
+    <a:masterClrMapping/>
+  </p:clrMapOvr>
+</p:sld>
+</file>
+
+<file path=ppt/slides/slide29.xml><?xml version="1.0" encoding="utf-8"?>
+<p:sld xmlns:a="http://schemas.openxmlformats.org/drawingml/2006/main" xmlns:r="http://schemas.openxmlformats.org/officeDocument/2006/relationships" xmlns:p="http://schemas.openxmlformats.org/presentationml/2006/main">
+  <p:cSld>
+    <p:spTree>
+      <p:nvGrpSpPr>
+        <p:cNvPr id="1" name=""/>
+        <p:cNvGrpSpPr/>
+        <p:nvPr/>
+      </p:nvGrpSpPr>
+      <p:grpSpPr>
+        <a:xfrm>
+          <a:off x="0" y="0"/>
+          <a:ext cx="0" cy="0"/>
+          <a:chOff x="0" y="0"/>
+          <a:chExt cx="0" cy="0"/>
+        </a:xfrm>
+      </p:grpSpPr>
+      <p:sp>
+        <p:nvSpPr>
+          <p:cNvPr id="13314" name="Title 1"/>
+          <p:cNvSpPr>
+            <a:spLocks noGrp="1"/>
+          </p:cNvSpPr>
+          <p:nvPr>
+            <p:ph type="title"/>
+          </p:nvPr>
+        </p:nvSpPr>
+        <p:spPr/>
+        <p:txBody>
+          <a:bodyPr/>
+          <a:lstStyle/>
+          <a:p>
+            <a:pPr eaLnBrk="1" hangingPunct="1"/>
+            <a:r>
+              <a:rPr lang="en-GB" altLang="en-US" smtClean="0"/>
+              <a:t>Questions/Discussion</a:t>
+            </a:r>
+          </a:p>
+        </p:txBody>
+      </p:sp>
+      <p:sp>
+        <p:nvSpPr>
+          <p:cNvPr id="13315" name="Content Placeholder 2"/>
+          <p:cNvSpPr>
+            <a:spLocks noGrp="1"/>
+          </p:cNvSpPr>
+          <p:nvPr>
+            <p:ph idx="1"/>
+          </p:nvPr>
+        </p:nvSpPr>
+        <p:spPr/>
+        <p:txBody>
+          <a:bodyPr/>
+          <a:lstStyle/>
+          <a:p>
+            <a:pPr eaLnBrk="1" hangingPunct="1"/>
+            <a:endParaRPr lang="en-GB" altLang="en-US" smtClean="0"/>
           </a:p>
         </p:txBody>
       </p:sp>
@@ -3998,12 +6379,21 @@
             <p:ph type="title"/>
           </p:nvPr>
         </p:nvSpPr>
-        <p:spPr/>
+        <p:spPr>
+          <a:xfrm>
+            <a:off x="685800" y="-76200"/>
+            <a:ext cx="7772400" cy="1143000"/>
+          </a:xfrm>
+        </p:spPr>
         <p:txBody>
           <a:bodyPr/>
           <a:lstStyle/>
           <a:p>
-            <a:endParaRPr lang="en-GB"/>
+            <a:r>
+              <a:rPr lang="en-GB" dirty="0" smtClean="0"/>
+              <a:t>Question</a:t>
+            </a:r>
+            <a:endParaRPr lang="en-GB" dirty="0"/>
           </a:p>
         </p:txBody>
       </p:sp>
@@ -4017,19 +6407,52 @@
             <p:ph idx="1"/>
           </p:nvPr>
         </p:nvSpPr>
-        <p:spPr/>
+        <p:spPr>
+          <a:xfrm>
+            <a:off x="685800" y="838200"/>
+            <a:ext cx="7772400" cy="4114800"/>
+          </a:xfrm>
+        </p:spPr>
         <p:txBody>
           <a:bodyPr/>
           <a:lstStyle/>
           <a:p>
-            <a:endParaRPr lang="en-GB"/>
-          </a:p>
-        </p:txBody>
-      </p:sp>
+            <a:r>
+              <a:rPr lang="en-GB" dirty="0" smtClean="0"/>
+              <a:t>Does the following code compile?  What would the output be?</a:t>
+            </a:r>
+            <a:endParaRPr lang="en-GB" dirty="0"/>
+          </a:p>
+        </p:txBody>
+      </p:sp>
+      <p:pic>
+        <p:nvPicPr>
+          <p:cNvPr id="6" name="Picture 5"/>
+          <p:cNvPicPr>
+            <a:picLocks noChangeAspect="1"/>
+          </p:cNvPicPr>
+          <p:nvPr/>
+        </p:nvPicPr>
+        <p:blipFill>
+          <a:blip r:embed="rId2"/>
+          <a:stretch>
+            <a:fillRect/>
+          </a:stretch>
+        </p:blipFill>
+        <p:spPr>
+          <a:xfrm>
+            <a:off x="1676400" y="2133600"/>
+            <a:ext cx="5181600" cy="4435383"/>
+          </a:xfrm>
+          <a:prstGeom prst="rect">
+            <a:avLst/>
+          </a:prstGeom>
+        </p:spPr>
+      </p:pic>
     </p:spTree>
     <p:extLst>
       <p:ext uri="{BB962C8B-B14F-4D97-AF65-F5344CB8AC3E}">
-        <p14:creationId xmlns:p14="http://schemas.microsoft.com/office/powerpoint/2010/main" val="648076782"/>
+        <p14:creationId xmlns:p14="http://schemas.microsoft.com/office/powerpoint/2010/main" val="2845058267"/>
       </p:ext>
     </p:extLst>
   </p:cSld>
@@ -4058,7 +6481,7 @@
       </p:grpSpPr>
       <p:sp>
         <p:nvSpPr>
-          <p:cNvPr id="11266" name="Title 1"/>
+          <p:cNvPr id="2" name="Title 1"/>
           <p:cNvSpPr>
             <a:spLocks noGrp="1"/>
           </p:cNvSpPr>
@@ -4072,15 +6495,16 @@
           <a:lstStyle/>
           <a:p>
             <a:r>
-              <a:rPr lang="en-GB" altLang="en-US" smtClean="0"/>
-              <a:t>This Week</a:t>
-            </a:r>
-          </a:p>
-        </p:txBody>
-      </p:sp>
-      <p:sp>
-        <p:nvSpPr>
-          <p:cNvPr id="11267" name="Content Placeholder 2"/>
+              <a:rPr lang="en-GB" dirty="0" smtClean="0"/>
+              <a:t>Answer</a:t>
+            </a:r>
+            <a:endParaRPr lang="en-GB" dirty="0"/>
+          </a:p>
+        </p:txBody>
+      </p:sp>
+      <p:sp>
+        <p:nvSpPr>
+          <p:cNvPr id="3" name="Content Placeholder 2"/>
           <p:cNvSpPr>
             <a:spLocks noGrp="1"/>
           </p:cNvSpPr>
@@ -4094,30 +6518,43 @@
           <a:lstStyle/>
           <a:p>
             <a:r>
-              <a:rPr lang="en-GB" altLang="en-US" dirty="0" smtClean="0"/>
-              <a:t>Read </a:t>
-            </a:r>
-            <a:r>
-              <a:rPr lang="en-GB" altLang="en-US" dirty="0" smtClean="0"/>
-              <a:t>Associated Chapters</a:t>
-            </a:r>
-            <a:endParaRPr lang="en-GB" altLang="en-US" dirty="0" smtClean="0"/>
-          </a:p>
-          <a:p>
-            <a:r>
-              <a:rPr lang="en-GB" altLang="en-US" dirty="0" smtClean="0"/>
-              <a:t>Review Slides</a:t>
-            </a:r>
-          </a:p>
-          <a:p>
-            <a:r>
-              <a:rPr lang="en-GB" altLang="en-US" dirty="0" smtClean="0"/>
-              <a:t>Java Exercises</a:t>
-            </a:r>
-          </a:p>
-        </p:txBody>
-      </p:sp>
+              <a:rPr lang="en-GB" dirty="0" smtClean="0"/>
+              <a:t>7</a:t>
+            </a:r>
+            <a:endParaRPr lang="en-GB" dirty="0"/>
+          </a:p>
+        </p:txBody>
+      </p:sp>
+      <p:pic>
+        <p:nvPicPr>
+          <p:cNvPr id="4" name="Picture 3"/>
+          <p:cNvPicPr>
+            <a:picLocks noChangeAspect="1"/>
+          </p:cNvPicPr>
+          <p:nvPr/>
+        </p:nvPicPr>
+        <p:blipFill>
+          <a:blip r:embed="rId2"/>
+          <a:stretch>
+            <a:fillRect/>
+          </a:stretch>
+        </p:blipFill>
+        <p:spPr>
+          <a:xfrm>
+            <a:off x="838200" y="3733800"/>
+            <a:ext cx="2562225" cy="409575"/>
+          </a:xfrm>
+          <a:prstGeom prst="rect">
+            <a:avLst/>
+          </a:prstGeom>
+        </p:spPr>
+      </p:pic>
     </p:spTree>
+    <p:extLst>
+      <p:ext uri="{BB962C8B-B14F-4D97-AF65-F5344CB8AC3E}">
+        <p14:creationId xmlns:p14="http://schemas.microsoft.com/office/powerpoint/2010/main" val="535764243"/>
+      </p:ext>
+    </p:extLst>
   </p:cSld>
   <p:clrMapOvr>
     <a:masterClrMapping/>
@@ -4144,7 +6581,7 @@
       </p:grpSpPr>
       <p:sp>
         <p:nvSpPr>
-          <p:cNvPr id="12290" name="Title 1"/>
+          <p:cNvPr id="2" name="Title 1"/>
           <p:cNvSpPr>
             <a:spLocks noGrp="1"/>
           </p:cNvSpPr>
@@ -4158,15 +6595,16 @@
           <a:lstStyle/>
           <a:p>
             <a:r>
-              <a:rPr lang="en-GB" altLang="en-US" smtClean="0"/>
-              <a:t>Summary</a:t>
-            </a:r>
-          </a:p>
-        </p:txBody>
-      </p:sp>
-      <p:sp>
-        <p:nvSpPr>
-          <p:cNvPr id="12291" name="Content Placeholder 2"/>
+              <a:rPr lang="en-GB" dirty="0" smtClean="0"/>
+              <a:t>Question</a:t>
+            </a:r>
+            <a:endParaRPr lang="en-GB" dirty="0"/>
+          </a:p>
+        </p:txBody>
+      </p:sp>
+      <p:sp>
+        <p:nvSpPr>
+          <p:cNvPr id="3" name="Content Placeholder 2"/>
           <p:cNvSpPr>
             <a:spLocks noGrp="1"/>
           </p:cNvSpPr>
@@ -4180,32 +6618,49 @@
           <a:lstStyle/>
           <a:p>
             <a:r>
-              <a:rPr lang="en-GB" altLang="en-US" dirty="0" smtClean="0"/>
-              <a:t>Overview Collections with Java</a:t>
-            </a:r>
-            <a:endParaRPr lang="en-GB" altLang="en-US" dirty="0" smtClean="0"/>
-          </a:p>
-          <a:p>
-            <a:r>
-              <a:rPr lang="en-GB" altLang="en-US" smtClean="0"/>
-              <a:t>Hands-On/Practical</a:t>
-            </a:r>
-            <a:endParaRPr lang="en-GB" altLang="en-US" dirty="0" smtClean="0"/>
-          </a:p>
-        </p:txBody>
-      </p:sp>
+              <a:rPr lang="en-GB" dirty="0"/>
+              <a:t>Does the following code compile?  What would the output be?</a:t>
+            </a:r>
+          </a:p>
+          <a:p>
+            <a:endParaRPr lang="en-GB" dirty="0"/>
+          </a:p>
+        </p:txBody>
+      </p:sp>
+      <p:pic>
+        <p:nvPicPr>
+          <p:cNvPr id="4" name="Picture 3"/>
+          <p:cNvPicPr>
+            <a:picLocks noChangeAspect="1"/>
+          </p:cNvPicPr>
+          <p:nvPr/>
+        </p:nvPicPr>
+        <p:blipFill>
+          <a:blip r:embed="rId2"/>
+          <a:stretch>
+            <a:fillRect/>
+          </a:stretch>
+        </p:blipFill>
+        <p:spPr>
+          <a:xfrm>
+            <a:off x="1752600" y="3505200"/>
+            <a:ext cx="4953000" cy="2021953"/>
+          </a:xfrm>
+          <a:prstGeom prst="rect">
+            <a:avLst/>
+          </a:prstGeom>
+        </p:spPr>
+      </p:pic>
     </p:spTree>
+    <p:extLst>
+      <p:ext uri="{BB962C8B-B14F-4D97-AF65-F5344CB8AC3E}">
+        <p14:creationId xmlns:p14="http://schemas.microsoft.com/office/powerpoint/2010/main" val="390980096"/>
+      </p:ext>
+    </p:extLst>
   </p:cSld>
   <p:clrMapOvr>
     <a:masterClrMapping/>
   </p:clrMapOvr>
-  <p:timing>
-    <p:tnLst>
-      <p:par>
-        <p:cTn id="1" dur="indefinite" restart="never" nodeType="tmRoot"/>
-      </p:par>
-    </p:tnLst>
-  </p:timing>
 </p:sld>
 </file>
 
@@ -4228,7 +6683,7 @@
       </p:grpSpPr>
       <p:sp>
         <p:nvSpPr>
-          <p:cNvPr id="13314" name="Title 1"/>
+          <p:cNvPr id="2" name="Title 1"/>
           <p:cNvSpPr>
             <a:spLocks noGrp="1"/>
           </p:cNvSpPr>
@@ -4241,17 +6696,17 @@
           <a:bodyPr/>
           <a:lstStyle/>
           <a:p>
-            <a:pPr eaLnBrk="1" hangingPunct="1"/>
-            <a:r>
-              <a:rPr lang="en-GB" altLang="en-US" smtClean="0"/>
-              <a:t>Questions/Discussion</a:t>
-            </a:r>
-          </a:p>
-        </p:txBody>
-      </p:sp>
-      <p:sp>
-        <p:nvSpPr>
-          <p:cNvPr id="13315" name="Content Placeholder 2"/>
+            <a:r>
+              <a:rPr lang="en-GB" dirty="0" smtClean="0"/>
+              <a:t>Answer</a:t>
+            </a:r>
+            <a:endParaRPr lang="en-GB" dirty="0"/>
+          </a:p>
+        </p:txBody>
+      </p:sp>
+      <p:sp>
+        <p:nvSpPr>
+          <p:cNvPr id="3" name="Content Placeholder 2"/>
           <p:cNvSpPr>
             <a:spLocks noGrp="1"/>
           </p:cNvSpPr>
@@ -4264,23 +6719,418 @@
           <a:bodyPr/>
           <a:lstStyle/>
           <a:p>
-            <a:pPr eaLnBrk="1" hangingPunct="1"/>
-            <a:endParaRPr lang="en-GB" altLang="en-US" smtClean="0"/>
-          </a:p>
-        </p:txBody>
-      </p:sp>
+            <a:pPr marL="0" indent="0">
+              <a:buNone/>
+            </a:pPr>
+            <a:r>
+              <a:rPr lang="en-GB" dirty="0" smtClean="0"/>
+              <a:t>val:12</a:t>
+            </a:r>
+          </a:p>
+          <a:p>
+            <a:pPr marL="0" indent="0">
+              <a:buNone/>
+            </a:pPr>
+            <a:r>
+              <a:rPr lang="en-GB" dirty="0" smtClean="0"/>
+              <a:t>3:val</a:t>
+            </a:r>
+            <a:endParaRPr lang="en-GB" dirty="0"/>
+          </a:p>
+        </p:txBody>
+      </p:sp>
+      <p:pic>
+        <p:nvPicPr>
+          <p:cNvPr id="4" name="Picture 3"/>
+          <p:cNvPicPr>
+            <a:picLocks noChangeAspect="1"/>
+          </p:cNvPicPr>
+          <p:nvPr/>
+        </p:nvPicPr>
+        <p:blipFill>
+          <a:blip r:embed="rId2"/>
+          <a:stretch>
+            <a:fillRect/>
+          </a:stretch>
+        </p:blipFill>
+        <p:spPr>
+          <a:xfrm>
+            <a:off x="762000" y="4343400"/>
+            <a:ext cx="2552700" cy="676275"/>
+          </a:xfrm>
+          <a:prstGeom prst="rect">
+            <a:avLst/>
+          </a:prstGeom>
+        </p:spPr>
+      </p:pic>
     </p:spTree>
+    <p:extLst>
+      <p:ext uri="{BB962C8B-B14F-4D97-AF65-F5344CB8AC3E}">
+        <p14:creationId xmlns:p14="http://schemas.microsoft.com/office/powerpoint/2010/main" val="3111697431"/>
+      </p:ext>
+    </p:extLst>
   </p:cSld>
   <p:clrMapOvr>
     <a:masterClrMapping/>
   </p:clrMapOvr>
-  <p:timing>
-    <p:tnLst>
-      <p:par>
-        <p:cTn id="1" dur="indefinite" restart="never" nodeType="tmRoot"/>
-      </p:par>
-    </p:tnLst>
-  </p:timing>
+</p:sld>
+</file>
+
+<file path=ppt/slides/slide7.xml><?xml version="1.0" encoding="utf-8"?>
+<p:sld xmlns:a="http://schemas.openxmlformats.org/drawingml/2006/main" xmlns:r="http://schemas.openxmlformats.org/officeDocument/2006/relationships" xmlns:p="http://schemas.openxmlformats.org/presentationml/2006/main">
+  <p:cSld>
+    <p:spTree>
+      <p:nvGrpSpPr>
+        <p:cNvPr id="1" name=""/>
+        <p:cNvGrpSpPr/>
+        <p:nvPr/>
+      </p:nvGrpSpPr>
+      <p:grpSpPr>
+        <a:xfrm>
+          <a:off x="0" y="0"/>
+          <a:ext cx="0" cy="0"/>
+          <a:chOff x="0" y="0"/>
+          <a:chExt cx="0" cy="0"/>
+        </a:xfrm>
+      </p:grpSpPr>
+      <p:sp>
+        <p:nvSpPr>
+          <p:cNvPr id="2" name="Title 1"/>
+          <p:cNvSpPr>
+            <a:spLocks noGrp="1"/>
+          </p:cNvSpPr>
+          <p:nvPr>
+            <p:ph type="title"/>
+          </p:nvPr>
+        </p:nvSpPr>
+        <p:spPr>
+          <a:xfrm>
+            <a:off x="685800" y="228600"/>
+            <a:ext cx="7772400" cy="1143000"/>
+          </a:xfrm>
+        </p:spPr>
+        <p:txBody>
+          <a:bodyPr/>
+          <a:lstStyle/>
+          <a:p>
+            <a:r>
+              <a:rPr lang="en-GB" dirty="0" smtClean="0"/>
+              <a:t>Question</a:t>
+            </a:r>
+            <a:endParaRPr lang="en-GB" dirty="0"/>
+          </a:p>
+        </p:txBody>
+      </p:sp>
+      <p:sp>
+        <p:nvSpPr>
+          <p:cNvPr id="3" name="Content Placeholder 2"/>
+          <p:cNvSpPr>
+            <a:spLocks noGrp="1"/>
+          </p:cNvSpPr>
+          <p:nvPr>
+            <p:ph idx="1"/>
+          </p:nvPr>
+        </p:nvSpPr>
+        <p:spPr>
+          <a:xfrm>
+            <a:off x="685800" y="1600200"/>
+            <a:ext cx="7772400" cy="4648200"/>
+          </a:xfrm>
+        </p:spPr>
+        <p:txBody>
+          <a:bodyPr>
+            <a:normAutofit fontScale="77500" lnSpcReduction="20000"/>
+          </a:bodyPr>
+          <a:lstStyle/>
+          <a:p>
+            <a:r>
+              <a:rPr lang="en-GB" dirty="0"/>
+              <a:t>What will the following code print</a:t>
+            </a:r>
+            <a:r>
+              <a:rPr lang="en-GB" dirty="0" smtClean="0"/>
+              <a:t>?</a:t>
+            </a:r>
+          </a:p>
+          <a:p>
+            <a:endParaRPr lang="en-GB" dirty="0"/>
+          </a:p>
+          <a:p>
+            <a:endParaRPr lang="en-GB" dirty="0" smtClean="0"/>
+          </a:p>
+          <a:p>
+            <a:endParaRPr lang="en-GB" dirty="0"/>
+          </a:p>
+          <a:p>
+            <a:endParaRPr lang="en-GB" dirty="0" smtClean="0"/>
+          </a:p>
+          <a:p>
+            <a:endParaRPr lang="en-GB" dirty="0"/>
+          </a:p>
+          <a:p>
+            <a:endParaRPr lang="en-GB" dirty="0" smtClean="0"/>
+          </a:p>
+          <a:p>
+            <a:endParaRPr lang="en-GB" dirty="0"/>
+          </a:p>
+          <a:p>
+            <a:pPr>
+              <a:buNone/>
+            </a:pPr>
+            <a:r>
+              <a:rPr lang="en-US" dirty="0"/>
+              <a:t>a) 1</a:t>
+            </a:r>
+          </a:p>
+          <a:p>
+            <a:pPr>
+              <a:buNone/>
+            </a:pPr>
+            <a:r>
+              <a:rPr lang="en-US" dirty="0"/>
+              <a:t>b) 10</a:t>
+            </a:r>
+          </a:p>
+          <a:p>
+            <a:pPr>
+              <a:buNone/>
+            </a:pPr>
+            <a:r>
+              <a:rPr lang="en-US" dirty="0"/>
+              <a:t>c) 16</a:t>
+            </a:r>
+          </a:p>
+          <a:p>
+            <a:pPr>
+              <a:buNone/>
+            </a:pPr>
+            <a:r>
+              <a:rPr lang="en-US" dirty="0"/>
+              <a:t>d) 31</a:t>
+            </a:r>
+          </a:p>
+          <a:p>
+            <a:endParaRPr lang="en-GB" dirty="0"/>
+          </a:p>
+          <a:p>
+            <a:endParaRPr lang="en-GB" dirty="0"/>
+          </a:p>
+        </p:txBody>
+      </p:sp>
+      <p:pic>
+        <p:nvPicPr>
+          <p:cNvPr id="4" name="Picture 3"/>
+          <p:cNvPicPr>
+            <a:picLocks noChangeAspect="1"/>
+          </p:cNvPicPr>
+          <p:nvPr/>
+        </p:nvPicPr>
+        <p:blipFill>
+          <a:blip r:embed="rId2"/>
+          <a:stretch>
+            <a:fillRect/>
+          </a:stretch>
+        </p:blipFill>
+        <p:spPr>
+          <a:xfrm>
+            <a:off x="2743200" y="2514600"/>
+            <a:ext cx="4533900" cy="2610427"/>
+          </a:xfrm>
+          <a:prstGeom prst="rect">
+            <a:avLst/>
+          </a:prstGeom>
+        </p:spPr>
+      </p:pic>
+    </p:spTree>
+    <p:extLst>
+      <p:ext uri="{BB962C8B-B14F-4D97-AF65-F5344CB8AC3E}">
+        <p14:creationId xmlns:p14="http://schemas.microsoft.com/office/powerpoint/2010/main" val="229536355"/>
+      </p:ext>
+    </p:extLst>
+  </p:cSld>
+  <p:clrMapOvr>
+    <a:masterClrMapping/>
+  </p:clrMapOvr>
+</p:sld>
+</file>
+
+<file path=ppt/slides/slide8.xml><?xml version="1.0" encoding="utf-8"?>
+<p:sld xmlns:a="http://schemas.openxmlformats.org/drawingml/2006/main" xmlns:r="http://schemas.openxmlformats.org/officeDocument/2006/relationships" xmlns:p="http://schemas.openxmlformats.org/presentationml/2006/main">
+  <p:cSld>
+    <p:spTree>
+      <p:nvGrpSpPr>
+        <p:cNvPr id="1" name=""/>
+        <p:cNvGrpSpPr/>
+        <p:nvPr/>
+      </p:nvGrpSpPr>
+      <p:grpSpPr>
+        <a:xfrm>
+          <a:off x="0" y="0"/>
+          <a:ext cx="0" cy="0"/>
+          <a:chOff x="0" y="0"/>
+          <a:chExt cx="0" cy="0"/>
+        </a:xfrm>
+      </p:grpSpPr>
+      <p:sp>
+        <p:nvSpPr>
+          <p:cNvPr id="2" name="Title 1"/>
+          <p:cNvSpPr>
+            <a:spLocks noGrp="1"/>
+          </p:cNvSpPr>
+          <p:nvPr>
+            <p:ph type="title"/>
+          </p:nvPr>
+        </p:nvSpPr>
+        <p:spPr/>
+        <p:txBody>
+          <a:bodyPr/>
+          <a:lstStyle/>
+          <a:p>
+            <a:r>
+              <a:rPr lang="en-GB" dirty="0" smtClean="0"/>
+              <a:t>Answer</a:t>
+            </a:r>
+            <a:endParaRPr lang="en-GB" dirty="0"/>
+          </a:p>
+        </p:txBody>
+      </p:sp>
+      <p:sp>
+        <p:nvSpPr>
+          <p:cNvPr id="3" name="Content Placeholder 2"/>
+          <p:cNvSpPr>
+            <a:spLocks noGrp="1"/>
+          </p:cNvSpPr>
+          <p:nvPr>
+            <p:ph idx="1"/>
+          </p:nvPr>
+        </p:nvSpPr>
+        <p:spPr/>
+        <p:txBody>
+          <a:bodyPr/>
+          <a:lstStyle/>
+          <a:p>
+            <a:r>
+              <a:rPr lang="en-GB" dirty="0"/>
+              <a:t>c) 16</a:t>
+            </a:r>
+          </a:p>
+          <a:p>
+            <a:endParaRPr lang="en-GB" dirty="0"/>
+          </a:p>
+        </p:txBody>
+      </p:sp>
+    </p:spTree>
+    <p:extLst>
+      <p:ext uri="{BB962C8B-B14F-4D97-AF65-F5344CB8AC3E}">
+        <p14:creationId xmlns:p14="http://schemas.microsoft.com/office/powerpoint/2010/main" val="4028211060"/>
+      </p:ext>
+    </p:extLst>
+  </p:cSld>
+  <p:clrMapOvr>
+    <a:masterClrMapping/>
+  </p:clrMapOvr>
+</p:sld>
+</file>
+
+<file path=ppt/slides/slide9.xml><?xml version="1.0" encoding="utf-8"?>
+<p:sld xmlns:a="http://schemas.openxmlformats.org/drawingml/2006/main" xmlns:r="http://schemas.openxmlformats.org/officeDocument/2006/relationships" xmlns:p="http://schemas.openxmlformats.org/presentationml/2006/main">
+  <p:cSld>
+    <p:spTree>
+      <p:nvGrpSpPr>
+        <p:cNvPr id="1" name=""/>
+        <p:cNvGrpSpPr/>
+        <p:nvPr/>
+      </p:nvGrpSpPr>
+      <p:grpSpPr>
+        <a:xfrm>
+          <a:off x="0" y="0"/>
+          <a:ext cx="0" cy="0"/>
+          <a:chOff x="0" y="0"/>
+          <a:chExt cx="0" cy="0"/>
+        </a:xfrm>
+      </p:grpSpPr>
+      <p:sp>
+        <p:nvSpPr>
+          <p:cNvPr id="2" name="Title 1"/>
+          <p:cNvSpPr>
+            <a:spLocks noGrp="1"/>
+          </p:cNvSpPr>
+          <p:nvPr>
+            <p:ph type="title"/>
+          </p:nvPr>
+        </p:nvSpPr>
+        <p:spPr/>
+        <p:txBody>
+          <a:bodyPr/>
+          <a:lstStyle/>
+          <a:p>
+            <a:r>
+              <a:rPr lang="en-GB" dirty="0" smtClean="0"/>
+              <a:t>Question</a:t>
+            </a:r>
+            <a:endParaRPr lang="en-GB" dirty="0"/>
+          </a:p>
+        </p:txBody>
+      </p:sp>
+      <p:sp>
+        <p:nvSpPr>
+          <p:cNvPr id="3" name="Content Placeholder 2"/>
+          <p:cNvSpPr>
+            <a:spLocks noGrp="1"/>
+          </p:cNvSpPr>
+          <p:nvPr>
+            <p:ph idx="1"/>
+          </p:nvPr>
+        </p:nvSpPr>
+        <p:spPr/>
+        <p:txBody>
+          <a:bodyPr/>
+          <a:lstStyle/>
+          <a:p>
+            <a:r>
+              <a:rPr lang="en-GB" dirty="0"/>
+              <a:t>Does the following code compile?  What would the output be?</a:t>
+            </a:r>
+          </a:p>
+          <a:p>
+            <a:endParaRPr lang="en-GB" dirty="0"/>
+          </a:p>
+        </p:txBody>
+      </p:sp>
+      <p:pic>
+        <p:nvPicPr>
+          <p:cNvPr id="4" name="Picture 3"/>
+          <p:cNvPicPr>
+            <a:picLocks noChangeAspect="1"/>
+          </p:cNvPicPr>
+          <p:nvPr/>
+        </p:nvPicPr>
+        <p:blipFill>
+          <a:blip r:embed="rId2"/>
+          <a:stretch>
+            <a:fillRect/>
+          </a:stretch>
+        </p:blipFill>
+        <p:spPr>
+          <a:xfrm>
+            <a:off x="1752600" y="3276600"/>
+            <a:ext cx="4724400" cy="2855907"/>
+          </a:xfrm>
+          <a:prstGeom prst="rect">
+            <a:avLst/>
+          </a:prstGeom>
+        </p:spPr>
+      </p:pic>
+    </p:spTree>
+    <p:extLst>
+      <p:ext uri="{BB962C8B-B14F-4D97-AF65-F5344CB8AC3E}">
+        <p14:creationId xmlns:p14="http://schemas.microsoft.com/office/powerpoint/2010/main" val="572034808"/>
+      </p:ext>
+    </p:extLst>
+  </p:cSld>
+  <p:clrMapOvr>
+    <a:masterClrMapping/>
+  </p:clrMapOvr>
 </p:sld>
 </file>
 

--- a/OOP/lectures/110--Generic.and.Collections.pptx
+++ b/OOP/lectures/110--Generic.and.Collections.pptx
@@ -5,38 +5,40 @@
     <p:sldMasterId id="2147483648" r:id="rId1"/>
   </p:sldMasterIdLst>
   <p:notesMasterIdLst>
-    <p:notesMasterId r:id="rId31"/>
+    <p:notesMasterId r:id="rId33"/>
   </p:notesMasterIdLst>
   <p:sldIdLst>
     <p:sldId id="267" r:id="rId2"/>
     <p:sldId id="274" r:id="rId3"/>
-    <p:sldId id="285" r:id="rId4"/>
-    <p:sldId id="286" r:id="rId5"/>
-    <p:sldId id="287" r:id="rId6"/>
-    <p:sldId id="288" r:id="rId7"/>
-    <p:sldId id="289" r:id="rId8"/>
-    <p:sldId id="290" r:id="rId9"/>
-    <p:sldId id="291" r:id="rId10"/>
-    <p:sldId id="292" r:id="rId11"/>
-    <p:sldId id="294" r:id="rId12"/>
-    <p:sldId id="295" r:id="rId13"/>
-    <p:sldId id="296" r:id="rId14"/>
-    <p:sldId id="297" r:id="rId15"/>
-    <p:sldId id="298" r:id="rId16"/>
-    <p:sldId id="299" r:id="rId17"/>
-    <p:sldId id="276" r:id="rId18"/>
-    <p:sldId id="277" r:id="rId19"/>
-    <p:sldId id="280" r:id="rId20"/>
-    <p:sldId id="281" r:id="rId21"/>
-    <p:sldId id="278" r:id="rId22"/>
-    <p:sldId id="282" r:id="rId23"/>
-    <p:sldId id="283" r:id="rId24"/>
-    <p:sldId id="284" r:id="rId25"/>
-    <p:sldId id="293" r:id="rId26"/>
-    <p:sldId id="272" r:id="rId27"/>
-    <p:sldId id="275" r:id="rId28"/>
-    <p:sldId id="279" r:id="rId29"/>
-    <p:sldId id="268" r:id="rId30"/>
+    <p:sldId id="300" r:id="rId4"/>
+    <p:sldId id="285" r:id="rId5"/>
+    <p:sldId id="286" r:id="rId6"/>
+    <p:sldId id="287" r:id="rId7"/>
+    <p:sldId id="288" r:id="rId8"/>
+    <p:sldId id="289" r:id="rId9"/>
+    <p:sldId id="290" r:id="rId10"/>
+    <p:sldId id="291" r:id="rId11"/>
+    <p:sldId id="292" r:id="rId12"/>
+    <p:sldId id="294" r:id="rId13"/>
+    <p:sldId id="295" r:id="rId14"/>
+    <p:sldId id="296" r:id="rId15"/>
+    <p:sldId id="297" r:id="rId16"/>
+    <p:sldId id="298" r:id="rId17"/>
+    <p:sldId id="299" r:id="rId18"/>
+    <p:sldId id="276" r:id="rId19"/>
+    <p:sldId id="277" r:id="rId20"/>
+    <p:sldId id="280" r:id="rId21"/>
+    <p:sldId id="281" r:id="rId22"/>
+    <p:sldId id="278" r:id="rId23"/>
+    <p:sldId id="282" r:id="rId24"/>
+    <p:sldId id="283" r:id="rId25"/>
+    <p:sldId id="284" r:id="rId26"/>
+    <p:sldId id="293" r:id="rId27"/>
+    <p:sldId id="272" r:id="rId28"/>
+    <p:sldId id="275" r:id="rId29"/>
+    <p:sldId id="301" r:id="rId30"/>
+    <p:sldId id="279" r:id="rId31"/>
+    <p:sldId id="268" r:id="rId32"/>
   </p:sldIdLst>
   <p:sldSz cx="9144000" cy="6858000" type="screen4x3"/>
   <p:notesSz cx="6858000" cy="9144000"/>
@@ -3925,7 +3927,7 @@
           <a:p>
             <a:r>
               <a:rPr lang="en-GB" dirty="0" smtClean="0"/>
-              <a:t>Answer</a:t>
+              <a:t>Question</a:t>
             </a:r>
             <a:endParaRPr lang="en-GB" dirty="0"/>
           </a:p>
@@ -3947,9 +3949,11 @@
           <a:lstStyle/>
           <a:p>
             <a:r>
-              <a:rPr lang="en-GB" dirty="0" smtClean="0"/>
-              <a:t>96</a:t>
-            </a:r>
+              <a:rPr lang="en-GB" dirty="0"/>
+              <a:t>Does the following code compile?  What would the output be?</a:t>
+            </a:r>
+          </a:p>
+          <a:p>
             <a:endParaRPr lang="en-GB" dirty="0"/>
           </a:p>
         </p:txBody>
@@ -3970,8 +3974,8 @@
         </p:blipFill>
         <p:spPr>
           <a:xfrm>
-            <a:off x="685800" y="4038600"/>
-            <a:ext cx="2762250" cy="523875"/>
+            <a:off x="1752600" y="3276600"/>
+            <a:ext cx="4724400" cy="2855907"/>
           </a:xfrm>
           <a:prstGeom prst="rect">
             <a:avLst/>
@@ -3981,7 +3985,7 @@
     </p:spTree>
     <p:extLst>
       <p:ext uri="{BB962C8B-B14F-4D97-AF65-F5344CB8AC3E}">
-        <p14:creationId xmlns:p14="http://schemas.microsoft.com/office/powerpoint/2010/main" val="1233421915"/>
+        <p14:creationId xmlns:p14="http://schemas.microsoft.com/office/powerpoint/2010/main" val="572034808"/>
       </p:ext>
     </p:extLst>
   </p:cSld>
@@ -4018,19 +4022,14 @@
             <p:ph type="title"/>
           </p:nvPr>
         </p:nvSpPr>
-        <p:spPr>
-          <a:xfrm>
-            <a:off x="685800" y="304800"/>
-            <a:ext cx="7772400" cy="1143000"/>
-          </a:xfrm>
-        </p:spPr>
+        <p:spPr/>
         <p:txBody>
           <a:bodyPr/>
           <a:lstStyle/>
           <a:p>
             <a:r>
               <a:rPr lang="en-GB" dirty="0" smtClean="0"/>
-              <a:t>Question</a:t>
+              <a:t>Answer</a:t>
             </a:r>
             <a:endParaRPr lang="en-GB" dirty="0"/>
           </a:p>
@@ -4046,22 +4045,15 @@
             <p:ph idx="1"/>
           </p:nvPr>
         </p:nvSpPr>
-        <p:spPr>
-          <a:xfrm>
-            <a:off x="685800" y="1447800"/>
-            <a:ext cx="7772400" cy="4114800"/>
-          </a:xfrm>
-        </p:spPr>
-        <p:txBody>
-          <a:bodyPr/>
-          <a:lstStyle/>
-          <a:p>
-            <a:r>
-              <a:rPr lang="en-GB" dirty="0"/>
-              <a:t>Does the following code compile?  What would the output be?</a:t>
-            </a:r>
-          </a:p>
-          <a:p>
+        <p:spPr/>
+        <p:txBody>
+          <a:bodyPr/>
+          <a:lstStyle/>
+          <a:p>
+            <a:r>
+              <a:rPr lang="en-GB" dirty="0" smtClean="0"/>
+              <a:t>96</a:t>
+            </a:r>
             <a:endParaRPr lang="en-GB" dirty="0"/>
           </a:p>
         </p:txBody>
@@ -4082,8 +4074,8 @@
         </p:blipFill>
         <p:spPr>
           <a:xfrm>
-            <a:off x="1676400" y="2743200"/>
-            <a:ext cx="5505450" cy="3957865"/>
+            <a:off x="685800" y="4038600"/>
+            <a:ext cx="2762250" cy="523875"/>
           </a:xfrm>
           <a:prstGeom prst="rect">
             <a:avLst/>
@@ -4093,7 +4085,7 @@
     </p:spTree>
     <p:extLst>
       <p:ext uri="{BB962C8B-B14F-4D97-AF65-F5344CB8AC3E}">
-        <p14:creationId xmlns:p14="http://schemas.microsoft.com/office/powerpoint/2010/main" val="2092278806"/>
+        <p14:creationId xmlns:p14="http://schemas.microsoft.com/office/powerpoint/2010/main" val="1233421915"/>
       </p:ext>
     </p:extLst>
   </p:cSld>
@@ -4130,14 +4122,19 @@
             <p:ph type="title"/>
           </p:nvPr>
         </p:nvSpPr>
-        <p:spPr/>
+        <p:spPr>
+          <a:xfrm>
+            <a:off x="685800" y="304800"/>
+            <a:ext cx="7772400" cy="1143000"/>
+          </a:xfrm>
+        </p:spPr>
         <p:txBody>
           <a:bodyPr/>
           <a:lstStyle/>
           <a:p>
             <a:r>
               <a:rPr lang="en-GB" dirty="0" smtClean="0"/>
-              <a:t>Answer</a:t>
+              <a:t>Question</a:t>
             </a:r>
             <a:endParaRPr lang="en-GB" dirty="0"/>
           </a:p>
@@ -4153,23 +4150,54 @@
             <p:ph idx="1"/>
           </p:nvPr>
         </p:nvSpPr>
-        <p:spPr/>
-        <p:txBody>
-          <a:bodyPr/>
-          <a:lstStyle/>
-          <a:p>
-            <a:r>
-              <a:rPr lang="en-GB" dirty="0" smtClean="0"/>
-              <a:t>5 10</a:t>
-            </a:r>
+        <p:spPr>
+          <a:xfrm>
+            <a:off x="685800" y="1447800"/>
+            <a:ext cx="7772400" cy="4114800"/>
+          </a:xfrm>
+        </p:spPr>
+        <p:txBody>
+          <a:bodyPr/>
+          <a:lstStyle/>
+          <a:p>
+            <a:r>
+              <a:rPr lang="en-GB" dirty="0"/>
+              <a:t>Does the following code compile?  What would the output be?</a:t>
+            </a:r>
+          </a:p>
+          <a:p>
             <a:endParaRPr lang="en-GB" dirty="0"/>
           </a:p>
         </p:txBody>
       </p:sp>
+      <p:pic>
+        <p:nvPicPr>
+          <p:cNvPr id="4" name="Picture 3"/>
+          <p:cNvPicPr>
+            <a:picLocks noChangeAspect="1"/>
+          </p:cNvPicPr>
+          <p:nvPr/>
+        </p:nvPicPr>
+        <p:blipFill>
+          <a:blip r:embed="rId2"/>
+          <a:stretch>
+            <a:fillRect/>
+          </a:stretch>
+        </p:blipFill>
+        <p:spPr>
+          <a:xfrm>
+            <a:off x="1676400" y="2743200"/>
+            <a:ext cx="5505450" cy="3957865"/>
+          </a:xfrm>
+          <a:prstGeom prst="rect">
+            <a:avLst/>
+          </a:prstGeom>
+        </p:spPr>
+      </p:pic>
     </p:spTree>
     <p:extLst>
       <p:ext uri="{BB962C8B-B14F-4D97-AF65-F5344CB8AC3E}">
-        <p14:creationId xmlns:p14="http://schemas.microsoft.com/office/powerpoint/2010/main" val="124077664"/>
+        <p14:creationId xmlns:p14="http://schemas.microsoft.com/office/powerpoint/2010/main" val="2092278806"/>
       </p:ext>
     </p:extLst>
   </p:cSld>
@@ -4206,19 +4234,14 @@
             <p:ph type="title"/>
           </p:nvPr>
         </p:nvSpPr>
-        <p:spPr>
-          <a:xfrm>
-            <a:off x="685800" y="76200"/>
-            <a:ext cx="7772400" cy="1143000"/>
-          </a:xfrm>
-        </p:spPr>
+        <p:spPr/>
         <p:txBody>
           <a:bodyPr/>
           <a:lstStyle/>
           <a:p>
             <a:r>
               <a:rPr lang="en-GB" dirty="0" smtClean="0"/>
-              <a:t>Question</a:t>
+              <a:t>Answer</a:t>
             </a:r>
             <a:endParaRPr lang="en-GB" dirty="0"/>
           </a:p>
@@ -4234,190 +4257,23 @@
             <p:ph idx="1"/>
           </p:nvPr>
         </p:nvSpPr>
-        <p:spPr>
-          <a:xfrm>
-            <a:off x="457200" y="1219200"/>
-            <a:ext cx="3429000" cy="4114800"/>
-          </a:xfrm>
-        </p:spPr>
-        <p:txBody>
-          <a:bodyPr>
-            <a:normAutofit fontScale="70000" lnSpcReduction="20000"/>
-          </a:bodyPr>
-          <a:lstStyle/>
-          <a:p>
-            <a:r>
-              <a:rPr lang="en-GB" dirty="0"/>
-              <a:t>Does the following code compile?  What would the output be</a:t>
-            </a:r>
+        <p:spPr/>
+        <p:txBody>
+          <a:bodyPr/>
+          <a:lstStyle/>
+          <a:p>
             <a:r>
               <a:rPr lang="en-GB" dirty="0" smtClean="0"/>
-              <a:t>?</a:t>
-            </a:r>
-          </a:p>
-          <a:p>
-            <a:endParaRPr lang="en-GB" dirty="0" smtClean="0"/>
-          </a:p>
-          <a:p>
-            <a:pPr marL="0" indent="0">
-              <a:buNone/>
-            </a:pPr>
+              <a:t>5 10</a:t>
+            </a:r>
             <a:endParaRPr lang="en-GB" dirty="0"/>
           </a:p>
-          <a:p>
-            <a:pPr marL="0" indent="0">
-              <a:buNone/>
-            </a:pPr>
-            <a:r>
-              <a:rPr lang="en-GB" dirty="0" smtClean="0">
-                <a:solidFill>
-                  <a:sysClr val="windowText" lastClr="000000"/>
-                </a:solidFill>
-              </a:rPr>
-              <a:t>a) </a:t>
-            </a:r>
-            <a:r>
-              <a:rPr lang="en-GB" dirty="0">
-                <a:solidFill>
-                  <a:sysClr val="windowText" lastClr="000000"/>
-                </a:solidFill>
-              </a:rPr>
-              <a:t>(that is, the empty string, printed twice)</a:t>
-            </a:r>
-            <a:br>
-              <a:rPr lang="en-GB" dirty="0">
-                <a:solidFill>
-                  <a:sysClr val="windowText" lastClr="000000"/>
-                </a:solidFill>
-              </a:rPr>
-            </a:br>
-            <a:r>
-              <a:rPr lang="en-GB" dirty="0" smtClean="0">
-                <a:solidFill>
-                  <a:sysClr val="windowText" lastClr="000000"/>
-                </a:solidFill>
-              </a:rPr>
-              <a:t>b) </a:t>
-            </a:r>
-            <a:r>
-              <a:rPr lang="en-GB" dirty="0">
-                <a:solidFill>
-                  <a:sysClr val="windowText" lastClr="000000"/>
-                </a:solidFill>
-              </a:rPr>
-              <a:t>*</a:t>
-            </a:r>
-            <a:br>
-              <a:rPr lang="en-GB" dirty="0">
-                <a:solidFill>
-                  <a:sysClr val="windowText" lastClr="000000"/>
-                </a:solidFill>
-              </a:rPr>
-            </a:br>
-            <a:r>
-              <a:rPr lang="en-GB" dirty="0" smtClean="0">
-                <a:solidFill>
-                  <a:sysClr val="windowText" lastClr="000000"/>
-                </a:solidFill>
-              </a:rPr>
-              <a:t>c) </a:t>
-            </a:r>
-            <a:r>
-              <a:rPr lang="en-GB" dirty="0">
-                <a:solidFill>
-                  <a:sysClr val="windowText" lastClr="000000"/>
-                </a:solidFill>
-              </a:rPr>
-              <a:t>!***</a:t>
-            </a:r>
-            <a:br>
-              <a:rPr lang="en-GB" dirty="0">
-                <a:solidFill>
-                  <a:sysClr val="windowText" lastClr="000000"/>
-                </a:solidFill>
-              </a:rPr>
-            </a:br>
-            <a:r>
-              <a:rPr lang="en-GB" dirty="0" smtClean="0">
-                <a:solidFill>
-                  <a:sysClr val="windowText" lastClr="000000"/>
-                </a:solidFill>
-              </a:rPr>
-              <a:t>d) </a:t>
-            </a:r>
-            <a:r>
-              <a:rPr lang="en-GB" dirty="0">
-                <a:solidFill>
-                  <a:sysClr val="windowText" lastClr="000000"/>
-                </a:solidFill>
-              </a:rPr>
-              <a:t>!****</a:t>
-            </a:r>
-            <a:br>
-              <a:rPr lang="en-GB" dirty="0">
-                <a:solidFill>
-                  <a:sysClr val="windowText" lastClr="000000"/>
-                </a:solidFill>
-              </a:rPr>
-            </a:br>
-            <a:r>
-              <a:rPr lang="en-GB" dirty="0" smtClean="0">
-                <a:solidFill>
-                  <a:sysClr val="windowText" lastClr="000000"/>
-                </a:solidFill>
-              </a:rPr>
-              <a:t>e) </a:t>
-            </a:r>
-            <a:r>
-              <a:rPr lang="en-GB" dirty="0">
-                <a:solidFill>
-                  <a:sysClr val="windowText" lastClr="000000"/>
-                </a:solidFill>
-              </a:rPr>
-              <a:t>!!!***</a:t>
-            </a:r>
-            <a:endParaRPr lang="en-GB" dirty="0"/>
-          </a:p>
-          <a:p>
-            <a:pPr marL="0" indent="0">
-              <a:buNone/>
-            </a:pPr>
-            <a:r>
-              <a:rPr lang="en-GB" dirty="0" smtClean="0"/>
-              <a:t> </a:t>
-            </a:r>
-            <a:endParaRPr lang="en-GB" dirty="0"/>
-          </a:p>
-        </p:txBody>
-      </p:sp>
-      <p:pic>
-        <p:nvPicPr>
-          <p:cNvPr id="4" name="Picture 3"/>
-          <p:cNvPicPr>
-            <a:picLocks noChangeAspect="1"/>
-          </p:cNvPicPr>
-          <p:nvPr/>
-        </p:nvPicPr>
-        <p:blipFill>
-          <a:blip r:embed="rId2"/>
-          <a:stretch>
-            <a:fillRect/>
-          </a:stretch>
-        </p:blipFill>
-        <p:spPr>
-          <a:xfrm>
-            <a:off x="3798093" y="1905000"/>
-            <a:ext cx="5345907" cy="3271470"/>
-          </a:xfrm>
-          <a:prstGeom prst="rect">
-            <a:avLst/>
-          </a:prstGeom>
-        </p:spPr>
-      </p:pic>
+        </p:txBody>
+      </p:sp>
     </p:spTree>
     <p:extLst>
       <p:ext uri="{BB962C8B-B14F-4D97-AF65-F5344CB8AC3E}">
-        <p14:creationId xmlns:p14="http://schemas.microsoft.com/office/powerpoint/2010/main" val="3986573732"/>
+        <p14:creationId xmlns:p14="http://schemas.microsoft.com/office/powerpoint/2010/main" val="124077664"/>
       </p:ext>
     </p:extLst>
   </p:cSld>
@@ -4454,14 +4310,19 @@
             <p:ph type="title"/>
           </p:nvPr>
         </p:nvSpPr>
-        <p:spPr/>
+        <p:spPr>
+          <a:xfrm>
+            <a:off x="685800" y="76200"/>
+            <a:ext cx="7772400" cy="1143000"/>
+          </a:xfrm>
+        </p:spPr>
         <p:txBody>
           <a:bodyPr/>
           <a:lstStyle/>
           <a:p>
             <a:r>
               <a:rPr lang="en-GB" dirty="0" smtClean="0"/>
-              <a:t>Answer</a:t>
+              <a:t>Question</a:t>
             </a:r>
             <a:endParaRPr lang="en-GB" dirty="0"/>
           </a:p>
@@ -4477,23 +4338,190 @@
             <p:ph idx="1"/>
           </p:nvPr>
         </p:nvSpPr>
-        <p:spPr/>
-        <p:txBody>
-          <a:bodyPr/>
-          <a:lstStyle/>
-          <a:p>
+        <p:spPr>
+          <a:xfrm>
+            <a:off x="457200" y="1219200"/>
+            <a:ext cx="3429000" cy="4114800"/>
+          </a:xfrm>
+        </p:spPr>
+        <p:txBody>
+          <a:bodyPr>
+            <a:normAutofit fontScale="70000" lnSpcReduction="20000"/>
+          </a:bodyPr>
+          <a:lstStyle/>
+          <a:p>
+            <a:r>
+              <a:rPr lang="en-GB" dirty="0"/>
+              <a:t>Does the following code compile?  What would the output be</a:t>
+            </a:r>
             <a:r>
               <a:rPr lang="en-GB" dirty="0" smtClean="0"/>
-              <a:t>c) !***</a:t>
-            </a:r>
+              <a:t>?</a:t>
+            </a:r>
+          </a:p>
+          <a:p>
+            <a:endParaRPr lang="en-GB" dirty="0" smtClean="0"/>
+          </a:p>
+          <a:p>
+            <a:pPr marL="0" indent="0">
+              <a:buNone/>
+            </a:pPr>
             <a:endParaRPr lang="en-GB" dirty="0"/>
           </a:p>
-        </p:txBody>
-      </p:sp>
+          <a:p>
+            <a:pPr marL="0" indent="0">
+              <a:buNone/>
+            </a:pPr>
+            <a:r>
+              <a:rPr lang="en-GB" dirty="0" smtClean="0">
+                <a:solidFill>
+                  <a:sysClr val="windowText" lastClr="000000"/>
+                </a:solidFill>
+              </a:rPr>
+              <a:t>a) </a:t>
+            </a:r>
+            <a:r>
+              <a:rPr lang="en-GB" dirty="0">
+                <a:solidFill>
+                  <a:sysClr val="windowText" lastClr="000000"/>
+                </a:solidFill>
+              </a:rPr>
+              <a:t>(that is, the empty string, printed twice)</a:t>
+            </a:r>
+            <a:br>
+              <a:rPr lang="en-GB" dirty="0">
+                <a:solidFill>
+                  <a:sysClr val="windowText" lastClr="000000"/>
+                </a:solidFill>
+              </a:rPr>
+            </a:br>
+            <a:r>
+              <a:rPr lang="en-GB" dirty="0" smtClean="0">
+                <a:solidFill>
+                  <a:sysClr val="windowText" lastClr="000000"/>
+                </a:solidFill>
+              </a:rPr>
+              <a:t>b) </a:t>
+            </a:r>
+            <a:r>
+              <a:rPr lang="en-GB" dirty="0">
+                <a:solidFill>
+                  <a:sysClr val="windowText" lastClr="000000"/>
+                </a:solidFill>
+              </a:rPr>
+              <a:t>*</a:t>
+            </a:r>
+            <a:br>
+              <a:rPr lang="en-GB" dirty="0">
+                <a:solidFill>
+                  <a:sysClr val="windowText" lastClr="000000"/>
+                </a:solidFill>
+              </a:rPr>
+            </a:br>
+            <a:r>
+              <a:rPr lang="en-GB" dirty="0" smtClean="0">
+                <a:solidFill>
+                  <a:sysClr val="windowText" lastClr="000000"/>
+                </a:solidFill>
+              </a:rPr>
+              <a:t>c) </a:t>
+            </a:r>
+            <a:r>
+              <a:rPr lang="en-GB" dirty="0">
+                <a:solidFill>
+                  <a:sysClr val="windowText" lastClr="000000"/>
+                </a:solidFill>
+              </a:rPr>
+              <a:t>!***</a:t>
+            </a:r>
+            <a:br>
+              <a:rPr lang="en-GB" dirty="0">
+                <a:solidFill>
+                  <a:sysClr val="windowText" lastClr="000000"/>
+                </a:solidFill>
+              </a:rPr>
+            </a:br>
+            <a:r>
+              <a:rPr lang="en-GB" dirty="0" smtClean="0">
+                <a:solidFill>
+                  <a:sysClr val="windowText" lastClr="000000"/>
+                </a:solidFill>
+              </a:rPr>
+              <a:t>d) </a:t>
+            </a:r>
+            <a:r>
+              <a:rPr lang="en-GB" dirty="0">
+                <a:solidFill>
+                  <a:sysClr val="windowText" lastClr="000000"/>
+                </a:solidFill>
+              </a:rPr>
+              <a:t>!****</a:t>
+            </a:r>
+            <a:br>
+              <a:rPr lang="en-GB" dirty="0">
+                <a:solidFill>
+                  <a:sysClr val="windowText" lastClr="000000"/>
+                </a:solidFill>
+              </a:rPr>
+            </a:br>
+            <a:r>
+              <a:rPr lang="en-GB" dirty="0" smtClean="0">
+                <a:solidFill>
+                  <a:sysClr val="windowText" lastClr="000000"/>
+                </a:solidFill>
+              </a:rPr>
+              <a:t>e) </a:t>
+            </a:r>
+            <a:r>
+              <a:rPr lang="en-GB" dirty="0">
+                <a:solidFill>
+                  <a:sysClr val="windowText" lastClr="000000"/>
+                </a:solidFill>
+              </a:rPr>
+              <a:t>!!!***</a:t>
+            </a:r>
+            <a:endParaRPr lang="en-GB" dirty="0"/>
+          </a:p>
+          <a:p>
+            <a:pPr marL="0" indent="0">
+              <a:buNone/>
+            </a:pPr>
+            <a:r>
+              <a:rPr lang="en-GB" dirty="0" smtClean="0"/>
+              <a:t> </a:t>
+            </a:r>
+            <a:endParaRPr lang="en-GB" dirty="0"/>
+          </a:p>
+        </p:txBody>
+      </p:sp>
+      <p:pic>
+        <p:nvPicPr>
+          <p:cNvPr id="4" name="Picture 3"/>
+          <p:cNvPicPr>
+            <a:picLocks noChangeAspect="1"/>
+          </p:cNvPicPr>
+          <p:nvPr/>
+        </p:nvPicPr>
+        <p:blipFill>
+          <a:blip r:embed="rId2"/>
+          <a:stretch>
+            <a:fillRect/>
+          </a:stretch>
+        </p:blipFill>
+        <p:spPr>
+          <a:xfrm>
+            <a:off x="3798093" y="1905000"/>
+            <a:ext cx="5345907" cy="3271470"/>
+          </a:xfrm>
+          <a:prstGeom prst="rect">
+            <a:avLst/>
+          </a:prstGeom>
+        </p:spPr>
+      </p:pic>
     </p:spTree>
     <p:extLst>
       <p:ext uri="{BB962C8B-B14F-4D97-AF65-F5344CB8AC3E}">
-        <p14:creationId xmlns:p14="http://schemas.microsoft.com/office/powerpoint/2010/main" val="926672302"/>
+        <p14:creationId xmlns:p14="http://schemas.microsoft.com/office/powerpoint/2010/main" val="3986573732"/>
       </p:ext>
     </p:extLst>
   </p:cSld>
@@ -4530,19 +4558,14 @@
             <p:ph type="title"/>
           </p:nvPr>
         </p:nvSpPr>
-        <p:spPr>
-          <a:xfrm>
-            <a:off x="685800" y="76200"/>
-            <a:ext cx="7772400" cy="1143000"/>
-          </a:xfrm>
-        </p:spPr>
+        <p:spPr/>
         <p:txBody>
           <a:bodyPr/>
           <a:lstStyle/>
           <a:p>
             <a:r>
               <a:rPr lang="en-GB" dirty="0" smtClean="0"/>
-              <a:t>Question</a:t>
+              <a:t>Answer</a:t>
             </a:r>
             <a:endParaRPr lang="en-GB" dirty="0"/>
           </a:p>
@@ -4558,76 +4581,23 @@
             <p:ph idx="1"/>
           </p:nvPr>
         </p:nvSpPr>
-        <p:spPr>
-          <a:xfrm>
-            <a:off x="685800" y="990600"/>
-            <a:ext cx="7772400" cy="4114800"/>
-          </a:xfrm>
-        </p:spPr>
+        <p:spPr/>
         <p:txBody>
           <a:bodyPr/>
           <a:lstStyle/>
           <a:p>
             <a:r>
               <a:rPr lang="en-GB" dirty="0" smtClean="0"/>
-              <a:t>What is the output of the following program?</a:t>
+              <a:t>c) !***</a:t>
             </a:r>
             <a:endParaRPr lang="en-GB" dirty="0"/>
           </a:p>
         </p:txBody>
       </p:sp>
-      <p:pic>
-        <p:nvPicPr>
-          <p:cNvPr id="4" name="Picture 3"/>
-          <p:cNvPicPr>
-            <a:picLocks noChangeAspect="1"/>
-          </p:cNvPicPr>
-          <p:nvPr/>
-        </p:nvPicPr>
-        <p:blipFill>
-          <a:blip r:embed="rId2"/>
-          <a:stretch>
-            <a:fillRect/>
-          </a:stretch>
-        </p:blipFill>
-        <p:spPr>
-          <a:xfrm>
-            <a:off x="1724024" y="2229179"/>
-            <a:ext cx="5695951" cy="2419021"/>
-          </a:xfrm>
-          <a:prstGeom prst="rect">
-            <a:avLst/>
-          </a:prstGeom>
-        </p:spPr>
-      </p:pic>
-      <p:pic>
-        <p:nvPicPr>
-          <p:cNvPr id="5" name="Picture 4"/>
-          <p:cNvPicPr>
-            <a:picLocks noChangeAspect="1"/>
-          </p:cNvPicPr>
-          <p:nvPr/>
-        </p:nvPicPr>
-        <p:blipFill>
-          <a:blip r:embed="rId3"/>
-          <a:stretch>
-            <a:fillRect/>
-          </a:stretch>
-        </p:blipFill>
-        <p:spPr>
-          <a:xfrm>
-            <a:off x="650421" y="4724400"/>
-            <a:ext cx="7467600" cy="1972691"/>
-          </a:xfrm>
-          <a:prstGeom prst="rect">
-            <a:avLst/>
-          </a:prstGeom>
-        </p:spPr>
-      </p:pic>
     </p:spTree>
     <p:extLst>
       <p:ext uri="{BB962C8B-B14F-4D97-AF65-F5344CB8AC3E}">
-        <p14:creationId xmlns:p14="http://schemas.microsoft.com/office/powerpoint/2010/main" val="286350135"/>
+        <p14:creationId xmlns:p14="http://schemas.microsoft.com/office/powerpoint/2010/main" val="926672302"/>
       </p:ext>
     </p:extLst>
   </p:cSld>
@@ -4664,14 +4634,19 @@
             <p:ph type="title"/>
           </p:nvPr>
         </p:nvSpPr>
-        <p:spPr/>
+        <p:spPr>
+          <a:xfrm>
+            <a:off x="685800" y="76200"/>
+            <a:ext cx="7772400" cy="1143000"/>
+          </a:xfrm>
+        </p:spPr>
         <p:txBody>
           <a:bodyPr/>
           <a:lstStyle/>
           <a:p>
             <a:r>
               <a:rPr lang="en-GB" dirty="0" smtClean="0"/>
-              <a:t>Answer</a:t>
+              <a:t>Question</a:t>
             </a:r>
             <a:endParaRPr lang="en-GB" dirty="0"/>
           </a:p>
@@ -4687,23 +4662,76 @@
             <p:ph idx="1"/>
           </p:nvPr>
         </p:nvSpPr>
-        <p:spPr/>
+        <p:spPr>
+          <a:xfrm>
+            <a:off x="685800" y="990600"/>
+            <a:ext cx="7772400" cy="4114800"/>
+          </a:xfrm>
+        </p:spPr>
         <p:txBody>
           <a:bodyPr/>
           <a:lstStyle/>
           <a:p>
             <a:r>
               <a:rPr lang="en-GB" dirty="0" smtClean="0"/>
-              <a:t>B) 123.321Hi!</a:t>
+              <a:t>What is the output of the following program?</a:t>
             </a:r>
             <a:endParaRPr lang="en-GB" dirty="0"/>
           </a:p>
         </p:txBody>
       </p:sp>
+      <p:pic>
+        <p:nvPicPr>
+          <p:cNvPr id="4" name="Picture 3"/>
+          <p:cNvPicPr>
+            <a:picLocks noChangeAspect="1"/>
+          </p:cNvPicPr>
+          <p:nvPr/>
+        </p:nvPicPr>
+        <p:blipFill>
+          <a:blip r:embed="rId2"/>
+          <a:stretch>
+            <a:fillRect/>
+          </a:stretch>
+        </p:blipFill>
+        <p:spPr>
+          <a:xfrm>
+            <a:off x="1724024" y="2229179"/>
+            <a:ext cx="5695951" cy="2419021"/>
+          </a:xfrm>
+          <a:prstGeom prst="rect">
+            <a:avLst/>
+          </a:prstGeom>
+        </p:spPr>
+      </p:pic>
+      <p:pic>
+        <p:nvPicPr>
+          <p:cNvPr id="5" name="Picture 4"/>
+          <p:cNvPicPr>
+            <a:picLocks noChangeAspect="1"/>
+          </p:cNvPicPr>
+          <p:nvPr/>
+        </p:nvPicPr>
+        <p:blipFill>
+          <a:blip r:embed="rId3"/>
+          <a:stretch>
+            <a:fillRect/>
+          </a:stretch>
+        </p:blipFill>
+        <p:spPr>
+          <a:xfrm>
+            <a:off x="650421" y="4724400"/>
+            <a:ext cx="7467600" cy="1972691"/>
+          </a:xfrm>
+          <a:prstGeom prst="rect">
+            <a:avLst/>
+          </a:prstGeom>
+        </p:spPr>
+      </p:pic>
     </p:spTree>
     <p:extLst>
       <p:ext uri="{BB962C8B-B14F-4D97-AF65-F5344CB8AC3E}">
-        <p14:creationId xmlns:p14="http://schemas.microsoft.com/office/powerpoint/2010/main" val="3775777194"/>
+        <p14:creationId xmlns:p14="http://schemas.microsoft.com/office/powerpoint/2010/main" val="286350135"/>
       </p:ext>
     </p:extLst>
   </p:cSld>
@@ -4747,7 +4775,7 @@
           <a:p>
             <a:r>
               <a:rPr lang="en-GB" dirty="0" smtClean="0"/>
-              <a:t>Generic Types</a:t>
+              <a:t>Answer</a:t>
             </a:r>
             <a:endParaRPr lang="en-GB" dirty="0"/>
           </a:p>
@@ -4769,38 +4797,17 @@
           <a:lstStyle/>
           <a:p>
             <a:r>
-              <a:rPr lang="en-GB" dirty="0"/>
-              <a:t>Generics is the capability </a:t>
-            </a:r>
-            <a:r>
               <a:rPr lang="en-GB" dirty="0" smtClean="0"/>
-              <a:t>to parameterize types</a:t>
-            </a:r>
-          </a:p>
-          <a:p>
-            <a:r>
-              <a:rPr lang="en-GB" dirty="0" smtClean="0"/>
-              <a:t>Flexibility to define </a:t>
-            </a:r>
-            <a:r>
-              <a:rPr lang="en-GB" dirty="0"/>
-              <a:t>a class </a:t>
-            </a:r>
-            <a:r>
-              <a:rPr lang="en-GB" dirty="0" smtClean="0"/>
-              <a:t>or a </a:t>
-            </a:r>
-            <a:r>
-              <a:rPr lang="en-GB" dirty="0"/>
-              <a:t>method with generic types that the compiler can replace with concrete types</a:t>
-            </a:r>
+              <a:t>B) 123.321Hi!</a:t>
+            </a:r>
+            <a:endParaRPr lang="en-GB" dirty="0"/>
           </a:p>
         </p:txBody>
       </p:sp>
     </p:spTree>
     <p:extLst>
       <p:ext uri="{BB962C8B-B14F-4D97-AF65-F5344CB8AC3E}">
-        <p14:creationId xmlns:p14="http://schemas.microsoft.com/office/powerpoint/2010/main" val="648076782"/>
+        <p14:creationId xmlns:p14="http://schemas.microsoft.com/office/powerpoint/2010/main" val="3775777194"/>
       </p:ext>
     </p:extLst>
   </p:cSld>
@@ -4844,7 +4851,7 @@
           <a:p>
             <a:r>
               <a:rPr lang="en-GB" dirty="0" smtClean="0"/>
-              <a:t>Example</a:t>
+              <a:t>Generic Types</a:t>
             </a:r>
             <a:endParaRPr lang="en-GB" dirty="0"/>
           </a:p>
@@ -4860,57 +4867,44 @@
             <p:ph idx="1"/>
           </p:nvPr>
         </p:nvSpPr>
-        <p:spPr>
-          <a:xfrm>
-            <a:off x="685800" y="3505200"/>
-            <a:ext cx="7772400" cy="2590800"/>
-          </a:xfrm>
-        </p:spPr>
+        <p:spPr/>
         <p:txBody>
           <a:bodyPr/>
           <a:lstStyle/>
           <a:p>
             <a:r>
               <a:rPr lang="en-GB" dirty="0"/>
-              <a:t>&lt;T&gt; represents the formal generic type</a:t>
-            </a:r>
-          </a:p>
-          <a:p>
+              <a:t>Generics is the capability </a:t>
+            </a:r>
+            <a:r>
+              <a:rPr lang="en-GB" dirty="0" smtClean="0"/>
+              <a:t>to parameterize types</a:t>
+            </a:r>
+          </a:p>
+          <a:p>
+            <a:r>
+              <a:rPr lang="en-GB" dirty="0" smtClean="0"/>
+              <a:t>Flexibility to define </a:t>
+            </a:r>
             <a:r>
               <a:rPr lang="en-GB" dirty="0"/>
-              <a:t>Replaced by an actual concrete type</a:t>
-            </a:r>
-          </a:p>
-        </p:txBody>
-      </p:sp>
-      <p:pic>
-        <p:nvPicPr>
-          <p:cNvPr id="4" name="Picture 3"/>
-          <p:cNvPicPr>
-            <a:picLocks noChangeAspect="1"/>
-          </p:cNvPicPr>
-          <p:nvPr/>
-        </p:nvPicPr>
-        <p:blipFill>
-          <a:blip r:embed="rId2"/>
-          <a:stretch>
-            <a:fillRect/>
-          </a:stretch>
-        </p:blipFill>
-        <p:spPr>
-          <a:xfrm>
-            <a:off x="-76200" y="1676400"/>
-            <a:ext cx="9144000" cy="1597068"/>
-          </a:xfrm>
-          <a:prstGeom prst="rect">
-            <a:avLst/>
-          </a:prstGeom>
-        </p:spPr>
-      </p:pic>
+              <a:t>a class </a:t>
+            </a:r>
+            <a:r>
+              <a:rPr lang="en-GB" dirty="0" smtClean="0"/>
+              <a:t>or a </a:t>
+            </a:r>
+            <a:r>
+              <a:rPr lang="en-GB" dirty="0"/>
+              <a:t>method with generic types that the compiler can replace with concrete types</a:t>
+            </a:r>
+          </a:p>
+        </p:txBody>
+      </p:sp>
     </p:spTree>
     <p:extLst>
       <p:ext uri="{BB962C8B-B14F-4D97-AF65-F5344CB8AC3E}">
-        <p14:creationId xmlns:p14="http://schemas.microsoft.com/office/powerpoint/2010/main" val="644961492"/>
+        <p14:creationId xmlns:p14="http://schemas.microsoft.com/office/powerpoint/2010/main" val="648076782"/>
       </p:ext>
     </p:extLst>
   </p:cSld>
@@ -4954,7 +4948,7 @@
           <a:p>
             <a:r>
               <a:rPr lang="en-GB" dirty="0" smtClean="0"/>
-              <a:t>Why use Generic Types?</a:t>
+              <a:t>Example</a:t>
             </a:r>
             <a:endParaRPr lang="en-GB" dirty="0"/>
           </a:p>
@@ -4970,19 +4964,57 @@
             <p:ph idx="1"/>
           </p:nvPr>
         </p:nvSpPr>
-        <p:spPr/>
-        <p:txBody>
-          <a:bodyPr/>
-          <a:lstStyle/>
-          <a:p>
-            <a:endParaRPr lang="en-GB" dirty="0"/>
-          </a:p>
-        </p:txBody>
-      </p:sp>
+        <p:spPr>
+          <a:xfrm>
+            <a:off x="685800" y="3505200"/>
+            <a:ext cx="7772400" cy="2590800"/>
+          </a:xfrm>
+        </p:spPr>
+        <p:txBody>
+          <a:bodyPr/>
+          <a:lstStyle/>
+          <a:p>
+            <a:r>
+              <a:rPr lang="en-GB" dirty="0"/>
+              <a:t>&lt;T&gt; represents the formal generic type</a:t>
+            </a:r>
+          </a:p>
+          <a:p>
+            <a:r>
+              <a:rPr lang="en-GB" dirty="0"/>
+              <a:t>Replaced by an actual concrete type</a:t>
+            </a:r>
+          </a:p>
+        </p:txBody>
+      </p:sp>
+      <p:pic>
+        <p:nvPicPr>
+          <p:cNvPr id="4" name="Picture 3"/>
+          <p:cNvPicPr>
+            <a:picLocks noChangeAspect="1"/>
+          </p:cNvPicPr>
+          <p:nvPr/>
+        </p:nvPicPr>
+        <p:blipFill>
+          <a:blip r:embed="rId2"/>
+          <a:stretch>
+            <a:fillRect/>
+          </a:stretch>
+        </p:blipFill>
+        <p:spPr>
+          <a:xfrm>
+            <a:off x="-76200" y="1676400"/>
+            <a:ext cx="9144000" cy="1597068"/>
+          </a:xfrm>
+          <a:prstGeom prst="rect">
+            <a:avLst/>
+          </a:prstGeom>
+        </p:spPr>
+      </p:pic>
     </p:spTree>
     <p:extLst>
       <p:ext uri="{BB962C8B-B14F-4D97-AF65-F5344CB8AC3E}">
-        <p14:creationId xmlns:p14="http://schemas.microsoft.com/office/powerpoint/2010/main" val="609979620"/>
+        <p14:creationId xmlns:p14="http://schemas.microsoft.com/office/powerpoint/2010/main" val="644961492"/>
       </p:ext>
     </p:extLst>
   </p:cSld>
@@ -5137,7 +5169,7 @@
           <a:p>
             <a:r>
               <a:rPr lang="en-GB" dirty="0" smtClean="0"/>
-              <a:t>Why use Generics?</a:t>
+              <a:t>Why use Generic Types?</a:t>
             </a:r>
             <a:endParaRPr lang="en-GB" dirty="0"/>
           </a:p>
@@ -5158,29 +5190,14 @@
           <a:bodyPr/>
           <a:lstStyle/>
           <a:p>
-            <a:r>
-              <a:rPr lang="en-GB" dirty="0"/>
-              <a:t>Identify errors at compile time</a:t>
-            </a:r>
-          </a:p>
-          <a:p>
-            <a:r>
-              <a:rPr lang="en-GB" dirty="0"/>
-              <a:t>Explicit type checking</a:t>
-            </a:r>
-          </a:p>
-          <a:p>
-            <a:r>
-              <a:rPr lang="en-GB" dirty="0"/>
-              <a:t>Robust and reliable programs</a:t>
-            </a:r>
+            <a:endParaRPr lang="en-GB" dirty="0"/>
           </a:p>
         </p:txBody>
       </p:sp>
     </p:spTree>
     <p:extLst>
       <p:ext uri="{BB962C8B-B14F-4D97-AF65-F5344CB8AC3E}">
-        <p14:creationId xmlns:p14="http://schemas.microsoft.com/office/powerpoint/2010/main" val="2172300176"/>
+        <p14:creationId xmlns:p14="http://schemas.microsoft.com/office/powerpoint/2010/main" val="609979620"/>
       </p:ext>
     </p:extLst>
   </p:cSld>
@@ -5224,7 +5241,7 @@
           <a:p>
             <a:r>
               <a:rPr lang="en-GB" dirty="0" smtClean="0"/>
-              <a:t>Example</a:t>
+              <a:t>Why use Generics?</a:t>
             </a:r>
             <a:endParaRPr lang="en-GB" dirty="0"/>
           </a:p>
@@ -5246,93 +5263,28 @@
           <a:lstStyle/>
           <a:p>
             <a:r>
-              <a:rPr lang="en-GB" dirty="0" smtClean="0"/>
-              <a:t>Arrays</a:t>
-            </a:r>
-          </a:p>
-          <a:p>
-            <a:endParaRPr lang="en-GB" dirty="0"/>
-          </a:p>
-          <a:p>
-            <a:endParaRPr lang="en-GB" dirty="0" smtClean="0"/>
-          </a:p>
-          <a:p>
-            <a:r>
               <a:rPr lang="en-GB" dirty="0"/>
-              <a:t>Create array for `strings</a:t>
-            </a:r>
-            <a:r>
-              <a:rPr lang="en-GB" dirty="0" smtClean="0"/>
-              <a:t>':</a:t>
-            </a:r>
-          </a:p>
-          <a:p>
-            <a:endParaRPr lang="en-GB" dirty="0"/>
-          </a:p>
-          <a:p>
-            <a:endParaRPr lang="en-GB" dirty="0" smtClean="0"/>
-          </a:p>
-          <a:p>
-            <a:r>
-              <a:rPr lang="en-GB" dirty="0" smtClean="0"/>
-              <a:t>Only add `strings’ to the array</a:t>
-            </a:r>
-            <a:endParaRPr lang="en-GB" dirty="0"/>
-          </a:p>
-        </p:txBody>
-      </p:sp>
-      <p:pic>
-        <p:nvPicPr>
-          <p:cNvPr id="6" name="Picture 5"/>
-          <p:cNvPicPr>
-            <a:picLocks noChangeAspect="1"/>
-          </p:cNvPicPr>
-          <p:nvPr/>
-        </p:nvPicPr>
-        <p:blipFill>
-          <a:blip r:embed="rId2"/>
-          <a:stretch>
-            <a:fillRect/>
-          </a:stretch>
-        </p:blipFill>
-        <p:spPr>
-          <a:xfrm>
-            <a:off x="1066800" y="2667000"/>
-            <a:ext cx="3628571" cy="381000"/>
-          </a:xfrm>
-          <a:prstGeom prst="rect">
-            <a:avLst/>
-          </a:prstGeom>
-        </p:spPr>
-      </p:pic>
-      <p:pic>
-        <p:nvPicPr>
-          <p:cNvPr id="7" name="Picture 6"/>
-          <p:cNvPicPr>
-            <a:picLocks noChangeAspect="1"/>
-          </p:cNvPicPr>
-          <p:nvPr/>
-        </p:nvPicPr>
-        <p:blipFill>
-          <a:blip r:embed="rId3"/>
-          <a:stretch>
-            <a:fillRect/>
-          </a:stretch>
-        </p:blipFill>
-        <p:spPr>
-          <a:xfrm>
-            <a:off x="533400" y="4724400"/>
-            <a:ext cx="8305800" cy="543159"/>
-          </a:xfrm>
-          <a:prstGeom prst="rect">
-            <a:avLst/>
-          </a:prstGeom>
-        </p:spPr>
-      </p:pic>
+              <a:t>Identify errors at compile time</a:t>
+            </a:r>
+          </a:p>
+          <a:p>
+            <a:r>
+              <a:rPr lang="en-GB" dirty="0"/>
+              <a:t>Explicit type checking</a:t>
+            </a:r>
+          </a:p>
+          <a:p>
+            <a:r>
+              <a:rPr lang="en-GB" dirty="0"/>
+              <a:t>Robust and reliable programs</a:t>
+            </a:r>
+          </a:p>
+        </p:txBody>
+      </p:sp>
     </p:spTree>
     <p:extLst>
       <p:ext uri="{BB962C8B-B14F-4D97-AF65-F5344CB8AC3E}">
-        <p14:creationId xmlns:p14="http://schemas.microsoft.com/office/powerpoint/2010/main" val="656661191"/>
+        <p14:creationId xmlns:p14="http://schemas.microsoft.com/office/powerpoint/2010/main" val="2172300176"/>
       </p:ext>
     </p:extLst>
   </p:cSld>
@@ -5397,13 +5349,45 @@
           <a:bodyPr/>
           <a:lstStyle/>
           <a:p>
-            <a:endParaRPr lang="en-GB"/>
+            <a:r>
+              <a:rPr lang="en-GB" dirty="0" smtClean="0"/>
+              <a:t>Arrays</a:t>
+            </a:r>
+          </a:p>
+          <a:p>
+            <a:endParaRPr lang="en-GB" dirty="0"/>
+          </a:p>
+          <a:p>
+            <a:endParaRPr lang="en-GB" dirty="0" smtClean="0"/>
+          </a:p>
+          <a:p>
+            <a:r>
+              <a:rPr lang="en-GB" dirty="0"/>
+              <a:t>Create array for `strings</a:t>
+            </a:r>
+            <a:r>
+              <a:rPr lang="en-GB" dirty="0" smtClean="0"/>
+              <a:t>':</a:t>
+            </a:r>
+          </a:p>
+          <a:p>
+            <a:endParaRPr lang="en-GB" dirty="0"/>
+          </a:p>
+          <a:p>
+            <a:endParaRPr lang="en-GB" dirty="0" smtClean="0"/>
+          </a:p>
+          <a:p>
+            <a:r>
+              <a:rPr lang="en-GB" dirty="0" smtClean="0"/>
+              <a:t>Only add `strings’ to the array</a:t>
+            </a:r>
+            <a:endParaRPr lang="en-GB" dirty="0"/>
           </a:p>
         </p:txBody>
       </p:sp>
       <p:pic>
         <p:nvPicPr>
-          <p:cNvPr id="4" name="Picture 3"/>
+          <p:cNvPr id="6" name="Picture 5"/>
           <p:cNvPicPr>
             <a:picLocks noChangeAspect="1"/>
           </p:cNvPicPr>
@@ -5417,8 +5401,32 @@
         </p:blipFill>
         <p:spPr>
           <a:xfrm>
-            <a:off x="990600" y="1978306"/>
-            <a:ext cx="6705600" cy="3877937"/>
+            <a:off x="1066800" y="2667000"/>
+            <a:ext cx="3628571" cy="381000"/>
+          </a:xfrm>
+          <a:prstGeom prst="rect">
+            <a:avLst/>
+          </a:prstGeom>
+        </p:spPr>
+      </p:pic>
+      <p:pic>
+        <p:nvPicPr>
+          <p:cNvPr id="7" name="Picture 6"/>
+          <p:cNvPicPr>
+            <a:picLocks noChangeAspect="1"/>
+          </p:cNvPicPr>
+          <p:nvPr/>
+        </p:nvPicPr>
+        <p:blipFill>
+          <a:blip r:embed="rId3"/>
+          <a:stretch>
+            <a:fillRect/>
+          </a:stretch>
+        </p:blipFill>
+        <p:spPr>
+          <a:xfrm>
+            <a:off x="533400" y="4724400"/>
+            <a:ext cx="8305800" cy="543159"/>
           </a:xfrm>
           <a:prstGeom prst="rect">
             <a:avLst/>
@@ -5428,7 +5436,7 @@
     </p:spTree>
     <p:extLst>
       <p:ext uri="{BB962C8B-B14F-4D97-AF65-F5344CB8AC3E}">
-        <p14:creationId xmlns:p14="http://schemas.microsoft.com/office/powerpoint/2010/main" val="154629313"/>
+        <p14:creationId xmlns:p14="http://schemas.microsoft.com/office/powerpoint/2010/main" val="656661191"/>
       </p:ext>
     </p:extLst>
   </p:cSld>
@@ -5472,7 +5480,7 @@
           <a:p>
             <a:r>
               <a:rPr lang="en-GB" dirty="0" smtClean="0"/>
-              <a:t>Writing Generic Class</a:t>
+              <a:t>Example</a:t>
             </a:r>
             <a:endParaRPr lang="en-GB" dirty="0"/>
           </a:p>
@@ -5493,31 +5501,38 @@
           <a:bodyPr/>
           <a:lstStyle/>
           <a:p>
-            <a:r>
-              <a:rPr lang="en-GB" dirty="0" smtClean="0"/>
-              <a:t>Specify the ‘Type’ in the class definition</a:t>
-            </a:r>
-          </a:p>
-          <a:p>
-            <a:pPr lvl="1"/>
-            <a:r>
-              <a:rPr lang="en-GB" dirty="0" smtClean="0"/>
-              <a:t>e.g., &lt;E&gt;, &lt;T&gt;, …</a:t>
-            </a:r>
-          </a:p>
-          <a:p>
-            <a:r>
-              <a:rPr lang="en-GB" dirty="0" smtClean="0"/>
-              <a:t>Use the Type as needed</a:t>
-            </a:r>
-            <a:endParaRPr lang="en-GB" dirty="0"/>
-          </a:p>
-        </p:txBody>
-      </p:sp>
+            <a:endParaRPr lang="en-GB"/>
+          </a:p>
+        </p:txBody>
+      </p:sp>
+      <p:pic>
+        <p:nvPicPr>
+          <p:cNvPr id="4" name="Picture 3"/>
+          <p:cNvPicPr>
+            <a:picLocks noChangeAspect="1"/>
+          </p:cNvPicPr>
+          <p:nvPr/>
+        </p:nvPicPr>
+        <p:blipFill>
+          <a:blip r:embed="rId2"/>
+          <a:stretch>
+            <a:fillRect/>
+          </a:stretch>
+        </p:blipFill>
+        <p:spPr>
+          <a:xfrm>
+            <a:off x="990600" y="1978306"/>
+            <a:ext cx="6705600" cy="3877937"/>
+          </a:xfrm>
+          <a:prstGeom prst="rect">
+            <a:avLst/>
+          </a:prstGeom>
+        </p:spPr>
+      </p:pic>
     </p:spTree>
     <p:extLst>
       <p:ext uri="{BB962C8B-B14F-4D97-AF65-F5344CB8AC3E}">
-        <p14:creationId xmlns:p14="http://schemas.microsoft.com/office/powerpoint/2010/main" val="1586051054"/>
+        <p14:creationId xmlns:p14="http://schemas.microsoft.com/office/powerpoint/2010/main" val="154629313"/>
       </p:ext>
     </p:extLst>
   </p:cSld>
@@ -5561,316 +5576,52 @@
           <a:p>
             <a:r>
               <a:rPr lang="en-GB" dirty="0" smtClean="0"/>
-              <a:t>Example</a:t>
+              <a:t>Writing Generic Class</a:t>
             </a:r>
             <a:endParaRPr lang="en-GB" dirty="0"/>
           </a:p>
         </p:txBody>
       </p:sp>
-      <p:pic>
-        <p:nvPicPr>
-          <p:cNvPr id="4" name="Picture 3"/>
-          <p:cNvPicPr>
-            <a:picLocks noChangeAspect="1"/>
-          </p:cNvPicPr>
-          <p:nvPr/>
-        </p:nvPicPr>
-        <p:blipFill>
-          <a:blip r:embed="rId2"/>
-          <a:stretch>
-            <a:fillRect/>
-          </a:stretch>
-        </p:blipFill>
-        <p:spPr>
-          <a:xfrm>
-            <a:off x="1866900" y="1999527"/>
-            <a:ext cx="5410200" cy="4142415"/>
-          </a:xfrm>
-          <a:prstGeom prst="rect">
-            <a:avLst/>
-          </a:prstGeom>
-        </p:spPr>
-      </p:pic>
-      <p:sp>
-        <p:nvSpPr>
-          <p:cNvPr id="5" name="Rectangle 4"/>
-          <p:cNvSpPr/>
-          <p:nvPr/>
-        </p:nvSpPr>
-        <p:spPr>
-          <a:xfrm>
-            <a:off x="3657600" y="1905000"/>
-            <a:ext cx="457200" cy="381000"/>
-          </a:xfrm>
-          <a:prstGeom prst="rect">
-            <a:avLst/>
-          </a:prstGeom>
-          <a:noFill/>
-          <a:ln w="25400">
-            <a:solidFill>
-              <a:srgbClr val="FF0000"/>
-            </a:solidFill>
-          </a:ln>
-        </p:spPr>
-        <p:style>
-          <a:lnRef idx="2">
-            <a:schemeClr val="accent1">
-              <a:shade val="50000"/>
-            </a:schemeClr>
-          </a:lnRef>
-          <a:fillRef idx="1">
-            <a:schemeClr val="accent1"/>
-          </a:fillRef>
-          <a:effectRef idx="0">
-            <a:schemeClr val="accent1"/>
-          </a:effectRef>
-          <a:fontRef idx="minor">
-            <a:schemeClr val="lt1"/>
-          </a:fontRef>
-        </p:style>
-        <p:txBody>
-          <a:bodyPr rtlCol="0" anchor="ctr"/>
-          <a:lstStyle/>
-          <a:p>
-            <a:pPr algn="ctr"/>
-            <a:endParaRPr lang="en-GB"/>
-          </a:p>
-        </p:txBody>
-      </p:sp>
-      <p:sp>
-        <p:nvSpPr>
-          <p:cNvPr id="8" name="Rectangle 7"/>
-          <p:cNvSpPr/>
-          <p:nvPr/>
-        </p:nvSpPr>
-        <p:spPr>
-          <a:xfrm>
-            <a:off x="3919959" y="2369917"/>
-            <a:ext cx="457200" cy="381000"/>
-          </a:xfrm>
-          <a:prstGeom prst="rect">
-            <a:avLst/>
-          </a:prstGeom>
-          <a:noFill/>
-          <a:ln w="25400">
-            <a:solidFill>
-              <a:srgbClr val="FF0000"/>
-            </a:solidFill>
-          </a:ln>
-        </p:spPr>
-        <p:style>
-          <a:lnRef idx="2">
-            <a:schemeClr val="accent1">
-              <a:shade val="50000"/>
-            </a:schemeClr>
-          </a:lnRef>
-          <a:fillRef idx="1">
-            <a:schemeClr val="accent1"/>
-          </a:fillRef>
-          <a:effectRef idx="0">
-            <a:schemeClr val="accent1"/>
-          </a:effectRef>
-          <a:fontRef idx="minor">
-            <a:schemeClr val="lt1"/>
-          </a:fontRef>
-        </p:style>
-        <p:txBody>
-          <a:bodyPr rtlCol="0" anchor="ctr"/>
-          <a:lstStyle/>
-          <a:p>
-            <a:pPr algn="ctr"/>
-            <a:endParaRPr lang="en-GB"/>
-          </a:p>
-        </p:txBody>
-      </p:sp>
-      <p:sp>
-        <p:nvSpPr>
-          <p:cNvPr id="9" name="Rectangle 8"/>
-          <p:cNvSpPr/>
-          <p:nvPr/>
-        </p:nvSpPr>
-        <p:spPr>
-          <a:xfrm>
-            <a:off x="6430218" y="2372811"/>
-            <a:ext cx="457200" cy="381000"/>
-          </a:xfrm>
-          <a:prstGeom prst="rect">
-            <a:avLst/>
-          </a:prstGeom>
-          <a:noFill/>
-          <a:ln w="25400">
-            <a:solidFill>
-              <a:srgbClr val="FF0000"/>
-            </a:solidFill>
-          </a:ln>
-        </p:spPr>
-        <p:style>
-          <a:lnRef idx="2">
-            <a:schemeClr val="accent1">
-              <a:shade val="50000"/>
-            </a:schemeClr>
-          </a:lnRef>
-          <a:fillRef idx="1">
-            <a:schemeClr val="accent1"/>
-          </a:fillRef>
-          <a:effectRef idx="0">
-            <a:schemeClr val="accent1"/>
-          </a:effectRef>
-          <a:fontRef idx="minor">
-            <a:schemeClr val="lt1"/>
-          </a:fontRef>
-        </p:style>
-        <p:txBody>
-          <a:bodyPr rtlCol="0" anchor="ctr"/>
-          <a:lstStyle/>
-          <a:p>
-            <a:pPr algn="ctr"/>
-            <a:endParaRPr lang="en-GB"/>
-          </a:p>
-        </p:txBody>
-      </p:sp>
-      <p:sp>
-        <p:nvSpPr>
-          <p:cNvPr id="12" name="Rectangle 11"/>
-          <p:cNvSpPr/>
-          <p:nvPr/>
-        </p:nvSpPr>
-        <p:spPr>
-          <a:xfrm>
-            <a:off x="3810000" y="3505200"/>
-            <a:ext cx="457200" cy="381000"/>
-          </a:xfrm>
-          <a:prstGeom prst="rect">
-            <a:avLst/>
-          </a:prstGeom>
-          <a:noFill/>
-          <a:ln w="25400">
-            <a:solidFill>
-              <a:srgbClr val="FF0000"/>
-            </a:solidFill>
-          </a:ln>
-        </p:spPr>
-        <p:style>
-          <a:lnRef idx="2">
-            <a:schemeClr val="accent1">
-              <a:shade val="50000"/>
-            </a:schemeClr>
-          </a:lnRef>
-          <a:fillRef idx="1">
-            <a:schemeClr val="accent1"/>
-          </a:fillRef>
-          <a:effectRef idx="0">
-            <a:schemeClr val="accent1"/>
-          </a:effectRef>
-          <a:fontRef idx="minor">
-            <a:schemeClr val="lt1"/>
-          </a:fontRef>
-        </p:style>
-        <p:txBody>
-          <a:bodyPr rtlCol="0" anchor="ctr"/>
-          <a:lstStyle/>
-          <a:p>
-            <a:pPr algn="ctr"/>
-            <a:endParaRPr lang="en-GB"/>
-          </a:p>
-        </p:txBody>
-      </p:sp>
-      <p:sp>
-        <p:nvSpPr>
-          <p:cNvPr id="15" name="Rectangle 14"/>
-          <p:cNvSpPr/>
-          <p:nvPr/>
-        </p:nvSpPr>
-        <p:spPr>
-          <a:xfrm>
-            <a:off x="2819400" y="4419600"/>
-            <a:ext cx="457200" cy="381000"/>
-          </a:xfrm>
-          <a:prstGeom prst="rect">
-            <a:avLst/>
-          </a:prstGeom>
-          <a:noFill/>
-          <a:ln w="25400">
-            <a:solidFill>
-              <a:srgbClr val="FF0000"/>
-            </a:solidFill>
-          </a:ln>
-        </p:spPr>
-        <p:style>
-          <a:lnRef idx="2">
-            <a:schemeClr val="accent1">
-              <a:shade val="50000"/>
-            </a:schemeClr>
-          </a:lnRef>
-          <a:fillRef idx="1">
-            <a:schemeClr val="accent1"/>
-          </a:fillRef>
-          <a:effectRef idx="0">
-            <a:schemeClr val="accent1"/>
-          </a:effectRef>
-          <a:fontRef idx="minor">
-            <a:schemeClr val="lt1"/>
-          </a:fontRef>
-        </p:style>
-        <p:txBody>
-          <a:bodyPr rtlCol="0" anchor="ctr"/>
-          <a:lstStyle/>
-          <a:p>
-            <a:pPr algn="ctr"/>
-            <a:endParaRPr lang="en-GB"/>
-          </a:p>
-        </p:txBody>
-      </p:sp>
-      <p:sp>
-        <p:nvSpPr>
-          <p:cNvPr id="20" name="Rectangle 19"/>
-          <p:cNvSpPr/>
-          <p:nvPr/>
-        </p:nvSpPr>
-        <p:spPr>
-          <a:xfrm>
-            <a:off x="2601410" y="4886447"/>
-            <a:ext cx="457200" cy="381000"/>
-          </a:xfrm>
-          <a:prstGeom prst="rect">
-            <a:avLst/>
-          </a:prstGeom>
-          <a:noFill/>
-          <a:ln w="25400">
-            <a:solidFill>
-              <a:srgbClr val="FF0000"/>
-            </a:solidFill>
-          </a:ln>
-        </p:spPr>
-        <p:style>
-          <a:lnRef idx="2">
-            <a:schemeClr val="accent1">
-              <a:shade val="50000"/>
-            </a:schemeClr>
-          </a:lnRef>
-          <a:fillRef idx="1">
-            <a:schemeClr val="accent1"/>
-          </a:fillRef>
-          <a:effectRef idx="0">
-            <a:schemeClr val="accent1"/>
-          </a:effectRef>
-          <a:fontRef idx="minor">
-            <a:schemeClr val="lt1"/>
-          </a:fontRef>
-        </p:style>
-        <p:txBody>
-          <a:bodyPr rtlCol="0" anchor="ctr"/>
-          <a:lstStyle/>
-          <a:p>
-            <a:pPr algn="ctr"/>
-            <a:endParaRPr lang="en-GB"/>
+      <p:sp>
+        <p:nvSpPr>
+          <p:cNvPr id="3" name="Content Placeholder 2"/>
+          <p:cNvSpPr>
+            <a:spLocks noGrp="1"/>
+          </p:cNvSpPr>
+          <p:nvPr>
+            <p:ph idx="1"/>
+          </p:nvPr>
+        </p:nvSpPr>
+        <p:spPr/>
+        <p:txBody>
+          <a:bodyPr/>
+          <a:lstStyle/>
+          <a:p>
+            <a:r>
+              <a:rPr lang="en-GB" dirty="0" smtClean="0"/>
+              <a:t>Specify the ‘Type’ in the class definition</a:t>
+            </a:r>
+          </a:p>
+          <a:p>
+            <a:pPr lvl="1"/>
+            <a:r>
+              <a:rPr lang="en-GB" dirty="0" smtClean="0"/>
+              <a:t>e.g., &lt;E&gt;, &lt;T&gt;, …</a:t>
+            </a:r>
+          </a:p>
+          <a:p>
+            <a:r>
+              <a:rPr lang="en-GB" dirty="0" smtClean="0"/>
+              <a:t>Use the Type as needed</a:t>
+            </a:r>
+            <a:endParaRPr lang="en-GB" dirty="0"/>
           </a:p>
         </p:txBody>
       </p:sp>
     </p:spTree>
     <p:extLst>
       <p:ext uri="{BB962C8B-B14F-4D97-AF65-F5344CB8AC3E}">
-        <p14:creationId xmlns:p14="http://schemas.microsoft.com/office/powerpoint/2010/main" val="525877404"/>
+        <p14:creationId xmlns:p14="http://schemas.microsoft.com/office/powerpoint/2010/main" val="1586051054"/>
       </p:ext>
     </p:extLst>
   </p:cSld>
@@ -5914,56 +5665,7 @@
           <a:p>
             <a:r>
               <a:rPr lang="en-GB" dirty="0" smtClean="0"/>
-              <a:t>Example cont.</a:t>
-            </a:r>
-            <a:endParaRPr lang="en-GB" dirty="0"/>
-          </a:p>
-        </p:txBody>
-      </p:sp>
-      <p:sp>
-        <p:nvSpPr>
-          <p:cNvPr id="3" name="Content Placeholder 2"/>
-          <p:cNvSpPr>
-            <a:spLocks noGrp="1"/>
-          </p:cNvSpPr>
-          <p:nvPr>
-            <p:ph idx="1"/>
-          </p:nvPr>
-        </p:nvSpPr>
-        <p:spPr/>
-        <p:txBody>
-          <a:bodyPr/>
-          <a:lstStyle/>
-          <a:p>
-            <a:endParaRPr lang="en-GB" dirty="0" smtClean="0"/>
-          </a:p>
-          <a:p>
-            <a:endParaRPr lang="en-GB" dirty="0"/>
-          </a:p>
-          <a:p>
-            <a:endParaRPr lang="en-GB" dirty="0" smtClean="0"/>
-          </a:p>
-          <a:p>
-            <a:endParaRPr lang="en-GB" dirty="0"/>
-          </a:p>
-          <a:p>
-            <a:endParaRPr lang="en-GB" dirty="0" smtClean="0"/>
-          </a:p>
-          <a:p>
-            <a:r>
-              <a:rPr lang="en-GB" smtClean="0"/>
-              <a:t>Generic Type </a:t>
-            </a:r>
-            <a:r>
-              <a:rPr lang="en-GB" dirty="0" smtClean="0"/>
-              <a:t>‘Integer’</a:t>
-            </a:r>
-            <a:endParaRPr lang="en-GB" dirty="0"/>
-          </a:p>
-          <a:p>
-            <a:r>
-              <a:rPr lang="en-GB" dirty="0" smtClean="0"/>
-              <a:t>Output 1</a:t>
+              <a:t>Example</a:t>
             </a:r>
             <a:endParaRPr lang="en-GB" dirty="0"/>
           </a:p>
@@ -5985,18 +5687,294 @@
         </p:blipFill>
         <p:spPr>
           <a:xfrm>
-            <a:off x="1295400" y="2362200"/>
-            <a:ext cx="6301773" cy="2222500"/>
+            <a:off x="1866900" y="1999527"/>
+            <a:ext cx="5410200" cy="4142415"/>
           </a:xfrm>
           <a:prstGeom prst="rect">
             <a:avLst/>
           </a:prstGeom>
         </p:spPr>
       </p:pic>
+      <p:sp>
+        <p:nvSpPr>
+          <p:cNvPr id="5" name="Rectangle 4"/>
+          <p:cNvSpPr/>
+          <p:nvPr/>
+        </p:nvSpPr>
+        <p:spPr>
+          <a:xfrm>
+            <a:off x="3657600" y="1905000"/>
+            <a:ext cx="457200" cy="381000"/>
+          </a:xfrm>
+          <a:prstGeom prst="rect">
+            <a:avLst/>
+          </a:prstGeom>
+          <a:noFill/>
+          <a:ln w="25400">
+            <a:solidFill>
+              <a:srgbClr val="FF0000"/>
+            </a:solidFill>
+          </a:ln>
+        </p:spPr>
+        <p:style>
+          <a:lnRef idx="2">
+            <a:schemeClr val="accent1">
+              <a:shade val="50000"/>
+            </a:schemeClr>
+          </a:lnRef>
+          <a:fillRef idx="1">
+            <a:schemeClr val="accent1"/>
+          </a:fillRef>
+          <a:effectRef idx="0">
+            <a:schemeClr val="accent1"/>
+          </a:effectRef>
+          <a:fontRef idx="minor">
+            <a:schemeClr val="lt1"/>
+          </a:fontRef>
+        </p:style>
+        <p:txBody>
+          <a:bodyPr rtlCol="0" anchor="ctr"/>
+          <a:lstStyle/>
+          <a:p>
+            <a:pPr algn="ctr"/>
+            <a:endParaRPr lang="en-GB"/>
+          </a:p>
+        </p:txBody>
+      </p:sp>
+      <p:sp>
+        <p:nvSpPr>
+          <p:cNvPr id="8" name="Rectangle 7"/>
+          <p:cNvSpPr/>
+          <p:nvPr/>
+        </p:nvSpPr>
+        <p:spPr>
+          <a:xfrm>
+            <a:off x="3919959" y="2369917"/>
+            <a:ext cx="457200" cy="381000"/>
+          </a:xfrm>
+          <a:prstGeom prst="rect">
+            <a:avLst/>
+          </a:prstGeom>
+          <a:noFill/>
+          <a:ln w="25400">
+            <a:solidFill>
+              <a:srgbClr val="FF0000"/>
+            </a:solidFill>
+          </a:ln>
+        </p:spPr>
+        <p:style>
+          <a:lnRef idx="2">
+            <a:schemeClr val="accent1">
+              <a:shade val="50000"/>
+            </a:schemeClr>
+          </a:lnRef>
+          <a:fillRef idx="1">
+            <a:schemeClr val="accent1"/>
+          </a:fillRef>
+          <a:effectRef idx="0">
+            <a:schemeClr val="accent1"/>
+          </a:effectRef>
+          <a:fontRef idx="minor">
+            <a:schemeClr val="lt1"/>
+          </a:fontRef>
+        </p:style>
+        <p:txBody>
+          <a:bodyPr rtlCol="0" anchor="ctr"/>
+          <a:lstStyle/>
+          <a:p>
+            <a:pPr algn="ctr"/>
+            <a:endParaRPr lang="en-GB"/>
+          </a:p>
+        </p:txBody>
+      </p:sp>
+      <p:sp>
+        <p:nvSpPr>
+          <p:cNvPr id="9" name="Rectangle 8"/>
+          <p:cNvSpPr/>
+          <p:nvPr/>
+        </p:nvSpPr>
+        <p:spPr>
+          <a:xfrm>
+            <a:off x="6430218" y="2372811"/>
+            <a:ext cx="457200" cy="381000"/>
+          </a:xfrm>
+          <a:prstGeom prst="rect">
+            <a:avLst/>
+          </a:prstGeom>
+          <a:noFill/>
+          <a:ln w="25400">
+            <a:solidFill>
+              <a:srgbClr val="FF0000"/>
+            </a:solidFill>
+          </a:ln>
+        </p:spPr>
+        <p:style>
+          <a:lnRef idx="2">
+            <a:schemeClr val="accent1">
+              <a:shade val="50000"/>
+            </a:schemeClr>
+          </a:lnRef>
+          <a:fillRef idx="1">
+            <a:schemeClr val="accent1"/>
+          </a:fillRef>
+          <a:effectRef idx="0">
+            <a:schemeClr val="accent1"/>
+          </a:effectRef>
+          <a:fontRef idx="minor">
+            <a:schemeClr val="lt1"/>
+          </a:fontRef>
+        </p:style>
+        <p:txBody>
+          <a:bodyPr rtlCol="0" anchor="ctr"/>
+          <a:lstStyle/>
+          <a:p>
+            <a:pPr algn="ctr"/>
+            <a:endParaRPr lang="en-GB"/>
+          </a:p>
+        </p:txBody>
+      </p:sp>
+      <p:sp>
+        <p:nvSpPr>
+          <p:cNvPr id="12" name="Rectangle 11"/>
+          <p:cNvSpPr/>
+          <p:nvPr/>
+        </p:nvSpPr>
+        <p:spPr>
+          <a:xfrm>
+            <a:off x="3810000" y="3505200"/>
+            <a:ext cx="457200" cy="381000"/>
+          </a:xfrm>
+          <a:prstGeom prst="rect">
+            <a:avLst/>
+          </a:prstGeom>
+          <a:noFill/>
+          <a:ln w="25400">
+            <a:solidFill>
+              <a:srgbClr val="FF0000"/>
+            </a:solidFill>
+          </a:ln>
+        </p:spPr>
+        <p:style>
+          <a:lnRef idx="2">
+            <a:schemeClr val="accent1">
+              <a:shade val="50000"/>
+            </a:schemeClr>
+          </a:lnRef>
+          <a:fillRef idx="1">
+            <a:schemeClr val="accent1"/>
+          </a:fillRef>
+          <a:effectRef idx="0">
+            <a:schemeClr val="accent1"/>
+          </a:effectRef>
+          <a:fontRef idx="minor">
+            <a:schemeClr val="lt1"/>
+          </a:fontRef>
+        </p:style>
+        <p:txBody>
+          <a:bodyPr rtlCol="0" anchor="ctr"/>
+          <a:lstStyle/>
+          <a:p>
+            <a:pPr algn="ctr"/>
+            <a:endParaRPr lang="en-GB"/>
+          </a:p>
+        </p:txBody>
+      </p:sp>
+      <p:sp>
+        <p:nvSpPr>
+          <p:cNvPr id="15" name="Rectangle 14"/>
+          <p:cNvSpPr/>
+          <p:nvPr/>
+        </p:nvSpPr>
+        <p:spPr>
+          <a:xfrm>
+            <a:off x="2819400" y="4419600"/>
+            <a:ext cx="457200" cy="381000"/>
+          </a:xfrm>
+          <a:prstGeom prst="rect">
+            <a:avLst/>
+          </a:prstGeom>
+          <a:noFill/>
+          <a:ln w="25400">
+            <a:solidFill>
+              <a:srgbClr val="FF0000"/>
+            </a:solidFill>
+          </a:ln>
+        </p:spPr>
+        <p:style>
+          <a:lnRef idx="2">
+            <a:schemeClr val="accent1">
+              <a:shade val="50000"/>
+            </a:schemeClr>
+          </a:lnRef>
+          <a:fillRef idx="1">
+            <a:schemeClr val="accent1"/>
+          </a:fillRef>
+          <a:effectRef idx="0">
+            <a:schemeClr val="accent1"/>
+          </a:effectRef>
+          <a:fontRef idx="minor">
+            <a:schemeClr val="lt1"/>
+          </a:fontRef>
+        </p:style>
+        <p:txBody>
+          <a:bodyPr rtlCol="0" anchor="ctr"/>
+          <a:lstStyle/>
+          <a:p>
+            <a:pPr algn="ctr"/>
+            <a:endParaRPr lang="en-GB"/>
+          </a:p>
+        </p:txBody>
+      </p:sp>
+      <p:sp>
+        <p:nvSpPr>
+          <p:cNvPr id="20" name="Rectangle 19"/>
+          <p:cNvSpPr/>
+          <p:nvPr/>
+        </p:nvSpPr>
+        <p:spPr>
+          <a:xfrm>
+            <a:off x="2601410" y="4886447"/>
+            <a:ext cx="457200" cy="381000"/>
+          </a:xfrm>
+          <a:prstGeom prst="rect">
+            <a:avLst/>
+          </a:prstGeom>
+          <a:noFill/>
+          <a:ln w="25400">
+            <a:solidFill>
+              <a:srgbClr val="FF0000"/>
+            </a:solidFill>
+          </a:ln>
+        </p:spPr>
+        <p:style>
+          <a:lnRef idx="2">
+            <a:schemeClr val="accent1">
+              <a:shade val="50000"/>
+            </a:schemeClr>
+          </a:lnRef>
+          <a:fillRef idx="1">
+            <a:schemeClr val="accent1"/>
+          </a:fillRef>
+          <a:effectRef idx="0">
+            <a:schemeClr val="accent1"/>
+          </a:effectRef>
+          <a:fontRef idx="minor">
+            <a:schemeClr val="lt1"/>
+          </a:fontRef>
+        </p:style>
+        <p:txBody>
+          <a:bodyPr rtlCol="0" anchor="ctr"/>
+          <a:lstStyle/>
+          <a:p>
+            <a:pPr algn="ctr"/>
+            <a:endParaRPr lang="en-GB"/>
+          </a:p>
+        </p:txBody>
+      </p:sp>
     </p:spTree>
     <p:extLst>
       <p:ext uri="{BB962C8B-B14F-4D97-AF65-F5344CB8AC3E}">
-        <p14:creationId xmlns:p14="http://schemas.microsoft.com/office/powerpoint/2010/main" val="4085692818"/>
+        <p14:creationId xmlns:p14="http://schemas.microsoft.com/office/powerpoint/2010/main" val="525877404"/>
       </p:ext>
     </p:extLst>
   </p:cSld>
@@ -6025,7 +6003,7 @@
       </p:grpSpPr>
       <p:sp>
         <p:nvSpPr>
-          <p:cNvPr id="12290" name="Title 1"/>
+          <p:cNvPr id="2" name="Title 1"/>
           <p:cNvSpPr>
             <a:spLocks noGrp="1"/>
           </p:cNvSpPr>
@@ -6039,15 +6017,16 @@
           <a:lstStyle/>
           <a:p>
             <a:r>
-              <a:rPr lang="en-GB" altLang="en-US" smtClean="0"/>
-              <a:t>Summary</a:t>
-            </a:r>
-          </a:p>
-        </p:txBody>
-      </p:sp>
-      <p:sp>
-        <p:nvSpPr>
-          <p:cNvPr id="12291" name="Content Placeholder 2"/>
+              <a:rPr lang="en-GB" dirty="0" smtClean="0"/>
+              <a:t>Example cont.</a:t>
+            </a:r>
+            <a:endParaRPr lang="en-GB" dirty="0"/>
+          </a:p>
+        </p:txBody>
+      </p:sp>
+      <p:sp>
+        <p:nvSpPr>
+          <p:cNvPr id="3" name="Content Placeholder 2"/>
           <p:cNvSpPr>
             <a:spLocks noGrp="1"/>
           </p:cNvSpPr>
@@ -6060,50 +6039,74 @@
           <a:bodyPr/>
           <a:lstStyle/>
           <a:p>
-            <a:r>
-              <a:rPr lang="en-GB" altLang="en-US" dirty="0" smtClean="0"/>
-              <a:t>Generic Types with Java</a:t>
-            </a:r>
-          </a:p>
-          <a:p>
-            <a:r>
-              <a:rPr lang="en-GB" altLang="en-US" dirty="0" smtClean="0"/>
-              <a:t>Advantages of Generic Types </a:t>
-            </a:r>
-          </a:p>
-          <a:p>
-            <a:pPr lvl="1"/>
-            <a:r>
-              <a:rPr lang="en-GB" altLang="en-US" dirty="0" smtClean="0"/>
-              <a:t>Flexibility/Robustness</a:t>
-            </a:r>
-          </a:p>
-          <a:p>
-            <a:r>
-              <a:rPr lang="en-GB" altLang="en-US" dirty="0" smtClean="0"/>
-              <a:t>Incorporate Generic Types into your implementations</a:t>
-            </a:r>
-          </a:p>
-          <a:p>
-            <a:r>
-              <a:rPr lang="en-GB" altLang="en-US" dirty="0" smtClean="0"/>
-              <a:t>Examples</a:t>
-            </a:r>
-          </a:p>
-        </p:txBody>
-      </p:sp>
+            <a:endParaRPr lang="en-GB" dirty="0" smtClean="0"/>
+          </a:p>
+          <a:p>
+            <a:endParaRPr lang="en-GB" dirty="0"/>
+          </a:p>
+          <a:p>
+            <a:endParaRPr lang="en-GB" dirty="0" smtClean="0"/>
+          </a:p>
+          <a:p>
+            <a:endParaRPr lang="en-GB" dirty="0"/>
+          </a:p>
+          <a:p>
+            <a:endParaRPr lang="en-GB" dirty="0" smtClean="0"/>
+          </a:p>
+          <a:p>
+            <a:r>
+              <a:rPr lang="en-GB" smtClean="0"/>
+              <a:t>Generic Type </a:t>
+            </a:r>
+            <a:r>
+              <a:rPr lang="en-GB" dirty="0" smtClean="0"/>
+              <a:t>‘Integer’</a:t>
+            </a:r>
+            <a:endParaRPr lang="en-GB" dirty="0"/>
+          </a:p>
+          <a:p>
+            <a:r>
+              <a:rPr lang="en-GB" dirty="0" smtClean="0"/>
+              <a:t>Output 1</a:t>
+            </a:r>
+            <a:endParaRPr lang="en-GB" dirty="0"/>
+          </a:p>
+        </p:txBody>
+      </p:sp>
+      <p:pic>
+        <p:nvPicPr>
+          <p:cNvPr id="4" name="Picture 3"/>
+          <p:cNvPicPr>
+            <a:picLocks noChangeAspect="1"/>
+          </p:cNvPicPr>
+          <p:nvPr/>
+        </p:nvPicPr>
+        <p:blipFill>
+          <a:blip r:embed="rId2"/>
+          <a:stretch>
+            <a:fillRect/>
+          </a:stretch>
+        </p:blipFill>
+        <p:spPr>
+          <a:xfrm>
+            <a:off x="1295400" y="2362200"/>
+            <a:ext cx="6301773" cy="2222500"/>
+          </a:xfrm>
+          <a:prstGeom prst="rect">
+            <a:avLst/>
+          </a:prstGeom>
+        </p:spPr>
+      </p:pic>
     </p:spTree>
+    <p:extLst>
+      <p:ext uri="{BB962C8B-B14F-4D97-AF65-F5344CB8AC3E}">
+        <p14:creationId xmlns:p14="http://schemas.microsoft.com/office/powerpoint/2010/main" val="4085692818"/>
+      </p:ext>
+    </p:extLst>
   </p:cSld>
   <p:clrMapOvr>
     <a:masterClrMapping/>
   </p:clrMapOvr>
-  <p:timing>
-    <p:tnLst>
-      <p:par>
-        <p:cTn id="1" dur="indefinite" restart="never" nodeType="tmRoot"/>
-      </p:par>
-    </p:tnLst>
-  </p:timing>
 </p:sld>
 </file>
 
@@ -6126,7 +6129,7 @@
       </p:grpSpPr>
       <p:sp>
         <p:nvSpPr>
-          <p:cNvPr id="11266" name="Title 1"/>
+          <p:cNvPr id="12290" name="Title 1"/>
           <p:cNvSpPr>
             <a:spLocks noGrp="1"/>
           </p:cNvSpPr>
@@ -6141,14 +6144,14 @@
           <a:p>
             <a:r>
               <a:rPr lang="en-GB" altLang="en-US" smtClean="0"/>
-              <a:t>This Week</a:t>
-            </a:r>
-          </a:p>
-        </p:txBody>
-      </p:sp>
-      <p:sp>
-        <p:nvSpPr>
-          <p:cNvPr id="11267" name="Content Placeholder 2"/>
+              <a:t>Summary</a:t>
+            </a:r>
+          </a:p>
+        </p:txBody>
+      </p:sp>
+      <p:sp>
+        <p:nvSpPr>
+          <p:cNvPr id="12291" name="Content Placeholder 2"/>
           <p:cNvSpPr>
             <a:spLocks noGrp="1"/>
           </p:cNvSpPr>
@@ -6163,19 +6166,32 @@
           <a:p>
             <a:r>
               <a:rPr lang="en-GB" altLang="en-US" dirty="0" smtClean="0"/>
-              <a:t>Read Associated Chapters</a:t>
+              <a:t>Generic Types with Java</a:t>
             </a:r>
           </a:p>
           <a:p>
             <a:r>
               <a:rPr lang="en-GB" altLang="en-US" dirty="0" smtClean="0"/>
-              <a:t>Review Slides</a:t>
-            </a:r>
-          </a:p>
-          <a:p>
+              <a:t>Advantages of Generic Types </a:t>
+            </a:r>
+          </a:p>
+          <a:p>
+            <a:pPr lvl="1"/>
             <a:r>
               <a:rPr lang="en-GB" altLang="en-US" dirty="0" smtClean="0"/>
-              <a:t>Java Exercises</a:t>
+              <a:t>Flexibility/Robustness</a:t>
+            </a:r>
+          </a:p>
+          <a:p>
+            <a:r>
+              <a:rPr lang="en-GB" altLang="en-US" dirty="0" smtClean="0"/>
+              <a:t>Incorporate Generic Types into your implementations</a:t>
+            </a:r>
+          </a:p>
+          <a:p>
+            <a:r>
+              <a:rPr lang="en-GB" altLang="en-US" dirty="0" smtClean="0"/>
+              <a:t>Examples</a:t>
             </a:r>
           </a:p>
         </p:txBody>
@@ -6185,6 +6201,13 @@
   <p:clrMapOvr>
     <a:masterClrMapping/>
   </p:clrMapOvr>
+  <p:timing>
+    <p:tnLst>
+      <p:par>
+        <p:cTn id="1" dur="indefinite" restart="never" nodeType="tmRoot"/>
+      </p:par>
+    </p:tnLst>
+  </p:timing>
 </p:sld>
 </file>
 
@@ -6207,7 +6230,7 @@
       </p:grpSpPr>
       <p:sp>
         <p:nvSpPr>
-          <p:cNvPr id="2" name="Title 1"/>
+          <p:cNvPr id="11266" name="Title 1"/>
           <p:cNvSpPr>
             <a:spLocks noGrp="1"/>
           </p:cNvSpPr>
@@ -6221,16 +6244,15 @@
           <a:lstStyle/>
           <a:p>
             <a:r>
-              <a:rPr lang="en-GB" dirty="0" smtClean="0"/>
-              <a:t>Exercises</a:t>
-            </a:r>
-            <a:endParaRPr lang="en-GB" dirty="0"/>
-          </a:p>
-        </p:txBody>
-      </p:sp>
-      <p:sp>
-        <p:nvSpPr>
-          <p:cNvPr id="3" name="Content Placeholder 2"/>
+              <a:rPr lang="en-GB" altLang="en-US" smtClean="0"/>
+              <a:t>This Week</a:t>
+            </a:r>
+          </a:p>
+        </p:txBody>
+      </p:sp>
+      <p:sp>
+        <p:nvSpPr>
+          <p:cNvPr id="11267" name="Content Placeholder 2"/>
           <p:cNvSpPr>
             <a:spLocks noGrp="1"/>
           </p:cNvSpPr>
@@ -6244,32 +6266,25 @@
           <a:lstStyle/>
           <a:p>
             <a:r>
-              <a:rPr lang="en-GB" dirty="0" smtClean="0"/>
-              <a:t>Exercises 21.1 to 21.2 (Generics)</a:t>
-            </a:r>
-          </a:p>
-          <a:p>
-            <a:pPr marL="0" indent="0">
-              <a:buNone/>
-            </a:pPr>
-            <a:r>
-              <a:rPr lang="en-GB" dirty="0"/>
-              <a:t> </a:t>
-            </a:r>
-            <a:r>
-              <a:rPr lang="en-GB" dirty="0" smtClean="0"/>
-              <a:t>                   25.1 to 25.2 (Arrays/Lists)</a:t>
-            </a:r>
-            <a:endParaRPr lang="en-GB" dirty="0"/>
+              <a:rPr lang="en-GB" altLang="en-US" dirty="0" smtClean="0"/>
+              <a:t>Read Associated Chapters</a:t>
+            </a:r>
+          </a:p>
+          <a:p>
+            <a:r>
+              <a:rPr lang="en-GB" altLang="en-US" dirty="0" smtClean="0"/>
+              <a:t>Review Slides</a:t>
+            </a:r>
+          </a:p>
+          <a:p>
+            <a:r>
+              <a:rPr lang="en-GB" altLang="en-US" dirty="0" smtClean="0"/>
+              <a:t>Java Exercises</a:t>
+            </a:r>
           </a:p>
         </p:txBody>
       </p:sp>
     </p:spTree>
-    <p:extLst>
-      <p:ext uri="{BB962C8B-B14F-4D97-AF65-F5344CB8AC3E}">
-        <p14:creationId xmlns:p14="http://schemas.microsoft.com/office/powerpoint/2010/main" val="612155335"/>
-      </p:ext>
-    </p:extLst>
   </p:cSld>
   <p:clrMapOvr>
     <a:masterClrMapping/>
@@ -6296,7 +6311,7 @@
       </p:grpSpPr>
       <p:sp>
         <p:nvSpPr>
-          <p:cNvPr id="13314" name="Title 1"/>
+          <p:cNvPr id="2" name="Title 1"/>
           <p:cNvSpPr>
             <a:spLocks noGrp="1"/>
           </p:cNvSpPr>
@@ -6304,22 +6319,42 @@
             <p:ph type="title"/>
           </p:nvPr>
         </p:nvSpPr>
-        <p:spPr/>
-        <p:txBody>
-          <a:bodyPr/>
-          <a:lstStyle/>
-          <a:p>
-            <a:pPr eaLnBrk="1" hangingPunct="1"/>
-            <a:r>
-              <a:rPr lang="en-GB" altLang="en-US" smtClean="0"/>
-              <a:t>Questions/Discussion</a:t>
-            </a:r>
-          </a:p>
-        </p:txBody>
-      </p:sp>
-      <p:sp>
-        <p:nvSpPr>
-          <p:cNvPr id="13315" name="Content Placeholder 2"/>
+        <p:spPr>
+          <a:xfrm>
+            <a:off x="685800" y="609600"/>
+            <a:ext cx="7772400" cy="3505200"/>
+          </a:xfrm>
+        </p:spPr>
+        <p:txBody>
+          <a:bodyPr/>
+          <a:lstStyle/>
+          <a:p>
+            <a:r>
+              <a:rPr lang="en-GB" sz="16600" dirty="0" smtClean="0"/>
+              <a:t>25</a:t>
+            </a:r>
+            <a:r>
+              <a:rPr lang="en-GB" sz="16600" baseline="30000" dirty="0" smtClean="0"/>
+              <a:t>th</a:t>
+            </a:r>
+            <a:r>
+              <a:rPr lang="en-GB" sz="16600" dirty="0" smtClean="0"/>
+              <a:t> </a:t>
+            </a:r>
+            <a:br>
+              <a:rPr lang="en-GB" sz="16600" dirty="0" smtClean="0"/>
+            </a:br>
+            <a:r>
+              <a:rPr lang="en-GB" dirty="0" smtClean="0"/>
+              <a:t>December</a:t>
+            </a:r>
+            <a:endParaRPr lang="en-GB" sz="16600" dirty="0"/>
+          </a:p>
+        </p:txBody>
+      </p:sp>
+      <p:sp>
+        <p:nvSpPr>
+          <p:cNvPr id="3" name="Content Placeholder 2"/>
           <p:cNvSpPr>
             <a:spLocks noGrp="1"/>
           </p:cNvSpPr>
@@ -6327,28 +6362,83 @@
             <p:ph idx="1"/>
           </p:nvPr>
         </p:nvSpPr>
-        <p:spPr/>
-        <p:txBody>
-          <a:bodyPr/>
-          <a:lstStyle/>
-          <a:p>
-            <a:pPr eaLnBrk="1" hangingPunct="1"/>
-            <a:endParaRPr lang="en-GB" altLang="en-US" smtClean="0"/>
+        <p:spPr>
+          <a:xfrm>
+            <a:off x="685800" y="4876800"/>
+            <a:ext cx="8001000" cy="1219200"/>
+          </a:xfrm>
+        </p:spPr>
+        <p:txBody>
+          <a:bodyPr/>
+          <a:lstStyle/>
+          <a:p>
+            <a:pPr marL="0" indent="0">
+              <a:buNone/>
+            </a:pPr>
+            <a:r>
+              <a:rPr lang="en-GB" dirty="0" smtClean="0"/>
+              <a:t>Last Day – Quizzes/Exercise Submissions</a:t>
+            </a:r>
+          </a:p>
+          <a:p>
+            <a:pPr marL="0" indent="0">
+              <a:buNone/>
+            </a:pPr>
+            <a:r>
+              <a:rPr lang="en-GB" dirty="0" smtClean="0"/>
+              <a:t>Grade Taken</a:t>
+            </a:r>
+          </a:p>
+        </p:txBody>
+      </p:sp>
+      <p:sp>
+        <p:nvSpPr>
+          <p:cNvPr id="4" name="TextBox 3"/>
+          <p:cNvSpPr txBox="1"/>
+          <p:nvPr/>
+        </p:nvSpPr>
+        <p:spPr>
+          <a:xfrm>
+            <a:off x="609600" y="378767"/>
+            <a:ext cx="1532792" cy="461665"/>
+          </a:xfrm>
+          <a:prstGeom prst="rect">
+            <a:avLst/>
+          </a:prstGeom>
+          <a:noFill/>
+        </p:spPr>
+        <p:txBody>
+          <a:bodyPr wrap="none" rtlCol="0">
+            <a:spAutoFit/>
+          </a:bodyPr>
+          <a:lstStyle/>
+          <a:p>
+            <a:r>
+              <a:rPr lang="en-GB" dirty="0" smtClean="0">
+                <a:solidFill>
+                  <a:srgbClr val="FF0000"/>
+                </a:solidFill>
+              </a:rPr>
+              <a:t>Remember</a:t>
+            </a:r>
+            <a:endParaRPr lang="en-GB" dirty="0">
+              <a:solidFill>
+                <a:srgbClr val="FF0000"/>
+              </a:solidFill>
+            </a:endParaRPr>
           </a:p>
         </p:txBody>
       </p:sp>
     </p:spTree>
+    <p:extLst>
+      <p:ext uri="{BB962C8B-B14F-4D97-AF65-F5344CB8AC3E}">
+        <p14:creationId xmlns:p14="http://schemas.microsoft.com/office/powerpoint/2010/main" val="3177980834"/>
+      </p:ext>
+    </p:extLst>
   </p:cSld>
   <p:clrMapOvr>
     <a:masterClrMapping/>
   </p:clrMapOvr>
-  <p:timing>
-    <p:tnLst>
-      <p:par>
-        <p:cTn id="1" dur="indefinite" restart="never" nodeType="tmRoot"/>
-      </p:par>
-    </p:tnLst>
-  </p:timing>
 </p:sld>
 </file>
 
@@ -6381,19 +6471,34 @@
         </p:nvSpPr>
         <p:spPr>
           <a:xfrm>
-            <a:off x="685800" y="-76200"/>
-            <a:ext cx="7772400" cy="1143000"/>
-          </a:xfrm>
-        </p:spPr>
-        <p:txBody>
-          <a:bodyPr/>
-          <a:lstStyle/>
-          <a:p>
+            <a:off x="685800" y="609600"/>
+            <a:ext cx="7772400" cy="3505200"/>
+          </a:xfrm>
+        </p:spPr>
+        <p:txBody>
+          <a:bodyPr/>
+          <a:lstStyle/>
+          <a:p>
+            <a:r>
+              <a:rPr lang="en-GB" sz="16600" dirty="0" smtClean="0"/>
+              <a:t>25</a:t>
+            </a:r>
+            <a:r>
+              <a:rPr lang="en-GB" sz="16600" baseline="30000" dirty="0" smtClean="0"/>
+              <a:t>th</a:t>
+            </a:r>
+            <a:r>
+              <a:rPr lang="en-GB" sz="16600" dirty="0" smtClean="0"/>
+              <a:t> </a:t>
+            </a:r>
+            <a:br>
+              <a:rPr lang="en-GB" sz="16600" dirty="0" smtClean="0"/>
+            </a:br>
             <a:r>
               <a:rPr lang="en-GB" dirty="0" smtClean="0"/>
-              <a:t>Question</a:t>
-            </a:r>
-            <a:endParaRPr lang="en-GB" dirty="0"/>
+              <a:t>December</a:t>
+            </a:r>
+            <a:endParaRPr lang="en-GB" sz="16600" dirty="0"/>
           </a:p>
         </p:txBody>
       </p:sp>
@@ -6409,56 +6514,207 @@
         </p:nvSpPr>
         <p:spPr>
           <a:xfrm>
-            <a:off x="685800" y="838200"/>
-            <a:ext cx="7772400" cy="4114800"/>
-          </a:xfrm>
-        </p:spPr>
-        <p:txBody>
-          <a:bodyPr/>
-          <a:lstStyle/>
-          <a:p>
+            <a:off x="685800" y="4876800"/>
+            <a:ext cx="8001000" cy="1219200"/>
+          </a:xfrm>
+        </p:spPr>
+        <p:txBody>
+          <a:bodyPr/>
+          <a:lstStyle/>
+          <a:p>
+            <a:pPr marL="0" indent="0">
+              <a:buNone/>
+            </a:pPr>
             <a:r>
               <a:rPr lang="en-GB" dirty="0" smtClean="0"/>
-              <a:t>Does the following code compile?  What would the output be?</a:t>
-            </a:r>
-            <a:endParaRPr lang="en-GB" dirty="0"/>
-          </a:p>
-        </p:txBody>
-      </p:sp>
-      <p:pic>
-        <p:nvPicPr>
-          <p:cNvPr id="6" name="Picture 5"/>
-          <p:cNvPicPr>
-            <a:picLocks noChangeAspect="1"/>
-          </p:cNvPicPr>
-          <p:nvPr/>
-        </p:nvPicPr>
-        <p:blipFill>
-          <a:blip r:embed="rId2"/>
-          <a:stretch>
-            <a:fillRect/>
-          </a:stretch>
-        </p:blipFill>
-        <p:spPr>
-          <a:xfrm>
-            <a:off x="1676400" y="2133600"/>
-            <a:ext cx="5181600" cy="4435383"/>
-          </a:xfrm>
-          <a:prstGeom prst="rect">
-            <a:avLst/>
-          </a:prstGeom>
-        </p:spPr>
-      </p:pic>
+              <a:t>Last Day – Quizzes/Exercise Submissions</a:t>
+            </a:r>
+          </a:p>
+          <a:p>
+            <a:pPr marL="0" indent="0">
+              <a:buNone/>
+            </a:pPr>
+            <a:r>
+              <a:rPr lang="en-GB" dirty="0" smtClean="0"/>
+              <a:t>Grade Taken</a:t>
+            </a:r>
+          </a:p>
+        </p:txBody>
+      </p:sp>
     </p:spTree>
     <p:extLst>
       <p:ext uri="{BB962C8B-B14F-4D97-AF65-F5344CB8AC3E}">
-        <p14:creationId xmlns:p14="http://schemas.microsoft.com/office/powerpoint/2010/main" val="2845058267"/>
+        <p14:creationId xmlns:p14="http://schemas.microsoft.com/office/powerpoint/2010/main" val="1104299852"/>
       </p:ext>
     </p:extLst>
   </p:cSld>
   <p:clrMapOvr>
     <a:masterClrMapping/>
   </p:clrMapOvr>
+</p:sld>
+</file>
+
+<file path=ppt/slides/slide30.xml><?xml version="1.0" encoding="utf-8"?>
+<p:sld xmlns:a="http://schemas.openxmlformats.org/drawingml/2006/main" xmlns:r="http://schemas.openxmlformats.org/officeDocument/2006/relationships" xmlns:p="http://schemas.openxmlformats.org/presentationml/2006/main">
+  <p:cSld>
+    <p:spTree>
+      <p:nvGrpSpPr>
+        <p:cNvPr id="1" name=""/>
+        <p:cNvGrpSpPr/>
+        <p:nvPr/>
+      </p:nvGrpSpPr>
+      <p:grpSpPr>
+        <a:xfrm>
+          <a:off x="0" y="0"/>
+          <a:ext cx="0" cy="0"/>
+          <a:chOff x="0" y="0"/>
+          <a:chExt cx="0" cy="0"/>
+        </a:xfrm>
+      </p:grpSpPr>
+      <p:sp>
+        <p:nvSpPr>
+          <p:cNvPr id="2" name="Title 1"/>
+          <p:cNvSpPr>
+            <a:spLocks noGrp="1"/>
+          </p:cNvSpPr>
+          <p:nvPr>
+            <p:ph type="title"/>
+          </p:nvPr>
+        </p:nvSpPr>
+        <p:spPr/>
+        <p:txBody>
+          <a:bodyPr/>
+          <a:lstStyle/>
+          <a:p>
+            <a:r>
+              <a:rPr lang="en-GB" dirty="0" smtClean="0"/>
+              <a:t>Exercises</a:t>
+            </a:r>
+            <a:endParaRPr lang="en-GB" dirty="0"/>
+          </a:p>
+        </p:txBody>
+      </p:sp>
+      <p:sp>
+        <p:nvSpPr>
+          <p:cNvPr id="3" name="Content Placeholder 2"/>
+          <p:cNvSpPr>
+            <a:spLocks noGrp="1"/>
+          </p:cNvSpPr>
+          <p:nvPr>
+            <p:ph idx="1"/>
+          </p:nvPr>
+        </p:nvSpPr>
+        <p:spPr/>
+        <p:txBody>
+          <a:bodyPr/>
+          <a:lstStyle/>
+          <a:p>
+            <a:r>
+              <a:rPr lang="en-GB" dirty="0" smtClean="0"/>
+              <a:t>Exercises 21.1 to 21.2 (Generics)</a:t>
+            </a:r>
+          </a:p>
+          <a:p>
+            <a:pPr marL="0" indent="0">
+              <a:buNone/>
+            </a:pPr>
+            <a:r>
+              <a:rPr lang="en-GB" dirty="0"/>
+              <a:t> </a:t>
+            </a:r>
+            <a:r>
+              <a:rPr lang="en-GB" dirty="0" smtClean="0"/>
+              <a:t>                   25.1 to 25.2 (Arrays/Lists)</a:t>
+            </a:r>
+            <a:endParaRPr lang="en-GB" dirty="0"/>
+          </a:p>
+        </p:txBody>
+      </p:sp>
+    </p:spTree>
+    <p:extLst>
+      <p:ext uri="{BB962C8B-B14F-4D97-AF65-F5344CB8AC3E}">
+        <p14:creationId xmlns:p14="http://schemas.microsoft.com/office/powerpoint/2010/main" val="612155335"/>
+      </p:ext>
+    </p:extLst>
+  </p:cSld>
+  <p:clrMapOvr>
+    <a:masterClrMapping/>
+  </p:clrMapOvr>
+</p:sld>
+</file>
+
+<file path=ppt/slides/slide31.xml><?xml version="1.0" encoding="utf-8"?>
+<p:sld xmlns:a="http://schemas.openxmlformats.org/drawingml/2006/main" xmlns:r="http://schemas.openxmlformats.org/officeDocument/2006/relationships" xmlns:p="http://schemas.openxmlformats.org/presentationml/2006/main">
+  <p:cSld>
+    <p:spTree>
+      <p:nvGrpSpPr>
+        <p:cNvPr id="1" name=""/>
+        <p:cNvGrpSpPr/>
+        <p:nvPr/>
+      </p:nvGrpSpPr>
+      <p:grpSpPr>
+        <a:xfrm>
+          <a:off x="0" y="0"/>
+          <a:ext cx="0" cy="0"/>
+          <a:chOff x="0" y="0"/>
+          <a:chExt cx="0" cy="0"/>
+        </a:xfrm>
+      </p:grpSpPr>
+      <p:sp>
+        <p:nvSpPr>
+          <p:cNvPr id="13314" name="Title 1"/>
+          <p:cNvSpPr>
+            <a:spLocks noGrp="1"/>
+          </p:cNvSpPr>
+          <p:nvPr>
+            <p:ph type="title"/>
+          </p:nvPr>
+        </p:nvSpPr>
+        <p:spPr/>
+        <p:txBody>
+          <a:bodyPr/>
+          <a:lstStyle/>
+          <a:p>
+            <a:pPr eaLnBrk="1" hangingPunct="1"/>
+            <a:r>
+              <a:rPr lang="en-GB" altLang="en-US" smtClean="0"/>
+              <a:t>Questions/Discussion</a:t>
+            </a:r>
+          </a:p>
+        </p:txBody>
+      </p:sp>
+      <p:sp>
+        <p:nvSpPr>
+          <p:cNvPr id="13315" name="Content Placeholder 2"/>
+          <p:cNvSpPr>
+            <a:spLocks noGrp="1"/>
+          </p:cNvSpPr>
+          <p:nvPr>
+            <p:ph idx="1"/>
+          </p:nvPr>
+        </p:nvSpPr>
+        <p:spPr/>
+        <p:txBody>
+          <a:bodyPr/>
+          <a:lstStyle/>
+          <a:p>
+            <a:pPr eaLnBrk="1" hangingPunct="1"/>
+            <a:endParaRPr lang="en-GB" altLang="en-US" smtClean="0"/>
+          </a:p>
+        </p:txBody>
+      </p:sp>
+    </p:spTree>
+  </p:cSld>
+  <p:clrMapOvr>
+    <a:masterClrMapping/>
+  </p:clrMapOvr>
+  <p:timing>
+    <p:tnLst>
+      <p:par>
+        <p:cTn id="1" dur="indefinite" restart="never" nodeType="tmRoot"/>
+      </p:par>
+    </p:tnLst>
+  </p:timing>
 </p:sld>
 </file>
 
@@ -6489,14 +6745,19 @@
             <p:ph type="title"/>
           </p:nvPr>
         </p:nvSpPr>
-        <p:spPr/>
+        <p:spPr>
+          <a:xfrm>
+            <a:off x="685800" y="-76200"/>
+            <a:ext cx="7772400" cy="1143000"/>
+          </a:xfrm>
+        </p:spPr>
         <p:txBody>
           <a:bodyPr/>
           <a:lstStyle/>
           <a:p>
             <a:r>
               <a:rPr lang="en-GB" dirty="0" smtClean="0"/>
-              <a:t>Answer</a:t>
+              <a:t>Question</a:t>
             </a:r>
             <a:endParaRPr lang="en-GB" dirty="0"/>
           </a:p>
@@ -6512,14 +6773,19 @@
             <p:ph idx="1"/>
           </p:nvPr>
         </p:nvSpPr>
-        <p:spPr/>
+        <p:spPr>
+          <a:xfrm>
+            <a:off x="685800" y="838200"/>
+            <a:ext cx="7772400" cy="4114800"/>
+          </a:xfrm>
+        </p:spPr>
         <p:txBody>
           <a:bodyPr/>
           <a:lstStyle/>
           <a:p>
             <a:r>
               <a:rPr lang="en-GB" dirty="0" smtClean="0"/>
-              <a:t>7</a:t>
+              <a:t>Does the following code compile?  What would the output be?</a:t>
             </a:r>
             <a:endParaRPr lang="en-GB" dirty="0"/>
           </a:p>
@@ -6527,7 +6793,7 @@
       </p:sp>
       <p:pic>
         <p:nvPicPr>
-          <p:cNvPr id="4" name="Picture 3"/>
+          <p:cNvPr id="6" name="Picture 5"/>
           <p:cNvPicPr>
             <a:picLocks noChangeAspect="1"/>
           </p:cNvPicPr>
@@ -6541,8 +6807,8 @@
         </p:blipFill>
         <p:spPr>
           <a:xfrm>
-            <a:off x="838200" y="3733800"/>
-            <a:ext cx="2562225" cy="409575"/>
+            <a:off x="1676400" y="2133600"/>
+            <a:ext cx="5181600" cy="4435383"/>
           </a:xfrm>
           <a:prstGeom prst="rect">
             <a:avLst/>
@@ -6552,7 +6818,7 @@
     </p:spTree>
     <p:extLst>
       <p:ext uri="{BB962C8B-B14F-4D97-AF65-F5344CB8AC3E}">
-        <p14:creationId xmlns:p14="http://schemas.microsoft.com/office/powerpoint/2010/main" val="535764243"/>
+        <p14:creationId xmlns:p14="http://schemas.microsoft.com/office/powerpoint/2010/main" val="2845058267"/>
       </p:ext>
     </p:extLst>
   </p:cSld>
@@ -6596,7 +6862,7 @@
           <a:p>
             <a:r>
               <a:rPr lang="en-GB" dirty="0" smtClean="0"/>
-              <a:t>Question</a:t>
+              <a:t>Answer</a:t>
             </a:r>
             <a:endParaRPr lang="en-GB" dirty="0"/>
           </a:p>
@@ -6618,11 +6884,9 @@
           <a:lstStyle/>
           <a:p>
             <a:r>
-              <a:rPr lang="en-GB" dirty="0"/>
-              <a:t>Does the following code compile?  What would the output be?</a:t>
-            </a:r>
-          </a:p>
-          <a:p>
+              <a:rPr lang="en-GB" dirty="0" smtClean="0"/>
+              <a:t>7</a:t>
+            </a:r>
             <a:endParaRPr lang="en-GB" dirty="0"/>
           </a:p>
         </p:txBody>
@@ -6643,8 +6907,8 @@
         </p:blipFill>
         <p:spPr>
           <a:xfrm>
-            <a:off x="1752600" y="3505200"/>
-            <a:ext cx="4953000" cy="2021953"/>
+            <a:off x="838200" y="3733800"/>
+            <a:ext cx="2562225" cy="409575"/>
           </a:xfrm>
           <a:prstGeom prst="rect">
             <a:avLst/>
@@ -6654,7 +6918,7 @@
     </p:spTree>
     <p:extLst>
       <p:ext uri="{BB962C8B-B14F-4D97-AF65-F5344CB8AC3E}">
-        <p14:creationId xmlns:p14="http://schemas.microsoft.com/office/powerpoint/2010/main" val="390980096"/>
+        <p14:creationId xmlns:p14="http://schemas.microsoft.com/office/powerpoint/2010/main" val="535764243"/>
       </p:ext>
     </p:extLst>
   </p:cSld>
@@ -6698,7 +6962,7 @@
           <a:p>
             <a:r>
               <a:rPr lang="en-GB" dirty="0" smtClean="0"/>
-              <a:t>Answer</a:t>
+              <a:t>Question</a:t>
             </a:r>
             <a:endParaRPr lang="en-GB" dirty="0"/>
           </a:p>
@@ -6719,22 +6983,12 @@
           <a:bodyPr/>
           <a:lstStyle/>
           <a:p>
-            <a:pPr marL="0" indent="0">
-              <a:buNone/>
-            </a:pPr>
-            <a:r>
-              <a:rPr lang="en-GB" dirty="0" smtClean="0"/>
-              <a:t>val:12</a:t>
-            </a:r>
-          </a:p>
-          <a:p>
-            <a:pPr marL="0" indent="0">
-              <a:buNone/>
-            </a:pPr>
-            <a:r>
-              <a:rPr lang="en-GB" dirty="0" smtClean="0"/>
-              <a:t>3:val</a:t>
-            </a:r>
+            <a:r>
+              <a:rPr lang="en-GB" dirty="0"/>
+              <a:t>Does the following code compile?  What would the output be?</a:t>
+            </a:r>
+          </a:p>
+          <a:p>
             <a:endParaRPr lang="en-GB" dirty="0"/>
           </a:p>
         </p:txBody>
@@ -6755,8 +7009,8 @@
         </p:blipFill>
         <p:spPr>
           <a:xfrm>
-            <a:off x="762000" y="4343400"/>
-            <a:ext cx="2552700" cy="676275"/>
+            <a:off x="1752600" y="3505200"/>
+            <a:ext cx="4953000" cy="2021953"/>
           </a:xfrm>
           <a:prstGeom prst="rect">
             <a:avLst/>
@@ -6766,7 +7020,7 @@
     </p:spTree>
     <p:extLst>
       <p:ext uri="{BB962C8B-B14F-4D97-AF65-F5344CB8AC3E}">
-        <p14:creationId xmlns:p14="http://schemas.microsoft.com/office/powerpoint/2010/main" val="3111697431"/>
+        <p14:creationId xmlns:p14="http://schemas.microsoft.com/office/powerpoint/2010/main" val="390980096"/>
       </p:ext>
     </p:extLst>
   </p:cSld>
@@ -6803,19 +7057,14 @@
             <p:ph type="title"/>
           </p:nvPr>
         </p:nvSpPr>
-        <p:spPr>
-          <a:xfrm>
-            <a:off x="685800" y="228600"/>
-            <a:ext cx="7772400" cy="1143000"/>
-          </a:xfrm>
-        </p:spPr>
+        <p:spPr/>
         <p:txBody>
           <a:bodyPr/>
           <a:lstStyle/>
           <a:p>
             <a:r>
               <a:rPr lang="en-GB" dirty="0" smtClean="0"/>
-              <a:t>Question</a:t>
+              <a:t>Answer</a:t>
             </a:r>
             <a:endParaRPr lang="en-GB" dirty="0"/>
           </a:p>
@@ -6831,88 +7080,27 @@
             <p:ph idx="1"/>
           </p:nvPr>
         </p:nvSpPr>
-        <p:spPr>
-          <a:xfrm>
-            <a:off x="685800" y="1600200"/>
-            <a:ext cx="7772400" cy="4648200"/>
-          </a:xfrm>
-        </p:spPr>
-        <p:txBody>
-          <a:bodyPr>
-            <a:normAutofit fontScale="77500" lnSpcReduction="20000"/>
-          </a:bodyPr>
-          <a:lstStyle/>
-          <a:p>
-            <a:r>
-              <a:rPr lang="en-GB" dirty="0"/>
-              <a:t>What will the following code print</a:t>
-            </a:r>
-            <a:r>
-              <a:rPr lang="en-GB" dirty="0" smtClean="0"/>
-              <a:t>?</a:t>
-            </a:r>
-          </a:p>
-          <a:p>
-            <a:endParaRPr lang="en-GB" dirty="0"/>
-          </a:p>
-          <a:p>
-            <a:endParaRPr lang="en-GB" dirty="0" smtClean="0"/>
-          </a:p>
-          <a:p>
-            <a:endParaRPr lang="en-GB" dirty="0"/>
-          </a:p>
-          <a:p>
-            <a:endParaRPr lang="en-GB" dirty="0" smtClean="0"/>
-          </a:p>
-          <a:p>
-            <a:endParaRPr lang="en-GB" dirty="0"/>
-          </a:p>
-          <a:p>
-            <a:endParaRPr lang="en-GB" dirty="0" smtClean="0"/>
-          </a:p>
-          <a:p>
-            <a:endParaRPr lang="en-GB" dirty="0"/>
-          </a:p>
-          <a:p>
-            <a:pPr>
+        <p:spPr/>
+        <p:txBody>
+          <a:bodyPr/>
+          <a:lstStyle/>
+          <a:p>
+            <a:pPr marL="0" indent="0">
               <a:buNone/>
             </a:pPr>
             <a:r>
-              <a:rPr lang="en-US" dirty="0"/>
-              <a:t>a) 1</a:t>
-            </a:r>
-          </a:p>
-          <a:p>
-            <a:pPr>
+              <a:rPr lang="en-GB" dirty="0" smtClean="0"/>
+              <a:t>val:12</a:t>
+            </a:r>
+          </a:p>
+          <a:p>
+            <a:pPr marL="0" indent="0">
               <a:buNone/>
             </a:pPr>
             <a:r>
-              <a:rPr lang="en-US" dirty="0"/>
-              <a:t>b) 10</a:t>
-            </a:r>
-          </a:p>
-          <a:p>
-            <a:pPr>
-              <a:buNone/>
-            </a:pPr>
-            <a:r>
-              <a:rPr lang="en-US" dirty="0"/>
-              <a:t>c) 16</a:t>
-            </a:r>
-          </a:p>
-          <a:p>
-            <a:pPr>
-              <a:buNone/>
-            </a:pPr>
-            <a:r>
-              <a:rPr lang="en-US" dirty="0"/>
-              <a:t>d) 31</a:t>
-            </a:r>
-          </a:p>
-          <a:p>
-            <a:endParaRPr lang="en-GB" dirty="0"/>
-          </a:p>
-          <a:p>
+              <a:rPr lang="en-GB" dirty="0" smtClean="0"/>
+              <a:t>3:val</a:t>
+            </a:r>
             <a:endParaRPr lang="en-GB" dirty="0"/>
           </a:p>
         </p:txBody>
@@ -6933,8 +7121,8 @@
         </p:blipFill>
         <p:spPr>
           <a:xfrm>
-            <a:off x="2743200" y="2514600"/>
-            <a:ext cx="4533900" cy="2610427"/>
+            <a:off x="762000" y="4343400"/>
+            <a:ext cx="2552700" cy="676275"/>
           </a:xfrm>
           <a:prstGeom prst="rect">
             <a:avLst/>
@@ -6944,7 +7132,7 @@
     </p:spTree>
     <p:extLst>
       <p:ext uri="{BB962C8B-B14F-4D97-AF65-F5344CB8AC3E}">
-        <p14:creationId xmlns:p14="http://schemas.microsoft.com/office/powerpoint/2010/main" val="229536355"/>
+        <p14:creationId xmlns:p14="http://schemas.microsoft.com/office/powerpoint/2010/main" val="3111697431"/>
       </p:ext>
     </p:extLst>
   </p:cSld>
@@ -6981,14 +7169,19 @@
             <p:ph type="title"/>
           </p:nvPr>
         </p:nvSpPr>
-        <p:spPr/>
+        <p:spPr>
+          <a:xfrm>
+            <a:off x="685800" y="228600"/>
+            <a:ext cx="7772400" cy="1143000"/>
+          </a:xfrm>
+        </p:spPr>
         <p:txBody>
           <a:bodyPr/>
           <a:lstStyle/>
           <a:p>
             <a:r>
               <a:rPr lang="en-GB" dirty="0" smtClean="0"/>
-              <a:t>Answer</a:t>
+              <a:t>Question</a:t>
             </a:r>
             <a:endParaRPr lang="en-GB" dirty="0"/>
           </a:p>
@@ -7004,25 +7197,120 @@
             <p:ph idx="1"/>
           </p:nvPr>
         </p:nvSpPr>
-        <p:spPr/>
-        <p:txBody>
-          <a:bodyPr/>
+        <p:spPr>
+          <a:xfrm>
+            <a:off x="685800" y="1600200"/>
+            <a:ext cx="7772400" cy="4648200"/>
+          </a:xfrm>
+        </p:spPr>
+        <p:txBody>
+          <a:bodyPr>
+            <a:normAutofit fontScale="77500" lnSpcReduction="20000"/>
+          </a:bodyPr>
           <a:lstStyle/>
           <a:p>
             <a:r>
               <a:rPr lang="en-GB" dirty="0"/>
+              <a:t>What will the following code print</a:t>
+            </a:r>
+            <a:r>
+              <a:rPr lang="en-GB" dirty="0" smtClean="0"/>
+              <a:t>?</a:t>
+            </a:r>
+          </a:p>
+          <a:p>
+            <a:endParaRPr lang="en-GB" dirty="0"/>
+          </a:p>
+          <a:p>
+            <a:endParaRPr lang="en-GB" dirty="0" smtClean="0"/>
+          </a:p>
+          <a:p>
+            <a:endParaRPr lang="en-GB" dirty="0"/>
+          </a:p>
+          <a:p>
+            <a:endParaRPr lang="en-GB" dirty="0" smtClean="0"/>
+          </a:p>
+          <a:p>
+            <a:endParaRPr lang="en-GB" dirty="0"/>
+          </a:p>
+          <a:p>
+            <a:endParaRPr lang="en-GB" dirty="0" smtClean="0"/>
+          </a:p>
+          <a:p>
+            <a:endParaRPr lang="en-GB" dirty="0"/>
+          </a:p>
+          <a:p>
+            <a:pPr>
+              <a:buNone/>
+            </a:pPr>
+            <a:r>
+              <a:rPr lang="en-US" dirty="0"/>
+              <a:t>a) 1</a:t>
+            </a:r>
+          </a:p>
+          <a:p>
+            <a:pPr>
+              <a:buNone/>
+            </a:pPr>
+            <a:r>
+              <a:rPr lang="en-US" dirty="0"/>
+              <a:t>b) 10</a:t>
+            </a:r>
+          </a:p>
+          <a:p>
+            <a:pPr>
+              <a:buNone/>
+            </a:pPr>
+            <a:r>
+              <a:rPr lang="en-US" dirty="0"/>
               <a:t>c) 16</a:t>
             </a:r>
           </a:p>
           <a:p>
+            <a:pPr>
+              <a:buNone/>
+            </a:pPr>
+            <a:r>
+              <a:rPr lang="en-US" dirty="0"/>
+              <a:t>d) 31</a:t>
+            </a:r>
+          </a:p>
+          <a:p>
             <a:endParaRPr lang="en-GB" dirty="0"/>
           </a:p>
-        </p:txBody>
-      </p:sp>
+          <a:p>
+            <a:endParaRPr lang="en-GB" dirty="0"/>
+          </a:p>
+        </p:txBody>
+      </p:sp>
+      <p:pic>
+        <p:nvPicPr>
+          <p:cNvPr id="4" name="Picture 3"/>
+          <p:cNvPicPr>
+            <a:picLocks noChangeAspect="1"/>
+          </p:cNvPicPr>
+          <p:nvPr/>
+        </p:nvPicPr>
+        <p:blipFill>
+          <a:blip r:embed="rId2"/>
+          <a:stretch>
+            <a:fillRect/>
+          </a:stretch>
+        </p:blipFill>
+        <p:spPr>
+          <a:xfrm>
+            <a:off x="2743200" y="2514600"/>
+            <a:ext cx="4533900" cy="2610427"/>
+          </a:xfrm>
+          <a:prstGeom prst="rect">
+            <a:avLst/>
+          </a:prstGeom>
+        </p:spPr>
+      </p:pic>
     </p:spTree>
     <p:extLst>
       <p:ext uri="{BB962C8B-B14F-4D97-AF65-F5344CB8AC3E}">
-        <p14:creationId xmlns:p14="http://schemas.microsoft.com/office/powerpoint/2010/main" val="4028211060"/>
+        <p14:creationId xmlns:p14="http://schemas.microsoft.com/office/powerpoint/2010/main" val="229536355"/>
       </p:ext>
     </p:extLst>
   </p:cSld>
@@ -7066,7 +7354,7 @@
           <a:p>
             <a:r>
               <a:rPr lang="en-GB" dirty="0" smtClean="0"/>
-              <a:t>Question</a:t>
+              <a:t>Answer</a:t>
             </a:r>
             <a:endParaRPr lang="en-GB" dirty="0"/>
           </a:p>
@@ -7089,7 +7377,7 @@
           <a:p>
             <a:r>
               <a:rPr lang="en-GB" dirty="0"/>
-              <a:t>Does the following code compile?  What would the output be?</a:t>
+              <a:t>c) 16</a:t>
             </a:r>
           </a:p>
           <a:p>
@@ -7097,34 +7385,10 @@
           </a:p>
         </p:txBody>
       </p:sp>
-      <p:pic>
-        <p:nvPicPr>
-          <p:cNvPr id="4" name="Picture 3"/>
-          <p:cNvPicPr>
-            <a:picLocks noChangeAspect="1"/>
-          </p:cNvPicPr>
-          <p:nvPr/>
-        </p:nvPicPr>
-        <p:blipFill>
-          <a:blip r:embed="rId2"/>
-          <a:stretch>
-            <a:fillRect/>
-          </a:stretch>
-        </p:blipFill>
-        <p:spPr>
-          <a:xfrm>
-            <a:off x="1752600" y="3276600"/>
-            <a:ext cx="4724400" cy="2855907"/>
-          </a:xfrm>
-          <a:prstGeom prst="rect">
-            <a:avLst/>
-          </a:prstGeom>
-        </p:spPr>
-      </p:pic>
     </p:spTree>
     <p:extLst>
       <p:ext uri="{BB962C8B-B14F-4D97-AF65-F5344CB8AC3E}">
-        <p14:creationId xmlns:p14="http://schemas.microsoft.com/office/powerpoint/2010/main" val="572034808"/>
+        <p14:creationId xmlns:p14="http://schemas.microsoft.com/office/powerpoint/2010/main" val="4028211060"/>
       </p:ext>
     </p:extLst>
   </p:cSld>

--- a/OOP/lectures/110--Generic.and.Collections.pptx
+++ b/OOP/lectures/110--Generic.and.Collections.pptx
@@ -5,40 +5,42 @@
     <p:sldMasterId id="2147483648" r:id="rId1"/>
   </p:sldMasterIdLst>
   <p:notesMasterIdLst>
-    <p:notesMasterId r:id="rId33"/>
+    <p:notesMasterId r:id="rId35"/>
   </p:notesMasterIdLst>
   <p:sldIdLst>
     <p:sldId id="267" r:id="rId2"/>
     <p:sldId id="274" r:id="rId3"/>
     <p:sldId id="300" r:id="rId4"/>
-    <p:sldId id="285" r:id="rId5"/>
-    <p:sldId id="286" r:id="rId6"/>
-    <p:sldId id="287" r:id="rId7"/>
-    <p:sldId id="288" r:id="rId8"/>
-    <p:sldId id="289" r:id="rId9"/>
-    <p:sldId id="290" r:id="rId10"/>
-    <p:sldId id="291" r:id="rId11"/>
-    <p:sldId id="292" r:id="rId12"/>
-    <p:sldId id="294" r:id="rId13"/>
-    <p:sldId id="295" r:id="rId14"/>
-    <p:sldId id="296" r:id="rId15"/>
-    <p:sldId id="297" r:id="rId16"/>
-    <p:sldId id="298" r:id="rId17"/>
-    <p:sldId id="299" r:id="rId18"/>
-    <p:sldId id="276" r:id="rId19"/>
-    <p:sldId id="277" r:id="rId20"/>
-    <p:sldId id="280" r:id="rId21"/>
-    <p:sldId id="281" r:id="rId22"/>
-    <p:sldId id="278" r:id="rId23"/>
-    <p:sldId id="282" r:id="rId24"/>
-    <p:sldId id="283" r:id="rId25"/>
-    <p:sldId id="284" r:id="rId26"/>
-    <p:sldId id="293" r:id="rId27"/>
-    <p:sldId id="272" r:id="rId28"/>
-    <p:sldId id="275" r:id="rId29"/>
-    <p:sldId id="301" r:id="rId30"/>
-    <p:sldId id="279" r:id="rId31"/>
-    <p:sldId id="268" r:id="rId32"/>
+    <p:sldId id="302" r:id="rId5"/>
+    <p:sldId id="303" r:id="rId6"/>
+    <p:sldId id="285" r:id="rId7"/>
+    <p:sldId id="286" r:id="rId8"/>
+    <p:sldId id="287" r:id="rId9"/>
+    <p:sldId id="288" r:id="rId10"/>
+    <p:sldId id="289" r:id="rId11"/>
+    <p:sldId id="290" r:id="rId12"/>
+    <p:sldId id="291" r:id="rId13"/>
+    <p:sldId id="292" r:id="rId14"/>
+    <p:sldId id="294" r:id="rId15"/>
+    <p:sldId id="295" r:id="rId16"/>
+    <p:sldId id="296" r:id="rId17"/>
+    <p:sldId id="297" r:id="rId18"/>
+    <p:sldId id="298" r:id="rId19"/>
+    <p:sldId id="299" r:id="rId20"/>
+    <p:sldId id="276" r:id="rId21"/>
+    <p:sldId id="277" r:id="rId22"/>
+    <p:sldId id="280" r:id="rId23"/>
+    <p:sldId id="281" r:id="rId24"/>
+    <p:sldId id="278" r:id="rId25"/>
+    <p:sldId id="282" r:id="rId26"/>
+    <p:sldId id="283" r:id="rId27"/>
+    <p:sldId id="284" r:id="rId28"/>
+    <p:sldId id="293" r:id="rId29"/>
+    <p:sldId id="272" r:id="rId30"/>
+    <p:sldId id="275" r:id="rId31"/>
+    <p:sldId id="301" r:id="rId32"/>
+    <p:sldId id="279" r:id="rId33"/>
+    <p:sldId id="268" r:id="rId34"/>
   </p:sldIdLst>
   <p:sldSz cx="9144000" cy="6858000" type="screen4x3"/>
   <p:notesSz cx="6858000" cy="9144000"/>
@@ -169,7 +171,7 @@
   </p:defaultTextStyle>
   <p:extLst>
     <p:ext uri="{EFAFB233-063F-42B5-8137-9DF3F51BA10A}">
-      <p15:sldGuideLst xmlns:p15="http://schemas.microsoft.com/office/powerpoint/2012/main">
+      <p15:sldGuideLst xmlns:p15="http://schemas.microsoft.com/office/powerpoint/2012/main" xmlns="">
         <p15:guide id="1" orient="horz" pos="2160">
           <p15:clr>
             <a:srgbClr val="A4A3A4"/>
@@ -236,14 +238,14 @@
           <a:effectLst/>
           <a:extLst>
             <a:ext uri="{909E8E84-426E-40DD-AFC4-6F175D3DCCD1}">
-              <a14:hiddenFill xmlns:a14="http://schemas.microsoft.com/office/drawing/2010/main">
+              <a14:hiddenFill xmlns:a14="http://schemas.microsoft.com/office/drawing/2010/main" xmlns="">
                 <a:solidFill>
                   <a:schemeClr val="accent1"/>
                 </a:solidFill>
               </a14:hiddenFill>
             </a:ext>
             <a:ext uri="{91240B29-F687-4F45-9708-019B960494DF}">
-              <a14:hiddenLine xmlns:a14="http://schemas.microsoft.com/office/drawing/2010/main" w="9525">
+              <a14:hiddenLine xmlns:a14="http://schemas.microsoft.com/office/drawing/2010/main" xmlns="" w="9525">
                 <a:solidFill>
                   <a:schemeClr val="tx1"/>
                 </a:solidFill>
@@ -253,7 +255,7 @@
               </a14:hiddenLine>
             </a:ext>
             <a:ext uri="{AF507438-7753-43E0-B8FC-AC1667EBCBE1}">
-              <a14:hiddenEffects xmlns:a14="http://schemas.microsoft.com/office/drawing/2010/main">
+              <a14:hiddenEffects xmlns:a14="http://schemas.microsoft.com/office/drawing/2010/main" xmlns="">
                 <a:effectLst>
                   <a:outerShdw dist="35921" dir="2700000" algn="ctr" rotWithShape="0">
                     <a:schemeClr val="bg2"/>
@@ -307,14 +309,14 @@
           <a:effectLst/>
           <a:extLst>
             <a:ext uri="{909E8E84-426E-40DD-AFC4-6F175D3DCCD1}">
-              <a14:hiddenFill xmlns:a14="http://schemas.microsoft.com/office/drawing/2010/main">
+              <a14:hiddenFill xmlns:a14="http://schemas.microsoft.com/office/drawing/2010/main" xmlns="">
                 <a:solidFill>
                   <a:schemeClr val="accent1"/>
                 </a:solidFill>
               </a14:hiddenFill>
             </a:ext>
             <a:ext uri="{91240B29-F687-4F45-9708-019B960494DF}">
-              <a14:hiddenLine xmlns:a14="http://schemas.microsoft.com/office/drawing/2010/main" w="9525">
+              <a14:hiddenLine xmlns:a14="http://schemas.microsoft.com/office/drawing/2010/main" xmlns="" w="9525">
                 <a:solidFill>
                   <a:schemeClr val="tx1"/>
                 </a:solidFill>
@@ -324,7 +326,7 @@
               </a14:hiddenLine>
             </a:ext>
             <a:ext uri="{AF507438-7753-43E0-B8FC-AC1667EBCBE1}">
-              <a14:hiddenEffects xmlns:a14="http://schemas.microsoft.com/office/drawing/2010/main">
+              <a14:hiddenEffects xmlns:a14="http://schemas.microsoft.com/office/drawing/2010/main" xmlns="">
                 <a:effectLst>
                   <a:outerShdw dist="35921" dir="2700000" algn="ctr" rotWithShape="0">
                     <a:schemeClr val="bg2"/>
@@ -383,14 +385,14 @@
           <a:effectLst/>
           <a:extLst>
             <a:ext uri="{909E8E84-426E-40DD-AFC4-6F175D3DCCD1}">
-              <a14:hiddenFill xmlns:a14="http://schemas.microsoft.com/office/drawing/2010/main">
+              <a14:hiddenFill xmlns:a14="http://schemas.microsoft.com/office/drawing/2010/main" xmlns="">
                 <a:solidFill>
                   <a:srgbClr val="FFFFFF"/>
                 </a:solidFill>
               </a14:hiddenFill>
             </a:ext>
             <a:ext uri="{AF507438-7753-43E0-B8FC-AC1667EBCBE1}">
-              <a14:hiddenEffects xmlns:a14="http://schemas.microsoft.com/office/drawing/2010/main">
+              <a14:hiddenEffects xmlns:a14="http://schemas.microsoft.com/office/drawing/2010/main" xmlns="">
                 <a:effectLst>
                   <a:outerShdw dist="35921" dir="2700000" algn="ctr" rotWithShape="0">
                     <a:srgbClr val="808080"/>
@@ -399,7 +401,7 @@
               </a14:hiddenEffects>
             </a:ext>
             <a:ext uri="{53640926-AAD7-44D8-BBD7-CCE9431645EC}">
-              <a14:shadowObscured xmlns:a14="http://schemas.microsoft.com/office/drawing/2010/main" val="1"/>
+              <a14:shadowObscured xmlns:a14="http://schemas.microsoft.com/office/drawing/2010/main" xmlns="" val="1"/>
             </a:ext>
           </a:extLst>
         </p:spPr>
@@ -429,14 +431,14 @@
           <a:effectLst/>
           <a:extLst>
             <a:ext uri="{909E8E84-426E-40DD-AFC4-6F175D3DCCD1}">
-              <a14:hiddenFill xmlns:a14="http://schemas.microsoft.com/office/drawing/2010/main">
+              <a14:hiddenFill xmlns:a14="http://schemas.microsoft.com/office/drawing/2010/main" xmlns="">
                 <a:solidFill>
                   <a:schemeClr val="accent1"/>
                 </a:solidFill>
               </a14:hiddenFill>
             </a:ext>
             <a:ext uri="{91240B29-F687-4F45-9708-019B960494DF}">
-              <a14:hiddenLine xmlns:a14="http://schemas.microsoft.com/office/drawing/2010/main" w="9525">
+              <a14:hiddenLine xmlns:a14="http://schemas.microsoft.com/office/drawing/2010/main" xmlns="" w="9525">
                 <a:solidFill>
                   <a:schemeClr val="tx1"/>
                 </a:solidFill>
@@ -446,7 +448,7 @@
               </a14:hiddenLine>
             </a:ext>
             <a:ext uri="{AF507438-7753-43E0-B8FC-AC1667EBCBE1}">
-              <a14:hiddenEffects xmlns:a14="http://schemas.microsoft.com/office/drawing/2010/main">
+              <a14:hiddenEffects xmlns:a14="http://schemas.microsoft.com/office/drawing/2010/main" xmlns="">
                 <a:effectLst>
                   <a:outerShdw dist="35921" dir="2700000" algn="ctr" rotWithShape="0">
                     <a:schemeClr val="bg2"/>
@@ -525,14 +527,14 @@
           <a:effectLst/>
           <a:extLst>
             <a:ext uri="{909E8E84-426E-40DD-AFC4-6F175D3DCCD1}">
-              <a14:hiddenFill xmlns:a14="http://schemas.microsoft.com/office/drawing/2010/main">
+              <a14:hiddenFill xmlns:a14="http://schemas.microsoft.com/office/drawing/2010/main" xmlns="">
                 <a:solidFill>
                   <a:schemeClr val="accent1"/>
                 </a:solidFill>
               </a14:hiddenFill>
             </a:ext>
             <a:ext uri="{91240B29-F687-4F45-9708-019B960494DF}">
-              <a14:hiddenLine xmlns:a14="http://schemas.microsoft.com/office/drawing/2010/main" w="9525">
+              <a14:hiddenLine xmlns:a14="http://schemas.microsoft.com/office/drawing/2010/main" xmlns="" w="9525">
                 <a:solidFill>
                   <a:schemeClr val="tx1"/>
                 </a:solidFill>
@@ -542,7 +544,7 @@
               </a14:hiddenLine>
             </a:ext>
             <a:ext uri="{AF507438-7753-43E0-B8FC-AC1667EBCBE1}">
-              <a14:hiddenEffects xmlns:a14="http://schemas.microsoft.com/office/drawing/2010/main">
+              <a14:hiddenEffects xmlns:a14="http://schemas.microsoft.com/office/drawing/2010/main" xmlns="">
                 <a:effectLst>
                   <a:outerShdw dist="35921" dir="2700000" algn="ctr" rotWithShape="0">
                     <a:schemeClr val="bg2"/>
@@ -596,14 +598,14 @@
           <a:effectLst/>
           <a:extLst>
             <a:ext uri="{909E8E84-426E-40DD-AFC4-6F175D3DCCD1}">
-              <a14:hiddenFill xmlns:a14="http://schemas.microsoft.com/office/drawing/2010/main">
+              <a14:hiddenFill xmlns:a14="http://schemas.microsoft.com/office/drawing/2010/main" xmlns="">
                 <a:solidFill>
                   <a:schemeClr val="accent1"/>
                 </a:solidFill>
               </a14:hiddenFill>
             </a:ext>
             <a:ext uri="{91240B29-F687-4F45-9708-019B960494DF}">
-              <a14:hiddenLine xmlns:a14="http://schemas.microsoft.com/office/drawing/2010/main" w="9525">
+              <a14:hiddenLine xmlns:a14="http://schemas.microsoft.com/office/drawing/2010/main" xmlns="" w="9525">
                 <a:solidFill>
                   <a:schemeClr val="tx1"/>
                 </a:solidFill>
@@ -613,7 +615,7 @@
               </a14:hiddenLine>
             </a:ext>
             <a:ext uri="{AF507438-7753-43E0-B8FC-AC1667EBCBE1}">
-              <a14:hiddenEffects xmlns:a14="http://schemas.microsoft.com/office/drawing/2010/main">
+              <a14:hiddenEffects xmlns:a14="http://schemas.microsoft.com/office/drawing/2010/main" xmlns="">
                 <a:effectLst>
                   <a:outerShdw dist="35921" dir="2700000" algn="ctr" rotWithShape="0">
                     <a:schemeClr val="bg2"/>
@@ -652,7 +654,7 @@
     </p:spTree>
     <p:extLst>
       <p:ext uri="{BB962C8B-B14F-4D97-AF65-F5344CB8AC3E}">
-        <p14:creationId xmlns:p14="http://schemas.microsoft.com/office/powerpoint/2010/main" val="4145331014"/>
+        <p14:creationId xmlns:p14="http://schemas.microsoft.com/office/powerpoint/2010/main" xmlns="" val="4145331014"/>
       </p:ext>
     </p:extLst>
   </p:cSld>
@@ -899,7 +901,7 @@
     </p:spTree>
     <p:extLst>
       <p:ext uri="{BB962C8B-B14F-4D97-AF65-F5344CB8AC3E}">
-        <p14:creationId xmlns:p14="http://schemas.microsoft.com/office/powerpoint/2010/main" val="3829659079"/>
+        <p14:creationId xmlns:p14="http://schemas.microsoft.com/office/powerpoint/2010/main" xmlns="" val="3829659079"/>
       </p:ext>
     </p:extLst>
   </p:cSld>
@@ -1036,7 +1038,7 @@
               <a:pPr>
                 <a:defRPr/>
               </a:pPr>
-              <a:t>12/11/2017</a:t>
+              <a:t>12/12/2017</a:t>
             </a:fld>
             <a:endParaRPr lang="en-US" altLang="en-US"/>
           </a:p>
@@ -1123,7 +1125,7 @@
     </p:spTree>
     <p:extLst>
       <p:ext uri="{BB962C8B-B14F-4D97-AF65-F5344CB8AC3E}">
-        <p14:creationId xmlns:p14="http://schemas.microsoft.com/office/powerpoint/2010/main" val="1208094624"/>
+        <p14:creationId xmlns:p14="http://schemas.microsoft.com/office/powerpoint/2010/main" xmlns="" val="1208094624"/>
       </p:ext>
     </p:extLst>
   </p:cSld>
@@ -1270,7 +1272,7 @@
               <a:pPr>
                 <a:defRPr/>
               </a:pPr>
-              <a:t>12/11/2017</a:t>
+              <a:t>12/12/2017</a:t>
             </a:fld>
             <a:endParaRPr lang="en-US" altLang="en-US"/>
           </a:p>
@@ -1357,7 +1359,7 @@
     </p:spTree>
     <p:extLst>
       <p:ext uri="{BB962C8B-B14F-4D97-AF65-F5344CB8AC3E}">
-        <p14:creationId xmlns:p14="http://schemas.microsoft.com/office/powerpoint/2010/main" val="728524102"/>
+        <p14:creationId xmlns:p14="http://schemas.microsoft.com/office/powerpoint/2010/main" xmlns="" val="728524102"/>
       </p:ext>
     </p:extLst>
   </p:cSld>
@@ -1462,7 +1464,7 @@
     </p:spTree>
     <p:extLst>
       <p:ext uri="{BB962C8B-B14F-4D97-AF65-F5344CB8AC3E}">
-        <p14:creationId xmlns:p14="http://schemas.microsoft.com/office/powerpoint/2010/main" val="465935814"/>
+        <p14:creationId xmlns:p14="http://schemas.microsoft.com/office/powerpoint/2010/main" xmlns="" val="465935814"/>
       </p:ext>
     </p:extLst>
   </p:cSld>
@@ -1589,7 +1591,7 @@
     </p:spTree>
     <p:extLst>
       <p:ext uri="{BB962C8B-B14F-4D97-AF65-F5344CB8AC3E}">
-        <p14:creationId xmlns:p14="http://schemas.microsoft.com/office/powerpoint/2010/main" val="2856144148"/>
+        <p14:creationId xmlns:p14="http://schemas.microsoft.com/office/powerpoint/2010/main" xmlns="" val="2856144148"/>
       </p:ext>
     </p:extLst>
   </p:cSld>
@@ -1756,7 +1758,7 @@
     </p:spTree>
     <p:extLst>
       <p:ext uri="{BB962C8B-B14F-4D97-AF65-F5344CB8AC3E}">
-        <p14:creationId xmlns:p14="http://schemas.microsoft.com/office/powerpoint/2010/main" val="1276237771"/>
+        <p14:creationId xmlns:p14="http://schemas.microsoft.com/office/powerpoint/2010/main" xmlns="" val="1276237771"/>
       </p:ext>
     </p:extLst>
   </p:cSld>
@@ -2058,7 +2060,7 @@
     </p:spTree>
     <p:extLst>
       <p:ext uri="{BB962C8B-B14F-4D97-AF65-F5344CB8AC3E}">
-        <p14:creationId xmlns:p14="http://schemas.microsoft.com/office/powerpoint/2010/main" val="2164219460"/>
+        <p14:creationId xmlns:p14="http://schemas.microsoft.com/office/powerpoint/2010/main" xmlns="" val="2164219460"/>
       </p:ext>
     </p:extLst>
   </p:cSld>
@@ -2143,7 +2145,7 @@
               <a:pPr>
                 <a:defRPr/>
               </a:pPr>
-              <a:t>12/11/2017</a:t>
+              <a:t>12/12/2017</a:t>
             </a:fld>
             <a:endParaRPr lang="en-US" altLang="en-US"/>
           </a:p>
@@ -2230,7 +2232,7 @@
     </p:spTree>
     <p:extLst>
       <p:ext uri="{BB962C8B-B14F-4D97-AF65-F5344CB8AC3E}">
-        <p14:creationId xmlns:p14="http://schemas.microsoft.com/office/powerpoint/2010/main" val="2826540391"/>
+        <p14:creationId xmlns:p14="http://schemas.microsoft.com/office/powerpoint/2010/main" xmlns="" val="2826540391"/>
       </p:ext>
     </p:extLst>
   </p:cSld>
@@ -2292,7 +2294,7 @@
               <a:pPr>
                 <a:defRPr/>
               </a:pPr>
-              <a:t>12/11/2017</a:t>
+              <a:t>12/12/2017</a:t>
             </a:fld>
             <a:endParaRPr lang="en-US" altLang="en-US"/>
           </a:p>
@@ -2379,7 +2381,7 @@
     </p:spTree>
     <p:extLst>
       <p:ext uri="{BB962C8B-B14F-4D97-AF65-F5344CB8AC3E}">
-        <p14:creationId xmlns:p14="http://schemas.microsoft.com/office/powerpoint/2010/main" val="742048331"/>
+        <p14:creationId xmlns:p14="http://schemas.microsoft.com/office/powerpoint/2010/main" xmlns="" val="742048331"/>
       </p:ext>
     </p:extLst>
   </p:cSld>
@@ -2623,7 +2625,7 @@
               <a:pPr>
                 <a:defRPr/>
               </a:pPr>
-              <a:t>12/11/2017</a:t>
+              <a:t>12/12/2017</a:t>
             </a:fld>
             <a:endParaRPr lang="en-US" altLang="en-US"/>
           </a:p>
@@ -2710,7 +2712,7 @@
     </p:spTree>
     <p:extLst>
       <p:ext uri="{BB962C8B-B14F-4D97-AF65-F5344CB8AC3E}">
-        <p14:creationId xmlns:p14="http://schemas.microsoft.com/office/powerpoint/2010/main" val="255644780"/>
+        <p14:creationId xmlns:p14="http://schemas.microsoft.com/office/powerpoint/2010/main" xmlns="" val="255644780"/>
       </p:ext>
     </p:extLst>
   </p:cSld>
@@ -2931,7 +2933,7 @@
               <a:pPr>
                 <a:defRPr/>
               </a:pPr>
-              <a:t>12/11/2017</a:t>
+              <a:t>12/12/2017</a:t>
             </a:fld>
             <a:endParaRPr lang="en-US" altLang="en-US"/>
           </a:p>
@@ -3018,7 +3020,7 @@
     </p:spTree>
     <p:extLst>
       <p:ext uri="{BB962C8B-B14F-4D97-AF65-F5344CB8AC3E}">
-        <p14:creationId xmlns:p14="http://schemas.microsoft.com/office/powerpoint/2010/main" val="1910129832"/>
+        <p14:creationId xmlns:p14="http://schemas.microsoft.com/office/powerpoint/2010/main" xmlns="" val="1910129832"/>
       </p:ext>
     </p:extLst>
   </p:cSld>
@@ -3078,14 +3080,14 @@
           <a:effectLst/>
           <a:extLst>
             <a:ext uri="{909E8E84-426E-40DD-AFC4-6F175D3DCCD1}">
-              <a14:hiddenFill xmlns:a14="http://schemas.microsoft.com/office/drawing/2010/main">
+              <a14:hiddenFill xmlns:a14="http://schemas.microsoft.com/office/drawing/2010/main" xmlns="">
                 <a:solidFill>
                   <a:schemeClr val="accent1"/>
                 </a:solidFill>
               </a14:hiddenFill>
             </a:ext>
             <a:ext uri="{91240B29-F687-4F45-9708-019B960494DF}">
-              <a14:hiddenLine xmlns:a14="http://schemas.microsoft.com/office/drawing/2010/main" w="9525">
+              <a14:hiddenLine xmlns:a14="http://schemas.microsoft.com/office/drawing/2010/main" xmlns="" w="9525">
                 <a:solidFill>
                   <a:schemeClr val="tx1"/>
                 </a:solidFill>
@@ -3095,7 +3097,7 @@
               </a14:hiddenLine>
             </a:ext>
             <a:ext uri="{AF507438-7753-43E0-B8FC-AC1667EBCBE1}">
-              <a14:hiddenEffects xmlns:a14="http://schemas.microsoft.com/office/drawing/2010/main">
+              <a14:hiddenEffects xmlns:a14="http://schemas.microsoft.com/office/drawing/2010/main" xmlns="">
                 <a:effectLst>
                   <a:outerShdw dist="35921" dir="2700000" algn="ctr" rotWithShape="0">
                     <a:schemeClr val="bg2"/>
@@ -3146,14 +3148,14 @@
           <a:effectLst/>
           <a:extLst>
             <a:ext uri="{909E8E84-426E-40DD-AFC4-6F175D3DCCD1}">
-              <a14:hiddenFill xmlns:a14="http://schemas.microsoft.com/office/drawing/2010/main">
+              <a14:hiddenFill xmlns:a14="http://schemas.microsoft.com/office/drawing/2010/main" xmlns="">
                 <a:solidFill>
                   <a:schemeClr val="accent1"/>
                 </a:solidFill>
               </a14:hiddenFill>
             </a:ext>
             <a:ext uri="{91240B29-F687-4F45-9708-019B960494DF}">
-              <a14:hiddenLine xmlns:a14="http://schemas.microsoft.com/office/drawing/2010/main" w="9525">
+              <a14:hiddenLine xmlns:a14="http://schemas.microsoft.com/office/drawing/2010/main" xmlns="" w="9525">
                 <a:solidFill>
                   <a:schemeClr val="tx1"/>
                 </a:solidFill>
@@ -3163,7 +3165,7 @@
               </a14:hiddenLine>
             </a:ext>
             <a:ext uri="{AF507438-7753-43E0-B8FC-AC1667EBCBE1}">
-              <a14:hiddenEffects xmlns:a14="http://schemas.microsoft.com/office/drawing/2010/main">
+              <a14:hiddenEffects xmlns:a14="http://schemas.microsoft.com/office/drawing/2010/main" xmlns="">
                 <a:effectLst>
                   <a:outerShdw dist="35921" dir="2700000" algn="ctr" rotWithShape="0">
                     <a:schemeClr val="bg2"/>
@@ -3711,14 +3713,14 @@
           </a:ln>
           <a:extLst>
             <a:ext uri="{909E8E84-426E-40DD-AFC4-6F175D3DCCD1}">
-              <a14:hiddenFill xmlns:a14="http://schemas.microsoft.com/office/drawing/2010/main">
+              <a14:hiddenFill xmlns:a14="http://schemas.microsoft.com/office/drawing/2010/main" xmlns="">
                 <a:solidFill>
                   <a:srgbClr val="FFFFFF"/>
                 </a:solidFill>
               </a14:hiddenFill>
             </a:ext>
             <a:ext uri="{91240B29-F687-4F45-9708-019B960494DF}">
-              <a14:hiddenLine xmlns:a14="http://schemas.microsoft.com/office/drawing/2010/main" w="9525">
+              <a14:hiddenLine xmlns:a14="http://schemas.microsoft.com/office/drawing/2010/main" xmlns="" w="9525">
                 <a:solidFill>
                   <a:srgbClr val="000000"/>
                 </a:solidFill>
@@ -3920,7 +3922,12 @@
             <p:ph type="title"/>
           </p:nvPr>
         </p:nvSpPr>
-        <p:spPr/>
+        <p:spPr>
+          <a:xfrm>
+            <a:off x="685800" y="228600"/>
+            <a:ext cx="7772400" cy="1143000"/>
+          </a:xfrm>
+        </p:spPr>
         <p:txBody>
           <a:bodyPr/>
           <a:lstStyle/>
@@ -3943,15 +3950,86 @@
             <p:ph idx="1"/>
           </p:nvPr>
         </p:nvSpPr>
-        <p:spPr/>
-        <p:txBody>
-          <a:bodyPr/>
+        <p:spPr>
+          <a:xfrm>
+            <a:off x="685800" y="1600200"/>
+            <a:ext cx="7772400" cy="4648200"/>
+          </a:xfrm>
+        </p:spPr>
+        <p:txBody>
+          <a:bodyPr>
+            <a:normAutofit fontScale="77500" lnSpcReduction="20000"/>
+          </a:bodyPr>
           <a:lstStyle/>
           <a:p>
             <a:r>
               <a:rPr lang="en-GB" dirty="0"/>
-              <a:t>Does the following code compile?  What would the output be?</a:t>
-            </a:r>
+              <a:t>What will the following code print</a:t>
+            </a:r>
+            <a:r>
+              <a:rPr lang="en-GB" dirty="0" smtClean="0"/>
+              <a:t>?</a:t>
+            </a:r>
+          </a:p>
+          <a:p>
+            <a:endParaRPr lang="en-GB" dirty="0"/>
+          </a:p>
+          <a:p>
+            <a:endParaRPr lang="en-GB" dirty="0" smtClean="0"/>
+          </a:p>
+          <a:p>
+            <a:endParaRPr lang="en-GB" dirty="0"/>
+          </a:p>
+          <a:p>
+            <a:endParaRPr lang="en-GB" dirty="0" smtClean="0"/>
+          </a:p>
+          <a:p>
+            <a:endParaRPr lang="en-GB" dirty="0"/>
+          </a:p>
+          <a:p>
+            <a:endParaRPr lang="en-GB" dirty="0" smtClean="0"/>
+          </a:p>
+          <a:p>
+            <a:endParaRPr lang="en-GB" dirty="0"/>
+          </a:p>
+          <a:p>
+            <a:pPr>
+              <a:buNone/>
+            </a:pPr>
+            <a:r>
+              <a:rPr lang="en-US" dirty="0"/>
+              <a:t>a) 1</a:t>
+            </a:r>
+          </a:p>
+          <a:p>
+            <a:pPr>
+              <a:buNone/>
+            </a:pPr>
+            <a:r>
+              <a:rPr lang="en-US" dirty="0"/>
+              <a:t>b) 10</a:t>
+            </a:r>
+          </a:p>
+          <a:p>
+            <a:pPr>
+              <a:buNone/>
+            </a:pPr>
+            <a:r>
+              <a:rPr lang="en-US" dirty="0"/>
+              <a:t>c) 16</a:t>
+            </a:r>
+          </a:p>
+          <a:p>
+            <a:pPr>
+              <a:buNone/>
+            </a:pPr>
+            <a:r>
+              <a:rPr lang="en-US" dirty="0"/>
+              <a:t>d) 31</a:t>
+            </a:r>
+          </a:p>
+          <a:p>
+            <a:endParaRPr lang="en-GB" dirty="0"/>
           </a:p>
           <a:p>
             <a:endParaRPr lang="en-GB" dirty="0"/>
@@ -3967,15 +4045,15 @@
           <p:nvPr/>
         </p:nvPicPr>
         <p:blipFill>
-          <a:blip r:embed="rId2"/>
+          <a:blip r:embed="rId2" cstate="print"/>
           <a:stretch>
             <a:fillRect/>
           </a:stretch>
         </p:blipFill>
         <p:spPr>
           <a:xfrm>
-            <a:off x="1752600" y="3276600"/>
-            <a:ext cx="4724400" cy="2855907"/>
+            <a:off x="2743200" y="2514600"/>
+            <a:ext cx="4533900" cy="2610427"/>
           </a:xfrm>
           <a:prstGeom prst="rect">
             <a:avLst/>
@@ -3985,7 +4063,7 @@
     </p:spTree>
     <p:extLst>
       <p:ext uri="{BB962C8B-B14F-4D97-AF65-F5344CB8AC3E}">
-        <p14:creationId xmlns:p14="http://schemas.microsoft.com/office/powerpoint/2010/main" val="572034808"/>
+        <p14:creationId xmlns:p14="http://schemas.microsoft.com/office/powerpoint/2010/main" xmlns="" val="229536355"/>
       </p:ext>
     </p:extLst>
   </p:cSld>
@@ -4051,41 +4129,19 @@
           <a:lstStyle/>
           <a:p>
             <a:r>
-              <a:rPr lang="en-GB" dirty="0" smtClean="0"/>
-              <a:t>96</a:t>
-            </a:r>
+              <a:rPr lang="en-GB" dirty="0"/>
+              <a:t>c) 16</a:t>
+            </a:r>
+          </a:p>
+          <a:p>
             <a:endParaRPr lang="en-GB" dirty="0"/>
           </a:p>
         </p:txBody>
       </p:sp>
-      <p:pic>
-        <p:nvPicPr>
-          <p:cNvPr id="4" name="Picture 3"/>
-          <p:cNvPicPr>
-            <a:picLocks noChangeAspect="1"/>
-          </p:cNvPicPr>
-          <p:nvPr/>
-        </p:nvPicPr>
-        <p:blipFill>
-          <a:blip r:embed="rId2"/>
-          <a:stretch>
-            <a:fillRect/>
-          </a:stretch>
-        </p:blipFill>
-        <p:spPr>
-          <a:xfrm>
-            <a:off x="685800" y="4038600"/>
-            <a:ext cx="2762250" cy="523875"/>
-          </a:xfrm>
-          <a:prstGeom prst="rect">
-            <a:avLst/>
-          </a:prstGeom>
-        </p:spPr>
-      </p:pic>
     </p:spTree>
     <p:extLst>
       <p:ext uri="{BB962C8B-B14F-4D97-AF65-F5344CB8AC3E}">
-        <p14:creationId xmlns:p14="http://schemas.microsoft.com/office/powerpoint/2010/main" val="1233421915"/>
+        <p14:creationId xmlns:p14="http://schemas.microsoft.com/office/powerpoint/2010/main" xmlns="" val="4028211060"/>
       </p:ext>
     </p:extLst>
   </p:cSld>
@@ -4122,12 +4178,7 @@
             <p:ph type="title"/>
           </p:nvPr>
         </p:nvSpPr>
-        <p:spPr>
-          <a:xfrm>
-            <a:off x="685800" y="304800"/>
-            <a:ext cx="7772400" cy="1143000"/>
-          </a:xfrm>
-        </p:spPr>
+        <p:spPr/>
         <p:txBody>
           <a:bodyPr/>
           <a:lstStyle/>
@@ -4150,12 +4201,7 @@
             <p:ph idx="1"/>
           </p:nvPr>
         </p:nvSpPr>
-        <p:spPr>
-          <a:xfrm>
-            <a:off x="685800" y="1447800"/>
-            <a:ext cx="7772400" cy="4114800"/>
-          </a:xfrm>
-        </p:spPr>
+        <p:spPr/>
         <p:txBody>
           <a:bodyPr/>
           <a:lstStyle/>
@@ -4179,15 +4225,15 @@
           <p:nvPr/>
         </p:nvPicPr>
         <p:blipFill>
-          <a:blip r:embed="rId2"/>
+          <a:blip r:embed="rId2" cstate="print"/>
           <a:stretch>
             <a:fillRect/>
           </a:stretch>
         </p:blipFill>
         <p:spPr>
           <a:xfrm>
-            <a:off x="1676400" y="2743200"/>
-            <a:ext cx="5505450" cy="3957865"/>
+            <a:off x="1752600" y="3276600"/>
+            <a:ext cx="4724400" cy="2855907"/>
           </a:xfrm>
           <a:prstGeom prst="rect">
             <a:avLst/>
@@ -4197,7 +4243,7 @@
     </p:spTree>
     <p:extLst>
       <p:ext uri="{BB962C8B-B14F-4D97-AF65-F5344CB8AC3E}">
-        <p14:creationId xmlns:p14="http://schemas.microsoft.com/office/powerpoint/2010/main" val="2092278806"/>
+        <p14:creationId xmlns:p14="http://schemas.microsoft.com/office/powerpoint/2010/main" xmlns="" val="572034808"/>
       </p:ext>
     </p:extLst>
   </p:cSld>
@@ -4264,16 +4310,40 @@
           <a:p>
             <a:r>
               <a:rPr lang="en-GB" dirty="0" smtClean="0"/>
-              <a:t>5 10</a:t>
+              <a:t>96</a:t>
             </a:r>
             <a:endParaRPr lang="en-GB" dirty="0"/>
           </a:p>
         </p:txBody>
       </p:sp>
+      <p:pic>
+        <p:nvPicPr>
+          <p:cNvPr id="4" name="Picture 3"/>
+          <p:cNvPicPr>
+            <a:picLocks noChangeAspect="1"/>
+          </p:cNvPicPr>
+          <p:nvPr/>
+        </p:nvPicPr>
+        <p:blipFill>
+          <a:blip r:embed="rId2" cstate="print"/>
+          <a:stretch>
+            <a:fillRect/>
+          </a:stretch>
+        </p:blipFill>
+        <p:spPr>
+          <a:xfrm>
+            <a:off x="685800" y="4038600"/>
+            <a:ext cx="2762250" cy="523875"/>
+          </a:xfrm>
+          <a:prstGeom prst="rect">
+            <a:avLst/>
+          </a:prstGeom>
+        </p:spPr>
+      </p:pic>
     </p:spTree>
     <p:extLst>
       <p:ext uri="{BB962C8B-B14F-4D97-AF65-F5344CB8AC3E}">
-        <p14:creationId xmlns:p14="http://schemas.microsoft.com/office/powerpoint/2010/main" val="124077664"/>
+        <p14:creationId xmlns:p14="http://schemas.microsoft.com/office/powerpoint/2010/main" xmlns="" val="1233421915"/>
       </p:ext>
     </p:extLst>
   </p:cSld>
@@ -4312,7 +4382,7 @@
         </p:nvSpPr>
         <p:spPr>
           <a:xfrm>
-            <a:off x="685800" y="76200"/>
+            <a:off x="685800" y="304800"/>
             <a:ext cx="7772400" cy="1143000"/>
           </a:xfrm>
         </p:spPr>
@@ -4340,156 +4410,20 @@
         </p:nvSpPr>
         <p:spPr>
           <a:xfrm>
-            <a:off x="457200" y="1219200"/>
-            <a:ext cx="3429000" cy="4114800"/>
-          </a:xfrm>
-        </p:spPr>
-        <p:txBody>
-          <a:bodyPr>
-            <a:normAutofit fontScale="70000" lnSpcReduction="20000"/>
-          </a:bodyPr>
+            <a:off x="685800" y="1447800"/>
+            <a:ext cx="7772400" cy="4114800"/>
+          </a:xfrm>
+        </p:spPr>
+        <p:txBody>
+          <a:bodyPr/>
           <a:lstStyle/>
           <a:p>
             <a:r>
               <a:rPr lang="en-GB" dirty="0"/>
-              <a:t>Does the following code compile?  What would the output be</a:t>
-            </a:r>
-            <a:r>
-              <a:rPr lang="en-GB" dirty="0" smtClean="0"/>
-              <a:t>?</a:t>
-            </a:r>
-          </a:p>
-          <a:p>
-            <a:endParaRPr lang="en-GB" dirty="0" smtClean="0"/>
-          </a:p>
-          <a:p>
-            <a:pPr marL="0" indent="0">
-              <a:buNone/>
-            </a:pPr>
-            <a:endParaRPr lang="en-GB" dirty="0"/>
-          </a:p>
-          <a:p>
-            <a:pPr marL="0" indent="0">
-              <a:buNone/>
-            </a:pPr>
-            <a:r>
-              <a:rPr lang="en-GB" dirty="0" smtClean="0">
-                <a:solidFill>
-                  <a:sysClr val="windowText" lastClr="000000"/>
-                </a:solidFill>
-              </a:rPr>
-              <a:t>a) </a:t>
-            </a:r>
-            <a:r>
-              <a:rPr lang="en-GB" dirty="0">
-                <a:solidFill>
-                  <a:sysClr val="windowText" lastClr="000000"/>
-                </a:solidFill>
-              </a:rPr>
-              <a:t>(that is, the empty string, printed twice)</a:t>
-            </a:r>
-            <a:br>
-              <a:rPr lang="en-GB" dirty="0">
-                <a:solidFill>
-                  <a:sysClr val="windowText" lastClr="000000"/>
-                </a:solidFill>
-              </a:rPr>
-            </a:br>
-            <a:r>
-              <a:rPr lang="en-GB" dirty="0" smtClean="0">
-                <a:solidFill>
-                  <a:sysClr val="windowText" lastClr="000000"/>
-                </a:solidFill>
-              </a:rPr>
-              <a:t>b) </a:t>
-            </a:r>
-            <a:r>
-              <a:rPr lang="en-GB" dirty="0">
-                <a:solidFill>
-                  <a:sysClr val="windowText" lastClr="000000"/>
-                </a:solidFill>
-              </a:rPr>
-              <a:t>*</a:t>
-            </a:r>
-            <a:br>
-              <a:rPr lang="en-GB" dirty="0">
-                <a:solidFill>
-                  <a:sysClr val="windowText" lastClr="000000"/>
-                </a:solidFill>
-              </a:rPr>
-            </a:br>
-            <a:r>
-              <a:rPr lang="en-GB" dirty="0" smtClean="0">
-                <a:solidFill>
-                  <a:sysClr val="windowText" lastClr="000000"/>
-                </a:solidFill>
-              </a:rPr>
-              <a:t>c) </a:t>
-            </a:r>
-            <a:r>
-              <a:rPr lang="en-GB" dirty="0">
-                <a:solidFill>
-                  <a:sysClr val="windowText" lastClr="000000"/>
-                </a:solidFill>
-              </a:rPr>
-              <a:t>!***</a:t>
-            </a:r>
-            <a:br>
-              <a:rPr lang="en-GB" dirty="0">
-                <a:solidFill>
-                  <a:sysClr val="windowText" lastClr="000000"/>
-                </a:solidFill>
-              </a:rPr>
-            </a:br>
-            <a:r>
-              <a:rPr lang="en-GB" dirty="0" smtClean="0">
-                <a:solidFill>
-                  <a:sysClr val="windowText" lastClr="000000"/>
-                </a:solidFill>
-              </a:rPr>
-              <a:t>d) </a:t>
-            </a:r>
-            <a:r>
-              <a:rPr lang="en-GB" dirty="0">
-                <a:solidFill>
-                  <a:sysClr val="windowText" lastClr="000000"/>
-                </a:solidFill>
-              </a:rPr>
-              <a:t>!****</a:t>
-            </a:r>
-            <a:br>
-              <a:rPr lang="en-GB" dirty="0">
-                <a:solidFill>
-                  <a:sysClr val="windowText" lastClr="000000"/>
-                </a:solidFill>
-              </a:rPr>
-            </a:br>
-            <a:r>
-              <a:rPr lang="en-GB" dirty="0" smtClean="0">
-                <a:solidFill>
-                  <a:sysClr val="windowText" lastClr="000000"/>
-                </a:solidFill>
-              </a:rPr>
-              <a:t>e) </a:t>
-            </a:r>
-            <a:r>
-              <a:rPr lang="en-GB" dirty="0">
-                <a:solidFill>
-                  <a:sysClr val="windowText" lastClr="000000"/>
-                </a:solidFill>
-              </a:rPr>
-              <a:t>!!!***</a:t>
-            </a:r>
-            <a:endParaRPr lang="en-GB" dirty="0"/>
-          </a:p>
-          <a:p>
-            <a:pPr marL="0" indent="0">
-              <a:buNone/>
-            </a:pPr>
-            <a:r>
-              <a:rPr lang="en-GB" dirty="0" smtClean="0"/>
-              <a:t> </a:t>
-            </a:r>
+              <a:t>Does the following code compile?  What would the output be?</a:t>
+            </a:r>
+          </a:p>
+          <a:p>
             <a:endParaRPr lang="en-GB" dirty="0"/>
           </a:p>
         </p:txBody>
@@ -4503,15 +4437,15 @@
           <p:nvPr/>
         </p:nvPicPr>
         <p:blipFill>
-          <a:blip r:embed="rId2"/>
+          <a:blip r:embed="rId2" cstate="print"/>
           <a:stretch>
             <a:fillRect/>
           </a:stretch>
         </p:blipFill>
         <p:spPr>
           <a:xfrm>
-            <a:off x="3798093" y="1905000"/>
-            <a:ext cx="5345907" cy="3271470"/>
+            <a:off x="1676400" y="2743200"/>
+            <a:ext cx="5505450" cy="3957865"/>
           </a:xfrm>
           <a:prstGeom prst="rect">
             <a:avLst/>
@@ -4521,7 +4455,7 @@
     </p:spTree>
     <p:extLst>
       <p:ext uri="{BB962C8B-B14F-4D97-AF65-F5344CB8AC3E}">
-        <p14:creationId xmlns:p14="http://schemas.microsoft.com/office/powerpoint/2010/main" val="3986573732"/>
+        <p14:creationId xmlns:p14="http://schemas.microsoft.com/office/powerpoint/2010/main" xmlns="" val="2092278806"/>
       </p:ext>
     </p:extLst>
   </p:cSld>
@@ -4588,7 +4522,7 @@
           <a:p>
             <a:r>
               <a:rPr lang="en-GB" dirty="0" smtClean="0"/>
-              <a:t>c) !***</a:t>
+              <a:t>5 10</a:t>
             </a:r>
             <a:endParaRPr lang="en-GB" dirty="0"/>
           </a:p>
@@ -4597,7 +4531,7 @@
     </p:spTree>
     <p:extLst>
       <p:ext uri="{BB962C8B-B14F-4D97-AF65-F5344CB8AC3E}">
-        <p14:creationId xmlns:p14="http://schemas.microsoft.com/office/powerpoint/2010/main" val="926672302"/>
+        <p14:creationId xmlns:p14="http://schemas.microsoft.com/office/powerpoint/2010/main" xmlns="" val="124077664"/>
       </p:ext>
     </p:extLst>
   </p:cSld>
@@ -4664,17 +4598,155 @@
         </p:nvSpPr>
         <p:spPr>
           <a:xfrm>
-            <a:off x="685800" y="990600"/>
-            <a:ext cx="7772400" cy="4114800"/>
-          </a:xfrm>
-        </p:spPr>
-        <p:txBody>
-          <a:bodyPr/>
-          <a:lstStyle/>
-          <a:p>
+            <a:off x="457200" y="1219200"/>
+            <a:ext cx="3429000" cy="4114800"/>
+          </a:xfrm>
+        </p:spPr>
+        <p:txBody>
+          <a:bodyPr>
+            <a:normAutofit fontScale="70000" lnSpcReduction="20000"/>
+          </a:bodyPr>
+          <a:lstStyle/>
+          <a:p>
+            <a:r>
+              <a:rPr lang="en-GB" dirty="0"/>
+              <a:t>Does the following code compile?  What would the output be</a:t>
+            </a:r>
             <a:r>
               <a:rPr lang="en-GB" dirty="0" smtClean="0"/>
-              <a:t>What is the output of the following program?</a:t>
+              <a:t>?</a:t>
+            </a:r>
+          </a:p>
+          <a:p>
+            <a:endParaRPr lang="en-GB" dirty="0" smtClean="0"/>
+          </a:p>
+          <a:p>
+            <a:pPr marL="0" indent="0">
+              <a:buNone/>
+            </a:pPr>
+            <a:endParaRPr lang="en-GB" dirty="0"/>
+          </a:p>
+          <a:p>
+            <a:pPr marL="0" indent="0">
+              <a:buNone/>
+            </a:pPr>
+            <a:r>
+              <a:rPr lang="en-GB" dirty="0" smtClean="0">
+                <a:solidFill>
+                  <a:sysClr val="windowText" lastClr="000000"/>
+                </a:solidFill>
+              </a:rPr>
+              <a:t>a) </a:t>
+            </a:r>
+            <a:r>
+              <a:rPr lang="en-GB" dirty="0">
+                <a:solidFill>
+                  <a:sysClr val="windowText" lastClr="000000"/>
+                </a:solidFill>
+              </a:rPr>
+              <a:t>(that is, the empty string, printed twice)</a:t>
+            </a:r>
+            <a:br>
+              <a:rPr lang="en-GB" dirty="0">
+                <a:solidFill>
+                  <a:sysClr val="windowText" lastClr="000000"/>
+                </a:solidFill>
+              </a:rPr>
+            </a:br>
+            <a:r>
+              <a:rPr lang="en-GB" dirty="0" smtClean="0">
+                <a:solidFill>
+                  <a:sysClr val="windowText" lastClr="000000"/>
+                </a:solidFill>
+              </a:rPr>
+              <a:t>b) </a:t>
+            </a:r>
+            <a:r>
+              <a:rPr lang="en-GB" dirty="0">
+                <a:solidFill>
+                  <a:sysClr val="windowText" lastClr="000000"/>
+                </a:solidFill>
+              </a:rPr>
+              <a:t>*</a:t>
+            </a:r>
+            <a:br>
+              <a:rPr lang="en-GB" dirty="0">
+                <a:solidFill>
+                  <a:sysClr val="windowText" lastClr="000000"/>
+                </a:solidFill>
+              </a:rPr>
+            </a:br>
+            <a:r>
+              <a:rPr lang="en-GB" dirty="0" smtClean="0">
+                <a:solidFill>
+                  <a:sysClr val="windowText" lastClr="000000"/>
+                </a:solidFill>
+              </a:rPr>
+              <a:t>c) </a:t>
+            </a:r>
+            <a:r>
+              <a:rPr lang="en-GB" dirty="0">
+                <a:solidFill>
+                  <a:sysClr val="windowText" lastClr="000000"/>
+                </a:solidFill>
+              </a:rPr>
+              <a:t>!***</a:t>
+            </a:r>
+            <a:br>
+              <a:rPr lang="en-GB" dirty="0">
+                <a:solidFill>
+                  <a:sysClr val="windowText" lastClr="000000"/>
+                </a:solidFill>
+              </a:rPr>
+            </a:br>
+            <a:r>
+              <a:rPr lang="en-GB" dirty="0" smtClean="0">
+                <a:solidFill>
+                  <a:sysClr val="windowText" lastClr="000000"/>
+                </a:solidFill>
+              </a:rPr>
+              <a:t>d) </a:t>
+            </a:r>
+            <a:r>
+              <a:rPr lang="en-GB" dirty="0">
+                <a:solidFill>
+                  <a:sysClr val="windowText" lastClr="000000"/>
+                </a:solidFill>
+              </a:rPr>
+              <a:t>!****</a:t>
+            </a:r>
+            <a:br>
+              <a:rPr lang="en-GB" dirty="0">
+                <a:solidFill>
+                  <a:sysClr val="windowText" lastClr="000000"/>
+                </a:solidFill>
+              </a:rPr>
+            </a:br>
+            <a:r>
+              <a:rPr lang="en-GB" dirty="0" smtClean="0">
+                <a:solidFill>
+                  <a:sysClr val="windowText" lastClr="000000"/>
+                </a:solidFill>
+              </a:rPr>
+              <a:t>e) </a:t>
+            </a:r>
+            <a:r>
+              <a:rPr lang="en-GB" dirty="0">
+                <a:solidFill>
+                  <a:sysClr val="windowText" lastClr="000000"/>
+                </a:solidFill>
+              </a:rPr>
+              <a:t>!!!***</a:t>
+            </a:r>
+            <a:endParaRPr lang="en-GB" dirty="0"/>
+          </a:p>
+          <a:p>
+            <a:pPr marL="0" indent="0">
+              <a:buNone/>
+            </a:pPr>
+            <a:r>
+              <a:rPr lang="en-GB" dirty="0" smtClean="0"/>
+              <a:t> </a:t>
             </a:r>
             <a:endParaRPr lang="en-GB" dirty="0"/>
           </a:p>
@@ -4689,39 +4761,15 @@
           <p:nvPr/>
         </p:nvPicPr>
         <p:blipFill>
-          <a:blip r:embed="rId2"/>
+          <a:blip r:embed="rId2" cstate="print"/>
           <a:stretch>
             <a:fillRect/>
           </a:stretch>
         </p:blipFill>
         <p:spPr>
           <a:xfrm>
-            <a:off x="1724024" y="2229179"/>
-            <a:ext cx="5695951" cy="2419021"/>
-          </a:xfrm>
-          <a:prstGeom prst="rect">
-            <a:avLst/>
-          </a:prstGeom>
-        </p:spPr>
-      </p:pic>
-      <p:pic>
-        <p:nvPicPr>
-          <p:cNvPr id="5" name="Picture 4"/>
-          <p:cNvPicPr>
-            <a:picLocks noChangeAspect="1"/>
-          </p:cNvPicPr>
-          <p:nvPr/>
-        </p:nvPicPr>
-        <p:blipFill>
-          <a:blip r:embed="rId3"/>
-          <a:stretch>
-            <a:fillRect/>
-          </a:stretch>
-        </p:blipFill>
-        <p:spPr>
-          <a:xfrm>
-            <a:off x="650421" y="4724400"/>
-            <a:ext cx="7467600" cy="1972691"/>
+            <a:off x="3798093" y="1905000"/>
+            <a:ext cx="5345907" cy="3271470"/>
           </a:xfrm>
           <a:prstGeom prst="rect">
             <a:avLst/>
@@ -4731,7 +4779,7 @@
     </p:spTree>
     <p:extLst>
       <p:ext uri="{BB962C8B-B14F-4D97-AF65-F5344CB8AC3E}">
-        <p14:creationId xmlns:p14="http://schemas.microsoft.com/office/powerpoint/2010/main" val="286350135"/>
+        <p14:creationId xmlns:p14="http://schemas.microsoft.com/office/powerpoint/2010/main" xmlns="" val="3986573732"/>
       </p:ext>
     </p:extLst>
   </p:cSld>
@@ -4798,7 +4846,7 @@
           <a:p>
             <a:r>
               <a:rPr lang="en-GB" dirty="0" smtClean="0"/>
-              <a:t>B) 123.321Hi!</a:t>
+              <a:t>c) !***</a:t>
             </a:r>
             <a:endParaRPr lang="en-GB" dirty="0"/>
           </a:p>
@@ -4807,7 +4855,7 @@
     </p:spTree>
     <p:extLst>
       <p:ext uri="{BB962C8B-B14F-4D97-AF65-F5344CB8AC3E}">
-        <p14:creationId xmlns:p14="http://schemas.microsoft.com/office/powerpoint/2010/main" val="3775777194"/>
+        <p14:creationId xmlns:p14="http://schemas.microsoft.com/office/powerpoint/2010/main" xmlns="" val="926672302"/>
       </p:ext>
     </p:extLst>
   </p:cSld>
@@ -4844,14 +4892,19 @@
             <p:ph type="title"/>
           </p:nvPr>
         </p:nvSpPr>
-        <p:spPr/>
+        <p:spPr>
+          <a:xfrm>
+            <a:off x="685800" y="76200"/>
+            <a:ext cx="7772400" cy="1143000"/>
+          </a:xfrm>
+        </p:spPr>
         <p:txBody>
           <a:bodyPr/>
           <a:lstStyle/>
           <a:p>
             <a:r>
               <a:rPr lang="en-GB" dirty="0" smtClean="0"/>
-              <a:t>Generic Types</a:t>
+              <a:t>Question</a:t>
             </a:r>
             <a:endParaRPr lang="en-GB" dirty="0"/>
           </a:p>
@@ -4867,44 +4920,76 @@
             <p:ph idx="1"/>
           </p:nvPr>
         </p:nvSpPr>
-        <p:spPr/>
-        <p:txBody>
-          <a:bodyPr/>
-          <a:lstStyle/>
-          <a:p>
-            <a:r>
-              <a:rPr lang="en-GB" dirty="0"/>
-              <a:t>Generics is the capability </a:t>
-            </a:r>
+        <p:spPr>
+          <a:xfrm>
+            <a:off x="685800" y="990600"/>
+            <a:ext cx="7772400" cy="4114800"/>
+          </a:xfrm>
+        </p:spPr>
+        <p:txBody>
+          <a:bodyPr/>
+          <a:lstStyle/>
+          <a:p>
             <a:r>
               <a:rPr lang="en-GB" dirty="0" smtClean="0"/>
-              <a:t>to parameterize types</a:t>
-            </a:r>
-          </a:p>
-          <a:p>
-            <a:r>
-              <a:rPr lang="en-GB" dirty="0" smtClean="0"/>
-              <a:t>Flexibility to define </a:t>
-            </a:r>
-            <a:r>
-              <a:rPr lang="en-GB" dirty="0"/>
-              <a:t>a class </a:t>
-            </a:r>
-            <a:r>
-              <a:rPr lang="en-GB" dirty="0" smtClean="0"/>
-              <a:t>or a </a:t>
-            </a:r>
-            <a:r>
-              <a:rPr lang="en-GB" dirty="0"/>
-              <a:t>method with generic types that the compiler can replace with concrete types</a:t>
-            </a:r>
-          </a:p>
-        </p:txBody>
-      </p:sp>
+              <a:t>What is the output of the following program?</a:t>
+            </a:r>
+            <a:endParaRPr lang="en-GB" dirty="0"/>
+          </a:p>
+        </p:txBody>
+      </p:sp>
+      <p:pic>
+        <p:nvPicPr>
+          <p:cNvPr id="4" name="Picture 3"/>
+          <p:cNvPicPr>
+            <a:picLocks noChangeAspect="1"/>
+          </p:cNvPicPr>
+          <p:nvPr/>
+        </p:nvPicPr>
+        <p:blipFill>
+          <a:blip r:embed="rId2" cstate="print"/>
+          <a:stretch>
+            <a:fillRect/>
+          </a:stretch>
+        </p:blipFill>
+        <p:spPr>
+          <a:xfrm>
+            <a:off x="1724024" y="2229179"/>
+            <a:ext cx="5695951" cy="2419021"/>
+          </a:xfrm>
+          <a:prstGeom prst="rect">
+            <a:avLst/>
+          </a:prstGeom>
+        </p:spPr>
+      </p:pic>
+      <p:pic>
+        <p:nvPicPr>
+          <p:cNvPr id="5" name="Picture 4"/>
+          <p:cNvPicPr>
+            <a:picLocks noChangeAspect="1"/>
+          </p:cNvPicPr>
+          <p:nvPr/>
+        </p:nvPicPr>
+        <p:blipFill>
+          <a:blip r:embed="rId3" cstate="print"/>
+          <a:stretch>
+            <a:fillRect/>
+          </a:stretch>
+        </p:blipFill>
+        <p:spPr>
+          <a:xfrm>
+            <a:off x="650421" y="4724400"/>
+            <a:ext cx="7467600" cy="1972691"/>
+          </a:xfrm>
+          <a:prstGeom prst="rect">
+            <a:avLst/>
+          </a:prstGeom>
+        </p:spPr>
+      </p:pic>
     </p:spTree>
     <p:extLst>
       <p:ext uri="{BB962C8B-B14F-4D97-AF65-F5344CB8AC3E}">
-        <p14:creationId xmlns:p14="http://schemas.microsoft.com/office/powerpoint/2010/main" val="648076782"/>
+        <p14:creationId xmlns:p14="http://schemas.microsoft.com/office/powerpoint/2010/main" xmlns="" val="286350135"/>
       </p:ext>
     </p:extLst>
   </p:cSld>
@@ -4948,7 +5033,7 @@
           <a:p>
             <a:r>
               <a:rPr lang="en-GB" dirty="0" smtClean="0"/>
-              <a:t>Example</a:t>
+              <a:t>Answer</a:t>
             </a:r>
             <a:endParaRPr lang="en-GB" dirty="0"/>
           </a:p>
@@ -4964,57 +5049,23 @@
             <p:ph idx="1"/>
           </p:nvPr>
         </p:nvSpPr>
-        <p:spPr>
-          <a:xfrm>
-            <a:off x="685800" y="3505200"/>
-            <a:ext cx="7772400" cy="2590800"/>
-          </a:xfrm>
-        </p:spPr>
-        <p:txBody>
-          <a:bodyPr/>
-          <a:lstStyle/>
-          <a:p>
-            <a:r>
-              <a:rPr lang="en-GB" dirty="0"/>
-              <a:t>&lt;T&gt; represents the formal generic type</a:t>
-            </a:r>
-          </a:p>
-          <a:p>
-            <a:r>
-              <a:rPr lang="en-GB" dirty="0"/>
-              <a:t>Replaced by an actual concrete type</a:t>
-            </a:r>
-          </a:p>
-        </p:txBody>
-      </p:sp>
-      <p:pic>
-        <p:nvPicPr>
-          <p:cNvPr id="4" name="Picture 3"/>
-          <p:cNvPicPr>
-            <a:picLocks noChangeAspect="1"/>
-          </p:cNvPicPr>
-          <p:nvPr/>
-        </p:nvPicPr>
-        <p:blipFill>
-          <a:blip r:embed="rId2"/>
-          <a:stretch>
-            <a:fillRect/>
-          </a:stretch>
-        </p:blipFill>
-        <p:spPr>
-          <a:xfrm>
-            <a:off x="-76200" y="1676400"/>
-            <a:ext cx="9144000" cy="1597068"/>
-          </a:xfrm>
-          <a:prstGeom prst="rect">
-            <a:avLst/>
-          </a:prstGeom>
-        </p:spPr>
-      </p:pic>
+        <p:spPr/>
+        <p:txBody>
+          <a:bodyPr/>
+          <a:lstStyle/>
+          <a:p>
+            <a:r>
+              <a:rPr lang="en-GB" dirty="0" smtClean="0"/>
+              <a:t>B) 123.321Hi!</a:t>
+            </a:r>
+            <a:endParaRPr lang="en-GB" dirty="0"/>
+          </a:p>
+        </p:txBody>
+      </p:sp>
     </p:spTree>
     <p:extLst>
       <p:ext uri="{BB962C8B-B14F-4D97-AF65-F5344CB8AC3E}">
-        <p14:creationId xmlns:p14="http://schemas.microsoft.com/office/powerpoint/2010/main" val="644961492"/>
+        <p14:creationId xmlns:p14="http://schemas.microsoft.com/office/powerpoint/2010/main" xmlns="" val="3775777194"/>
       </p:ext>
     </p:extLst>
   </p:cSld>
@@ -5169,7 +5220,7 @@
           <a:p>
             <a:r>
               <a:rPr lang="en-GB" dirty="0" smtClean="0"/>
-              <a:t>Why use Generic Types?</a:t>
+              <a:t>Generic Types</a:t>
             </a:r>
             <a:endParaRPr lang="en-GB" dirty="0"/>
           </a:p>
@@ -5190,14 +5241,39 @@
           <a:bodyPr/>
           <a:lstStyle/>
           <a:p>
-            <a:endParaRPr lang="en-GB" dirty="0"/>
+            <a:r>
+              <a:rPr lang="en-GB" dirty="0"/>
+              <a:t>Generics is the capability </a:t>
+            </a:r>
+            <a:r>
+              <a:rPr lang="en-GB" dirty="0" smtClean="0"/>
+              <a:t>to parameterize types</a:t>
+            </a:r>
+          </a:p>
+          <a:p>
+            <a:r>
+              <a:rPr lang="en-GB" dirty="0" smtClean="0"/>
+              <a:t>Flexibility to define </a:t>
+            </a:r>
+            <a:r>
+              <a:rPr lang="en-GB" dirty="0"/>
+              <a:t>a class </a:t>
+            </a:r>
+            <a:r>
+              <a:rPr lang="en-GB" dirty="0" smtClean="0"/>
+              <a:t>or a </a:t>
+            </a:r>
+            <a:r>
+              <a:rPr lang="en-GB" dirty="0"/>
+              <a:t>method with generic types that the compiler can replace with concrete types</a:t>
+            </a:r>
           </a:p>
         </p:txBody>
       </p:sp>
     </p:spTree>
     <p:extLst>
       <p:ext uri="{BB962C8B-B14F-4D97-AF65-F5344CB8AC3E}">
-        <p14:creationId xmlns:p14="http://schemas.microsoft.com/office/powerpoint/2010/main" val="609979620"/>
+        <p14:creationId xmlns:p14="http://schemas.microsoft.com/office/powerpoint/2010/main" xmlns="" val="648076782"/>
       </p:ext>
     </p:extLst>
   </p:cSld>
@@ -5241,7 +5317,7 @@
           <a:p>
             <a:r>
               <a:rPr lang="en-GB" dirty="0" smtClean="0"/>
-              <a:t>Why use Generics?</a:t>
+              <a:t>Example</a:t>
             </a:r>
             <a:endParaRPr lang="en-GB" dirty="0"/>
           </a:p>
@@ -5257,34 +5333,57 @@
             <p:ph idx="1"/>
           </p:nvPr>
         </p:nvSpPr>
-        <p:spPr/>
+        <p:spPr>
+          <a:xfrm>
+            <a:off x="685800" y="3505200"/>
+            <a:ext cx="7772400" cy="2590800"/>
+          </a:xfrm>
+        </p:spPr>
         <p:txBody>
           <a:bodyPr/>
           <a:lstStyle/>
           <a:p>
             <a:r>
               <a:rPr lang="en-GB" dirty="0"/>
-              <a:t>Identify errors at compile time</a:t>
+              <a:t>&lt;T&gt; represents the formal generic type</a:t>
             </a:r>
           </a:p>
           <a:p>
             <a:r>
               <a:rPr lang="en-GB" dirty="0"/>
-              <a:t>Explicit type checking</a:t>
-            </a:r>
-          </a:p>
-          <a:p>
-            <a:r>
-              <a:rPr lang="en-GB" dirty="0"/>
-              <a:t>Robust and reliable programs</a:t>
-            </a:r>
-          </a:p>
-        </p:txBody>
-      </p:sp>
+              <a:t>Replaced by an actual concrete type</a:t>
+            </a:r>
+          </a:p>
+        </p:txBody>
+      </p:sp>
+      <p:pic>
+        <p:nvPicPr>
+          <p:cNvPr id="4" name="Picture 3"/>
+          <p:cNvPicPr>
+            <a:picLocks noChangeAspect="1"/>
+          </p:cNvPicPr>
+          <p:nvPr/>
+        </p:nvPicPr>
+        <p:blipFill>
+          <a:blip r:embed="rId2" cstate="print"/>
+          <a:stretch>
+            <a:fillRect/>
+          </a:stretch>
+        </p:blipFill>
+        <p:spPr>
+          <a:xfrm>
+            <a:off x="-76200" y="1676400"/>
+            <a:ext cx="9144000" cy="1597068"/>
+          </a:xfrm>
+          <a:prstGeom prst="rect">
+            <a:avLst/>
+          </a:prstGeom>
+        </p:spPr>
+      </p:pic>
     </p:spTree>
     <p:extLst>
       <p:ext uri="{BB962C8B-B14F-4D97-AF65-F5344CB8AC3E}">
-        <p14:creationId xmlns:p14="http://schemas.microsoft.com/office/powerpoint/2010/main" val="2172300176"/>
+        <p14:creationId xmlns:p14="http://schemas.microsoft.com/office/powerpoint/2010/main" xmlns="" val="644961492"/>
       </p:ext>
     </p:extLst>
   </p:cSld>
@@ -5328,7 +5427,7 @@
           <a:p>
             <a:r>
               <a:rPr lang="en-GB" dirty="0" smtClean="0"/>
-              <a:t>Example</a:t>
+              <a:t>Why use Generic Types?</a:t>
             </a:r>
             <a:endParaRPr lang="en-GB" dirty="0"/>
           </a:p>
@@ -5349,94 +5448,14 @@
           <a:bodyPr/>
           <a:lstStyle/>
           <a:p>
-            <a:r>
-              <a:rPr lang="en-GB" dirty="0" smtClean="0"/>
-              <a:t>Arrays</a:t>
-            </a:r>
-          </a:p>
-          <a:p>
             <a:endParaRPr lang="en-GB" dirty="0"/>
           </a:p>
-          <a:p>
-            <a:endParaRPr lang="en-GB" dirty="0" smtClean="0"/>
-          </a:p>
-          <a:p>
-            <a:r>
-              <a:rPr lang="en-GB" dirty="0"/>
-              <a:t>Create array for `strings</a:t>
-            </a:r>
-            <a:r>
-              <a:rPr lang="en-GB" dirty="0" smtClean="0"/>
-              <a:t>':</a:t>
-            </a:r>
-          </a:p>
-          <a:p>
-            <a:endParaRPr lang="en-GB" dirty="0"/>
-          </a:p>
-          <a:p>
-            <a:endParaRPr lang="en-GB" dirty="0" smtClean="0"/>
-          </a:p>
-          <a:p>
-            <a:r>
-              <a:rPr lang="en-GB" dirty="0" smtClean="0"/>
-              <a:t>Only add `strings’ to the array</a:t>
-            </a:r>
-            <a:endParaRPr lang="en-GB" dirty="0"/>
-          </a:p>
-        </p:txBody>
-      </p:sp>
-      <p:pic>
-        <p:nvPicPr>
-          <p:cNvPr id="6" name="Picture 5"/>
-          <p:cNvPicPr>
-            <a:picLocks noChangeAspect="1"/>
-          </p:cNvPicPr>
-          <p:nvPr/>
-        </p:nvPicPr>
-        <p:blipFill>
-          <a:blip r:embed="rId2"/>
-          <a:stretch>
-            <a:fillRect/>
-          </a:stretch>
-        </p:blipFill>
-        <p:spPr>
-          <a:xfrm>
-            <a:off x="1066800" y="2667000"/>
-            <a:ext cx="3628571" cy="381000"/>
-          </a:xfrm>
-          <a:prstGeom prst="rect">
-            <a:avLst/>
-          </a:prstGeom>
-        </p:spPr>
-      </p:pic>
-      <p:pic>
-        <p:nvPicPr>
-          <p:cNvPr id="7" name="Picture 6"/>
-          <p:cNvPicPr>
-            <a:picLocks noChangeAspect="1"/>
-          </p:cNvPicPr>
-          <p:nvPr/>
-        </p:nvPicPr>
-        <p:blipFill>
-          <a:blip r:embed="rId3"/>
-          <a:stretch>
-            <a:fillRect/>
-          </a:stretch>
-        </p:blipFill>
-        <p:spPr>
-          <a:xfrm>
-            <a:off x="533400" y="4724400"/>
-            <a:ext cx="8305800" cy="543159"/>
-          </a:xfrm>
-          <a:prstGeom prst="rect">
-            <a:avLst/>
-          </a:prstGeom>
-        </p:spPr>
-      </p:pic>
+        </p:txBody>
+      </p:sp>
     </p:spTree>
     <p:extLst>
       <p:ext uri="{BB962C8B-B14F-4D97-AF65-F5344CB8AC3E}">
-        <p14:creationId xmlns:p14="http://schemas.microsoft.com/office/powerpoint/2010/main" val="656661191"/>
+        <p14:creationId xmlns:p14="http://schemas.microsoft.com/office/powerpoint/2010/main" xmlns="" val="609979620"/>
       </p:ext>
     </p:extLst>
   </p:cSld>
@@ -5480,7 +5499,7 @@
           <a:p>
             <a:r>
               <a:rPr lang="en-GB" dirty="0" smtClean="0"/>
-              <a:t>Example</a:t>
+              <a:t>Why use Generics?</a:t>
             </a:r>
             <a:endParaRPr lang="en-GB" dirty="0"/>
           </a:p>
@@ -5501,38 +5520,29 @@
           <a:bodyPr/>
           <a:lstStyle/>
           <a:p>
-            <a:endParaRPr lang="en-GB"/>
-          </a:p>
-        </p:txBody>
-      </p:sp>
-      <p:pic>
-        <p:nvPicPr>
-          <p:cNvPr id="4" name="Picture 3"/>
-          <p:cNvPicPr>
-            <a:picLocks noChangeAspect="1"/>
-          </p:cNvPicPr>
-          <p:nvPr/>
-        </p:nvPicPr>
-        <p:blipFill>
-          <a:blip r:embed="rId2"/>
-          <a:stretch>
-            <a:fillRect/>
-          </a:stretch>
-        </p:blipFill>
-        <p:spPr>
-          <a:xfrm>
-            <a:off x="990600" y="1978306"/>
-            <a:ext cx="6705600" cy="3877937"/>
-          </a:xfrm>
-          <a:prstGeom prst="rect">
-            <a:avLst/>
-          </a:prstGeom>
-        </p:spPr>
-      </p:pic>
+            <a:r>
+              <a:rPr lang="en-GB" dirty="0"/>
+              <a:t>Identify errors at compile time</a:t>
+            </a:r>
+          </a:p>
+          <a:p>
+            <a:r>
+              <a:rPr lang="en-GB" dirty="0"/>
+              <a:t>Explicit type checking</a:t>
+            </a:r>
+          </a:p>
+          <a:p>
+            <a:r>
+              <a:rPr lang="en-GB" dirty="0"/>
+              <a:t>Robust and reliable programs</a:t>
+            </a:r>
+          </a:p>
+        </p:txBody>
+      </p:sp>
     </p:spTree>
     <p:extLst>
       <p:ext uri="{BB962C8B-B14F-4D97-AF65-F5344CB8AC3E}">
-        <p14:creationId xmlns:p14="http://schemas.microsoft.com/office/powerpoint/2010/main" val="154629313"/>
+        <p14:creationId xmlns:p14="http://schemas.microsoft.com/office/powerpoint/2010/main" xmlns="" val="2172300176"/>
       </p:ext>
     </p:extLst>
   </p:cSld>
@@ -5576,7 +5586,7 @@
           <a:p>
             <a:r>
               <a:rPr lang="en-GB" dirty="0" smtClean="0"/>
-              <a:t>Writing Generic Class</a:t>
+              <a:t>Example</a:t>
             </a:r>
             <a:endParaRPr lang="en-GB" dirty="0"/>
           </a:p>
@@ -5599,29 +5609,92 @@
           <a:p>
             <a:r>
               <a:rPr lang="en-GB" dirty="0" smtClean="0"/>
-              <a:t>Specify the ‘Type’ in the class definition</a:t>
-            </a:r>
-          </a:p>
-          <a:p>
-            <a:pPr lvl="1"/>
+              <a:t>Arrays</a:t>
+            </a:r>
+          </a:p>
+          <a:p>
+            <a:endParaRPr lang="en-GB" dirty="0"/>
+          </a:p>
+          <a:p>
+            <a:endParaRPr lang="en-GB" dirty="0" smtClean="0"/>
+          </a:p>
+          <a:p>
+            <a:r>
+              <a:rPr lang="en-GB" dirty="0"/>
+              <a:t>Create array for `strings</a:t>
+            </a:r>
             <a:r>
               <a:rPr lang="en-GB" dirty="0" smtClean="0"/>
-              <a:t>e.g., &lt;E&gt;, &lt;T&gt;, …</a:t>
-            </a:r>
+              <a:t>':</a:t>
+            </a:r>
+          </a:p>
+          <a:p>
+            <a:endParaRPr lang="en-GB" dirty="0"/>
+          </a:p>
+          <a:p>
+            <a:endParaRPr lang="en-GB" dirty="0" smtClean="0"/>
           </a:p>
           <a:p>
             <a:r>
               <a:rPr lang="en-GB" dirty="0" smtClean="0"/>
-              <a:t>Use the Type as needed</a:t>
+              <a:t>Only add `strings’ to the array</a:t>
             </a:r>
             <a:endParaRPr lang="en-GB" dirty="0"/>
           </a:p>
         </p:txBody>
       </p:sp>
+      <p:pic>
+        <p:nvPicPr>
+          <p:cNvPr id="6" name="Picture 5"/>
+          <p:cNvPicPr>
+            <a:picLocks noChangeAspect="1"/>
+          </p:cNvPicPr>
+          <p:nvPr/>
+        </p:nvPicPr>
+        <p:blipFill>
+          <a:blip r:embed="rId2" cstate="print"/>
+          <a:stretch>
+            <a:fillRect/>
+          </a:stretch>
+        </p:blipFill>
+        <p:spPr>
+          <a:xfrm>
+            <a:off x="1066800" y="2667000"/>
+            <a:ext cx="3628571" cy="381000"/>
+          </a:xfrm>
+          <a:prstGeom prst="rect">
+            <a:avLst/>
+          </a:prstGeom>
+        </p:spPr>
+      </p:pic>
+      <p:pic>
+        <p:nvPicPr>
+          <p:cNvPr id="7" name="Picture 6"/>
+          <p:cNvPicPr>
+            <a:picLocks noChangeAspect="1"/>
+          </p:cNvPicPr>
+          <p:nvPr/>
+        </p:nvPicPr>
+        <p:blipFill>
+          <a:blip r:embed="rId3" cstate="print"/>
+          <a:stretch>
+            <a:fillRect/>
+          </a:stretch>
+        </p:blipFill>
+        <p:spPr>
+          <a:xfrm>
+            <a:off x="533400" y="4724400"/>
+            <a:ext cx="8305800" cy="543159"/>
+          </a:xfrm>
+          <a:prstGeom prst="rect">
+            <a:avLst/>
+          </a:prstGeom>
+        </p:spPr>
+      </p:pic>
     </p:spTree>
     <p:extLst>
       <p:ext uri="{BB962C8B-B14F-4D97-AF65-F5344CB8AC3E}">
-        <p14:creationId xmlns:p14="http://schemas.microsoft.com/office/powerpoint/2010/main" val="1586051054"/>
+        <p14:creationId xmlns:p14="http://schemas.microsoft.com/office/powerpoint/2010/main" xmlns="" val="656661191"/>
       </p:ext>
     </p:extLst>
   </p:cSld>
@@ -5671,6 +5744,25 @@
           </a:p>
         </p:txBody>
       </p:sp>
+      <p:sp>
+        <p:nvSpPr>
+          <p:cNvPr id="3" name="Content Placeholder 2"/>
+          <p:cNvSpPr>
+            <a:spLocks noGrp="1"/>
+          </p:cNvSpPr>
+          <p:nvPr>
+            <p:ph idx="1"/>
+          </p:nvPr>
+        </p:nvSpPr>
+        <p:spPr/>
+        <p:txBody>
+          <a:bodyPr/>
+          <a:lstStyle/>
+          <a:p>
+            <a:endParaRPr lang="en-GB"/>
+          </a:p>
+        </p:txBody>
+      </p:sp>
       <p:pic>
         <p:nvPicPr>
           <p:cNvPr id="4" name="Picture 3"/>
@@ -5680,301 +5772,25 @@
           <p:nvPr/>
         </p:nvPicPr>
         <p:blipFill>
-          <a:blip r:embed="rId2"/>
+          <a:blip r:embed="rId2" cstate="print"/>
           <a:stretch>
             <a:fillRect/>
           </a:stretch>
         </p:blipFill>
         <p:spPr>
           <a:xfrm>
-            <a:off x="1866900" y="1999527"/>
-            <a:ext cx="5410200" cy="4142415"/>
+            <a:off x="990600" y="1978306"/>
+            <a:ext cx="6705600" cy="3877937"/>
           </a:xfrm>
           <a:prstGeom prst="rect">
             <a:avLst/>
           </a:prstGeom>
         </p:spPr>
       </p:pic>
-      <p:sp>
-        <p:nvSpPr>
-          <p:cNvPr id="5" name="Rectangle 4"/>
-          <p:cNvSpPr/>
-          <p:nvPr/>
-        </p:nvSpPr>
-        <p:spPr>
-          <a:xfrm>
-            <a:off x="3657600" y="1905000"/>
-            <a:ext cx="457200" cy="381000"/>
-          </a:xfrm>
-          <a:prstGeom prst="rect">
-            <a:avLst/>
-          </a:prstGeom>
-          <a:noFill/>
-          <a:ln w="25400">
-            <a:solidFill>
-              <a:srgbClr val="FF0000"/>
-            </a:solidFill>
-          </a:ln>
-        </p:spPr>
-        <p:style>
-          <a:lnRef idx="2">
-            <a:schemeClr val="accent1">
-              <a:shade val="50000"/>
-            </a:schemeClr>
-          </a:lnRef>
-          <a:fillRef idx="1">
-            <a:schemeClr val="accent1"/>
-          </a:fillRef>
-          <a:effectRef idx="0">
-            <a:schemeClr val="accent1"/>
-          </a:effectRef>
-          <a:fontRef idx="minor">
-            <a:schemeClr val="lt1"/>
-          </a:fontRef>
-        </p:style>
-        <p:txBody>
-          <a:bodyPr rtlCol="0" anchor="ctr"/>
-          <a:lstStyle/>
-          <a:p>
-            <a:pPr algn="ctr"/>
-            <a:endParaRPr lang="en-GB"/>
-          </a:p>
-        </p:txBody>
-      </p:sp>
-      <p:sp>
-        <p:nvSpPr>
-          <p:cNvPr id="8" name="Rectangle 7"/>
-          <p:cNvSpPr/>
-          <p:nvPr/>
-        </p:nvSpPr>
-        <p:spPr>
-          <a:xfrm>
-            <a:off x="3919959" y="2369917"/>
-            <a:ext cx="457200" cy="381000"/>
-          </a:xfrm>
-          <a:prstGeom prst="rect">
-            <a:avLst/>
-          </a:prstGeom>
-          <a:noFill/>
-          <a:ln w="25400">
-            <a:solidFill>
-              <a:srgbClr val="FF0000"/>
-            </a:solidFill>
-          </a:ln>
-        </p:spPr>
-        <p:style>
-          <a:lnRef idx="2">
-            <a:schemeClr val="accent1">
-              <a:shade val="50000"/>
-            </a:schemeClr>
-          </a:lnRef>
-          <a:fillRef idx="1">
-            <a:schemeClr val="accent1"/>
-          </a:fillRef>
-          <a:effectRef idx="0">
-            <a:schemeClr val="accent1"/>
-          </a:effectRef>
-          <a:fontRef idx="minor">
-            <a:schemeClr val="lt1"/>
-          </a:fontRef>
-        </p:style>
-        <p:txBody>
-          <a:bodyPr rtlCol="0" anchor="ctr"/>
-          <a:lstStyle/>
-          <a:p>
-            <a:pPr algn="ctr"/>
-            <a:endParaRPr lang="en-GB"/>
-          </a:p>
-        </p:txBody>
-      </p:sp>
-      <p:sp>
-        <p:nvSpPr>
-          <p:cNvPr id="9" name="Rectangle 8"/>
-          <p:cNvSpPr/>
-          <p:nvPr/>
-        </p:nvSpPr>
-        <p:spPr>
-          <a:xfrm>
-            <a:off x="6430218" y="2372811"/>
-            <a:ext cx="457200" cy="381000"/>
-          </a:xfrm>
-          <a:prstGeom prst="rect">
-            <a:avLst/>
-          </a:prstGeom>
-          <a:noFill/>
-          <a:ln w="25400">
-            <a:solidFill>
-              <a:srgbClr val="FF0000"/>
-            </a:solidFill>
-          </a:ln>
-        </p:spPr>
-        <p:style>
-          <a:lnRef idx="2">
-            <a:schemeClr val="accent1">
-              <a:shade val="50000"/>
-            </a:schemeClr>
-          </a:lnRef>
-          <a:fillRef idx="1">
-            <a:schemeClr val="accent1"/>
-          </a:fillRef>
-          <a:effectRef idx="0">
-            <a:schemeClr val="accent1"/>
-          </a:effectRef>
-          <a:fontRef idx="minor">
-            <a:schemeClr val="lt1"/>
-          </a:fontRef>
-        </p:style>
-        <p:txBody>
-          <a:bodyPr rtlCol="0" anchor="ctr"/>
-          <a:lstStyle/>
-          <a:p>
-            <a:pPr algn="ctr"/>
-            <a:endParaRPr lang="en-GB"/>
-          </a:p>
-        </p:txBody>
-      </p:sp>
-      <p:sp>
-        <p:nvSpPr>
-          <p:cNvPr id="12" name="Rectangle 11"/>
-          <p:cNvSpPr/>
-          <p:nvPr/>
-        </p:nvSpPr>
-        <p:spPr>
-          <a:xfrm>
-            <a:off x="3810000" y="3505200"/>
-            <a:ext cx="457200" cy="381000"/>
-          </a:xfrm>
-          <a:prstGeom prst="rect">
-            <a:avLst/>
-          </a:prstGeom>
-          <a:noFill/>
-          <a:ln w="25400">
-            <a:solidFill>
-              <a:srgbClr val="FF0000"/>
-            </a:solidFill>
-          </a:ln>
-        </p:spPr>
-        <p:style>
-          <a:lnRef idx="2">
-            <a:schemeClr val="accent1">
-              <a:shade val="50000"/>
-            </a:schemeClr>
-          </a:lnRef>
-          <a:fillRef idx="1">
-            <a:schemeClr val="accent1"/>
-          </a:fillRef>
-          <a:effectRef idx="0">
-            <a:schemeClr val="accent1"/>
-          </a:effectRef>
-          <a:fontRef idx="minor">
-            <a:schemeClr val="lt1"/>
-          </a:fontRef>
-        </p:style>
-        <p:txBody>
-          <a:bodyPr rtlCol="0" anchor="ctr"/>
-          <a:lstStyle/>
-          <a:p>
-            <a:pPr algn="ctr"/>
-            <a:endParaRPr lang="en-GB"/>
-          </a:p>
-        </p:txBody>
-      </p:sp>
-      <p:sp>
-        <p:nvSpPr>
-          <p:cNvPr id="15" name="Rectangle 14"/>
-          <p:cNvSpPr/>
-          <p:nvPr/>
-        </p:nvSpPr>
-        <p:spPr>
-          <a:xfrm>
-            <a:off x="2819400" y="4419600"/>
-            <a:ext cx="457200" cy="381000"/>
-          </a:xfrm>
-          <a:prstGeom prst="rect">
-            <a:avLst/>
-          </a:prstGeom>
-          <a:noFill/>
-          <a:ln w="25400">
-            <a:solidFill>
-              <a:srgbClr val="FF0000"/>
-            </a:solidFill>
-          </a:ln>
-        </p:spPr>
-        <p:style>
-          <a:lnRef idx="2">
-            <a:schemeClr val="accent1">
-              <a:shade val="50000"/>
-            </a:schemeClr>
-          </a:lnRef>
-          <a:fillRef idx="1">
-            <a:schemeClr val="accent1"/>
-          </a:fillRef>
-          <a:effectRef idx="0">
-            <a:schemeClr val="accent1"/>
-          </a:effectRef>
-          <a:fontRef idx="minor">
-            <a:schemeClr val="lt1"/>
-          </a:fontRef>
-        </p:style>
-        <p:txBody>
-          <a:bodyPr rtlCol="0" anchor="ctr"/>
-          <a:lstStyle/>
-          <a:p>
-            <a:pPr algn="ctr"/>
-            <a:endParaRPr lang="en-GB"/>
-          </a:p>
-        </p:txBody>
-      </p:sp>
-      <p:sp>
-        <p:nvSpPr>
-          <p:cNvPr id="20" name="Rectangle 19"/>
-          <p:cNvSpPr/>
-          <p:nvPr/>
-        </p:nvSpPr>
-        <p:spPr>
-          <a:xfrm>
-            <a:off x="2601410" y="4886447"/>
-            <a:ext cx="457200" cy="381000"/>
-          </a:xfrm>
-          <a:prstGeom prst="rect">
-            <a:avLst/>
-          </a:prstGeom>
-          <a:noFill/>
-          <a:ln w="25400">
-            <a:solidFill>
-              <a:srgbClr val="FF0000"/>
-            </a:solidFill>
-          </a:ln>
-        </p:spPr>
-        <p:style>
-          <a:lnRef idx="2">
-            <a:schemeClr val="accent1">
-              <a:shade val="50000"/>
-            </a:schemeClr>
-          </a:lnRef>
-          <a:fillRef idx="1">
-            <a:schemeClr val="accent1"/>
-          </a:fillRef>
-          <a:effectRef idx="0">
-            <a:schemeClr val="accent1"/>
-          </a:effectRef>
-          <a:fontRef idx="minor">
-            <a:schemeClr val="lt1"/>
-          </a:fontRef>
-        </p:style>
-        <p:txBody>
-          <a:bodyPr rtlCol="0" anchor="ctr"/>
-          <a:lstStyle/>
-          <a:p>
-            <a:pPr algn="ctr"/>
-            <a:endParaRPr lang="en-GB"/>
-          </a:p>
-        </p:txBody>
-      </p:sp>
     </p:spTree>
     <p:extLst>
       <p:ext uri="{BB962C8B-B14F-4D97-AF65-F5344CB8AC3E}">
-        <p14:creationId xmlns:p14="http://schemas.microsoft.com/office/powerpoint/2010/main" val="525877404"/>
+        <p14:creationId xmlns:p14="http://schemas.microsoft.com/office/powerpoint/2010/main" xmlns="" val="154629313"/>
       </p:ext>
     </p:extLst>
   </p:cSld>
@@ -6018,7 +5834,7 @@
           <a:p>
             <a:r>
               <a:rPr lang="en-GB" dirty="0" smtClean="0"/>
-              <a:t>Example cont.</a:t>
+              <a:t>Writing Generic Class</a:t>
             </a:r>
             <a:endParaRPr lang="en-GB" dirty="0"/>
           </a:p>
@@ -6039,68 +5855,31 @@
           <a:bodyPr/>
           <a:lstStyle/>
           <a:p>
-            <a:endParaRPr lang="en-GB" dirty="0" smtClean="0"/>
-          </a:p>
-          <a:p>
+            <a:r>
+              <a:rPr lang="en-GB" dirty="0" smtClean="0"/>
+              <a:t>Specify the ‘Type’ in the class definition</a:t>
+            </a:r>
+          </a:p>
+          <a:p>
+            <a:pPr lvl="1"/>
+            <a:r>
+              <a:rPr lang="en-GB" dirty="0" smtClean="0"/>
+              <a:t>e.g., &lt;E&gt;, &lt;T&gt;, …</a:t>
+            </a:r>
+          </a:p>
+          <a:p>
+            <a:r>
+              <a:rPr lang="en-GB" dirty="0" smtClean="0"/>
+              <a:t>Use the Type as needed</a:t>
+            </a:r>
             <a:endParaRPr lang="en-GB" dirty="0"/>
           </a:p>
-          <a:p>
-            <a:endParaRPr lang="en-GB" dirty="0" smtClean="0"/>
-          </a:p>
-          <a:p>
-            <a:endParaRPr lang="en-GB" dirty="0"/>
-          </a:p>
-          <a:p>
-            <a:endParaRPr lang="en-GB" dirty="0" smtClean="0"/>
-          </a:p>
-          <a:p>
-            <a:r>
-              <a:rPr lang="en-GB" smtClean="0"/>
-              <a:t>Generic Type </a:t>
-            </a:r>
-            <a:r>
-              <a:rPr lang="en-GB" dirty="0" smtClean="0"/>
-              <a:t>‘Integer’</a:t>
-            </a:r>
-            <a:endParaRPr lang="en-GB" dirty="0"/>
-          </a:p>
-          <a:p>
-            <a:r>
-              <a:rPr lang="en-GB" dirty="0" smtClean="0"/>
-              <a:t>Output 1</a:t>
-            </a:r>
-            <a:endParaRPr lang="en-GB" dirty="0"/>
-          </a:p>
-        </p:txBody>
-      </p:sp>
-      <p:pic>
-        <p:nvPicPr>
-          <p:cNvPr id="4" name="Picture 3"/>
-          <p:cNvPicPr>
-            <a:picLocks noChangeAspect="1"/>
-          </p:cNvPicPr>
-          <p:nvPr/>
-        </p:nvPicPr>
-        <p:blipFill>
-          <a:blip r:embed="rId2"/>
-          <a:stretch>
-            <a:fillRect/>
-          </a:stretch>
-        </p:blipFill>
-        <p:spPr>
-          <a:xfrm>
-            <a:off x="1295400" y="2362200"/>
-            <a:ext cx="6301773" cy="2222500"/>
-          </a:xfrm>
-          <a:prstGeom prst="rect">
-            <a:avLst/>
-          </a:prstGeom>
-        </p:spPr>
-      </p:pic>
+        </p:txBody>
+      </p:sp>
     </p:spTree>
     <p:extLst>
       <p:ext uri="{BB962C8B-B14F-4D97-AF65-F5344CB8AC3E}">
-        <p14:creationId xmlns:p14="http://schemas.microsoft.com/office/powerpoint/2010/main" val="4085692818"/>
+        <p14:creationId xmlns:p14="http://schemas.microsoft.com/office/powerpoint/2010/main" xmlns="" val="1586051054"/>
       </p:ext>
     </p:extLst>
   </p:cSld>
@@ -6129,7 +5908,7 @@
       </p:grpSpPr>
       <p:sp>
         <p:nvSpPr>
-          <p:cNvPr id="12290" name="Title 1"/>
+          <p:cNvPr id="2" name="Title 1"/>
           <p:cNvSpPr>
             <a:spLocks noGrp="1"/>
           </p:cNvSpPr>
@@ -6143,71 +5922,323 @@
           <a:lstStyle/>
           <a:p>
             <a:r>
-              <a:rPr lang="en-GB" altLang="en-US" smtClean="0"/>
-              <a:t>Summary</a:t>
-            </a:r>
-          </a:p>
-        </p:txBody>
-      </p:sp>
-      <p:sp>
-        <p:nvSpPr>
-          <p:cNvPr id="12291" name="Content Placeholder 2"/>
-          <p:cNvSpPr>
-            <a:spLocks noGrp="1"/>
-          </p:cNvSpPr>
-          <p:nvPr>
-            <p:ph idx="1"/>
-          </p:nvPr>
-        </p:nvSpPr>
-        <p:spPr/>
-        <p:txBody>
-          <a:bodyPr/>
-          <a:lstStyle/>
-          <a:p>
-            <a:r>
-              <a:rPr lang="en-GB" altLang="en-US" dirty="0" smtClean="0"/>
-              <a:t>Generic Types with Java</a:t>
-            </a:r>
-          </a:p>
-          <a:p>
-            <a:r>
-              <a:rPr lang="en-GB" altLang="en-US" dirty="0" smtClean="0"/>
-              <a:t>Advantages of Generic Types </a:t>
-            </a:r>
-          </a:p>
-          <a:p>
-            <a:pPr lvl="1"/>
-            <a:r>
-              <a:rPr lang="en-GB" altLang="en-US" dirty="0" smtClean="0"/>
-              <a:t>Flexibility/Robustness</a:t>
-            </a:r>
-          </a:p>
-          <a:p>
-            <a:r>
-              <a:rPr lang="en-GB" altLang="en-US" dirty="0" smtClean="0"/>
-              <a:t>Incorporate Generic Types into your implementations</a:t>
-            </a:r>
-          </a:p>
-          <a:p>
-            <a:r>
-              <a:rPr lang="en-GB" altLang="en-US" dirty="0" smtClean="0"/>
-              <a:t>Examples</a:t>
-            </a:r>
+              <a:rPr lang="en-GB" dirty="0" smtClean="0"/>
+              <a:t>Example</a:t>
+            </a:r>
+            <a:endParaRPr lang="en-GB" dirty="0"/>
+          </a:p>
+        </p:txBody>
+      </p:sp>
+      <p:pic>
+        <p:nvPicPr>
+          <p:cNvPr id="4" name="Picture 3"/>
+          <p:cNvPicPr>
+            <a:picLocks noChangeAspect="1"/>
+          </p:cNvPicPr>
+          <p:nvPr/>
+        </p:nvPicPr>
+        <p:blipFill>
+          <a:blip r:embed="rId2" cstate="print"/>
+          <a:stretch>
+            <a:fillRect/>
+          </a:stretch>
+        </p:blipFill>
+        <p:spPr>
+          <a:xfrm>
+            <a:off x="1866900" y="1999527"/>
+            <a:ext cx="5410200" cy="4142415"/>
+          </a:xfrm>
+          <a:prstGeom prst="rect">
+            <a:avLst/>
+          </a:prstGeom>
+        </p:spPr>
+      </p:pic>
+      <p:sp>
+        <p:nvSpPr>
+          <p:cNvPr id="5" name="Rectangle 4"/>
+          <p:cNvSpPr/>
+          <p:nvPr/>
+        </p:nvSpPr>
+        <p:spPr>
+          <a:xfrm>
+            <a:off x="3657600" y="1905000"/>
+            <a:ext cx="457200" cy="381000"/>
+          </a:xfrm>
+          <a:prstGeom prst="rect">
+            <a:avLst/>
+          </a:prstGeom>
+          <a:noFill/>
+          <a:ln w="25400">
+            <a:solidFill>
+              <a:srgbClr val="FF0000"/>
+            </a:solidFill>
+          </a:ln>
+        </p:spPr>
+        <p:style>
+          <a:lnRef idx="2">
+            <a:schemeClr val="accent1">
+              <a:shade val="50000"/>
+            </a:schemeClr>
+          </a:lnRef>
+          <a:fillRef idx="1">
+            <a:schemeClr val="accent1"/>
+          </a:fillRef>
+          <a:effectRef idx="0">
+            <a:schemeClr val="accent1"/>
+          </a:effectRef>
+          <a:fontRef idx="minor">
+            <a:schemeClr val="lt1"/>
+          </a:fontRef>
+        </p:style>
+        <p:txBody>
+          <a:bodyPr rtlCol="0" anchor="ctr"/>
+          <a:lstStyle/>
+          <a:p>
+            <a:pPr algn="ctr"/>
+            <a:endParaRPr lang="en-GB"/>
+          </a:p>
+        </p:txBody>
+      </p:sp>
+      <p:sp>
+        <p:nvSpPr>
+          <p:cNvPr id="8" name="Rectangle 7"/>
+          <p:cNvSpPr/>
+          <p:nvPr/>
+        </p:nvSpPr>
+        <p:spPr>
+          <a:xfrm>
+            <a:off x="3919959" y="2369917"/>
+            <a:ext cx="457200" cy="381000"/>
+          </a:xfrm>
+          <a:prstGeom prst="rect">
+            <a:avLst/>
+          </a:prstGeom>
+          <a:noFill/>
+          <a:ln w="25400">
+            <a:solidFill>
+              <a:srgbClr val="FF0000"/>
+            </a:solidFill>
+          </a:ln>
+        </p:spPr>
+        <p:style>
+          <a:lnRef idx="2">
+            <a:schemeClr val="accent1">
+              <a:shade val="50000"/>
+            </a:schemeClr>
+          </a:lnRef>
+          <a:fillRef idx="1">
+            <a:schemeClr val="accent1"/>
+          </a:fillRef>
+          <a:effectRef idx="0">
+            <a:schemeClr val="accent1"/>
+          </a:effectRef>
+          <a:fontRef idx="minor">
+            <a:schemeClr val="lt1"/>
+          </a:fontRef>
+        </p:style>
+        <p:txBody>
+          <a:bodyPr rtlCol="0" anchor="ctr"/>
+          <a:lstStyle/>
+          <a:p>
+            <a:pPr algn="ctr"/>
+            <a:endParaRPr lang="en-GB"/>
+          </a:p>
+        </p:txBody>
+      </p:sp>
+      <p:sp>
+        <p:nvSpPr>
+          <p:cNvPr id="9" name="Rectangle 8"/>
+          <p:cNvSpPr/>
+          <p:nvPr/>
+        </p:nvSpPr>
+        <p:spPr>
+          <a:xfrm>
+            <a:off x="6430218" y="2372811"/>
+            <a:ext cx="457200" cy="381000"/>
+          </a:xfrm>
+          <a:prstGeom prst="rect">
+            <a:avLst/>
+          </a:prstGeom>
+          <a:noFill/>
+          <a:ln w="25400">
+            <a:solidFill>
+              <a:srgbClr val="FF0000"/>
+            </a:solidFill>
+          </a:ln>
+        </p:spPr>
+        <p:style>
+          <a:lnRef idx="2">
+            <a:schemeClr val="accent1">
+              <a:shade val="50000"/>
+            </a:schemeClr>
+          </a:lnRef>
+          <a:fillRef idx="1">
+            <a:schemeClr val="accent1"/>
+          </a:fillRef>
+          <a:effectRef idx="0">
+            <a:schemeClr val="accent1"/>
+          </a:effectRef>
+          <a:fontRef idx="minor">
+            <a:schemeClr val="lt1"/>
+          </a:fontRef>
+        </p:style>
+        <p:txBody>
+          <a:bodyPr rtlCol="0" anchor="ctr"/>
+          <a:lstStyle/>
+          <a:p>
+            <a:pPr algn="ctr"/>
+            <a:endParaRPr lang="en-GB"/>
+          </a:p>
+        </p:txBody>
+      </p:sp>
+      <p:sp>
+        <p:nvSpPr>
+          <p:cNvPr id="12" name="Rectangle 11"/>
+          <p:cNvSpPr/>
+          <p:nvPr/>
+        </p:nvSpPr>
+        <p:spPr>
+          <a:xfrm>
+            <a:off x="3810000" y="3505200"/>
+            <a:ext cx="457200" cy="381000"/>
+          </a:xfrm>
+          <a:prstGeom prst="rect">
+            <a:avLst/>
+          </a:prstGeom>
+          <a:noFill/>
+          <a:ln w="25400">
+            <a:solidFill>
+              <a:srgbClr val="FF0000"/>
+            </a:solidFill>
+          </a:ln>
+        </p:spPr>
+        <p:style>
+          <a:lnRef idx="2">
+            <a:schemeClr val="accent1">
+              <a:shade val="50000"/>
+            </a:schemeClr>
+          </a:lnRef>
+          <a:fillRef idx="1">
+            <a:schemeClr val="accent1"/>
+          </a:fillRef>
+          <a:effectRef idx="0">
+            <a:schemeClr val="accent1"/>
+          </a:effectRef>
+          <a:fontRef idx="minor">
+            <a:schemeClr val="lt1"/>
+          </a:fontRef>
+        </p:style>
+        <p:txBody>
+          <a:bodyPr rtlCol="0" anchor="ctr"/>
+          <a:lstStyle/>
+          <a:p>
+            <a:pPr algn="ctr"/>
+            <a:endParaRPr lang="en-GB"/>
+          </a:p>
+        </p:txBody>
+      </p:sp>
+      <p:sp>
+        <p:nvSpPr>
+          <p:cNvPr id="15" name="Rectangle 14"/>
+          <p:cNvSpPr/>
+          <p:nvPr/>
+        </p:nvSpPr>
+        <p:spPr>
+          <a:xfrm>
+            <a:off x="2819400" y="4419600"/>
+            <a:ext cx="457200" cy="381000"/>
+          </a:xfrm>
+          <a:prstGeom prst="rect">
+            <a:avLst/>
+          </a:prstGeom>
+          <a:noFill/>
+          <a:ln w="25400">
+            <a:solidFill>
+              <a:srgbClr val="FF0000"/>
+            </a:solidFill>
+          </a:ln>
+        </p:spPr>
+        <p:style>
+          <a:lnRef idx="2">
+            <a:schemeClr val="accent1">
+              <a:shade val="50000"/>
+            </a:schemeClr>
+          </a:lnRef>
+          <a:fillRef idx="1">
+            <a:schemeClr val="accent1"/>
+          </a:fillRef>
+          <a:effectRef idx="0">
+            <a:schemeClr val="accent1"/>
+          </a:effectRef>
+          <a:fontRef idx="minor">
+            <a:schemeClr val="lt1"/>
+          </a:fontRef>
+        </p:style>
+        <p:txBody>
+          <a:bodyPr rtlCol="0" anchor="ctr"/>
+          <a:lstStyle/>
+          <a:p>
+            <a:pPr algn="ctr"/>
+            <a:endParaRPr lang="en-GB"/>
+          </a:p>
+        </p:txBody>
+      </p:sp>
+      <p:sp>
+        <p:nvSpPr>
+          <p:cNvPr id="20" name="Rectangle 19"/>
+          <p:cNvSpPr/>
+          <p:nvPr/>
+        </p:nvSpPr>
+        <p:spPr>
+          <a:xfrm>
+            <a:off x="2601410" y="4886447"/>
+            <a:ext cx="457200" cy="381000"/>
+          </a:xfrm>
+          <a:prstGeom prst="rect">
+            <a:avLst/>
+          </a:prstGeom>
+          <a:noFill/>
+          <a:ln w="25400">
+            <a:solidFill>
+              <a:srgbClr val="FF0000"/>
+            </a:solidFill>
+          </a:ln>
+        </p:spPr>
+        <p:style>
+          <a:lnRef idx="2">
+            <a:schemeClr val="accent1">
+              <a:shade val="50000"/>
+            </a:schemeClr>
+          </a:lnRef>
+          <a:fillRef idx="1">
+            <a:schemeClr val="accent1"/>
+          </a:fillRef>
+          <a:effectRef idx="0">
+            <a:schemeClr val="accent1"/>
+          </a:effectRef>
+          <a:fontRef idx="minor">
+            <a:schemeClr val="lt1"/>
+          </a:fontRef>
+        </p:style>
+        <p:txBody>
+          <a:bodyPr rtlCol="0" anchor="ctr"/>
+          <a:lstStyle/>
+          <a:p>
+            <a:pPr algn="ctr"/>
+            <a:endParaRPr lang="en-GB"/>
           </a:p>
         </p:txBody>
       </p:sp>
     </p:spTree>
+    <p:extLst>
+      <p:ext uri="{BB962C8B-B14F-4D97-AF65-F5344CB8AC3E}">
+        <p14:creationId xmlns:p14="http://schemas.microsoft.com/office/powerpoint/2010/main" xmlns="" val="525877404"/>
+      </p:ext>
+    </p:extLst>
   </p:cSld>
   <p:clrMapOvr>
     <a:masterClrMapping/>
   </p:clrMapOvr>
-  <p:timing>
-    <p:tnLst>
-      <p:par>
-        <p:cTn id="1" dur="indefinite" restart="never" nodeType="tmRoot"/>
-      </p:par>
-    </p:tnLst>
-  </p:timing>
 </p:sld>
 </file>
 
@@ -6230,7 +6261,7 @@
       </p:grpSpPr>
       <p:sp>
         <p:nvSpPr>
-          <p:cNvPr id="11266" name="Title 1"/>
+          <p:cNvPr id="2" name="Title 1"/>
           <p:cNvSpPr>
             <a:spLocks noGrp="1"/>
           </p:cNvSpPr>
@@ -6244,15 +6275,16 @@
           <a:lstStyle/>
           <a:p>
             <a:r>
-              <a:rPr lang="en-GB" altLang="en-US" smtClean="0"/>
-              <a:t>This Week</a:t>
-            </a:r>
-          </a:p>
-        </p:txBody>
-      </p:sp>
-      <p:sp>
-        <p:nvSpPr>
-          <p:cNvPr id="11267" name="Content Placeholder 2"/>
+              <a:rPr lang="en-GB" dirty="0" smtClean="0"/>
+              <a:t>Example cont.</a:t>
+            </a:r>
+            <a:endParaRPr lang="en-GB" dirty="0"/>
+          </a:p>
+        </p:txBody>
+      </p:sp>
+      <p:sp>
+        <p:nvSpPr>
+          <p:cNvPr id="3" name="Content Placeholder 2"/>
           <p:cNvSpPr>
             <a:spLocks noGrp="1"/>
           </p:cNvSpPr>
@@ -6265,26 +6297,70 @@
           <a:bodyPr/>
           <a:lstStyle/>
           <a:p>
-            <a:r>
-              <a:rPr lang="en-GB" altLang="en-US" dirty="0" smtClean="0"/>
-              <a:t>Read Associated Chapters</a:t>
-            </a:r>
-          </a:p>
-          <a:p>
-            <a:r>
-              <a:rPr lang="en-GB" altLang="en-US" dirty="0" smtClean="0"/>
-              <a:t>Review Slides</a:t>
-            </a:r>
-          </a:p>
-          <a:p>
-            <a:r>
-              <a:rPr lang="en-GB" altLang="en-US" dirty="0" smtClean="0"/>
-              <a:t>Java Exercises</a:t>
-            </a:r>
-          </a:p>
-        </p:txBody>
-      </p:sp>
+            <a:endParaRPr lang="en-GB" dirty="0" smtClean="0"/>
+          </a:p>
+          <a:p>
+            <a:endParaRPr lang="en-GB" dirty="0"/>
+          </a:p>
+          <a:p>
+            <a:endParaRPr lang="en-GB" dirty="0" smtClean="0"/>
+          </a:p>
+          <a:p>
+            <a:endParaRPr lang="en-GB" dirty="0"/>
+          </a:p>
+          <a:p>
+            <a:endParaRPr lang="en-GB" dirty="0" smtClean="0"/>
+          </a:p>
+          <a:p>
+            <a:r>
+              <a:rPr lang="en-GB" smtClean="0"/>
+              <a:t>Generic Type </a:t>
+            </a:r>
+            <a:r>
+              <a:rPr lang="en-GB" dirty="0" smtClean="0"/>
+              <a:t>‘Integer’</a:t>
+            </a:r>
+            <a:endParaRPr lang="en-GB" dirty="0"/>
+          </a:p>
+          <a:p>
+            <a:r>
+              <a:rPr lang="en-GB" dirty="0" smtClean="0"/>
+              <a:t>Output 1</a:t>
+            </a:r>
+            <a:endParaRPr lang="en-GB" dirty="0"/>
+          </a:p>
+        </p:txBody>
+      </p:sp>
+      <p:pic>
+        <p:nvPicPr>
+          <p:cNvPr id="4" name="Picture 3"/>
+          <p:cNvPicPr>
+            <a:picLocks noChangeAspect="1"/>
+          </p:cNvPicPr>
+          <p:nvPr/>
+        </p:nvPicPr>
+        <p:blipFill>
+          <a:blip r:embed="rId2" cstate="print"/>
+          <a:stretch>
+            <a:fillRect/>
+          </a:stretch>
+        </p:blipFill>
+        <p:spPr>
+          <a:xfrm>
+            <a:off x="1295400" y="2362200"/>
+            <a:ext cx="6301773" cy="2222500"/>
+          </a:xfrm>
+          <a:prstGeom prst="rect">
+            <a:avLst/>
+          </a:prstGeom>
+        </p:spPr>
+      </p:pic>
     </p:spTree>
+    <p:extLst>
+      <p:ext uri="{BB962C8B-B14F-4D97-AF65-F5344CB8AC3E}">
+        <p14:creationId xmlns:p14="http://schemas.microsoft.com/office/powerpoint/2010/main" xmlns="" val="4085692818"/>
+      </p:ext>
+    </p:extLst>
   </p:cSld>
   <p:clrMapOvr>
     <a:masterClrMapping/>
@@ -6311,7 +6387,7 @@
       </p:grpSpPr>
       <p:sp>
         <p:nvSpPr>
-          <p:cNvPr id="2" name="Title 1"/>
+          <p:cNvPr id="12290" name="Title 1"/>
           <p:cNvSpPr>
             <a:spLocks noGrp="1"/>
           </p:cNvSpPr>
@@ -6319,42 +6395,21 @@
             <p:ph type="title"/>
           </p:nvPr>
         </p:nvSpPr>
-        <p:spPr>
-          <a:xfrm>
-            <a:off x="685800" y="609600"/>
-            <a:ext cx="7772400" cy="3505200"/>
-          </a:xfrm>
-        </p:spPr>
-        <p:txBody>
-          <a:bodyPr/>
-          <a:lstStyle/>
-          <a:p>
-            <a:r>
-              <a:rPr lang="en-GB" sz="16600" dirty="0" smtClean="0"/>
-              <a:t>25</a:t>
-            </a:r>
-            <a:r>
-              <a:rPr lang="en-GB" sz="16600" baseline="30000" dirty="0" smtClean="0"/>
-              <a:t>th</a:t>
-            </a:r>
-            <a:r>
-              <a:rPr lang="en-GB" sz="16600" dirty="0" smtClean="0"/>
-              <a:t> </a:t>
-            </a:r>
-            <a:br>
-              <a:rPr lang="en-GB" sz="16600" dirty="0" smtClean="0"/>
-            </a:br>
-            <a:r>
-              <a:rPr lang="en-GB" dirty="0" smtClean="0"/>
-              <a:t>December</a:t>
-            </a:r>
-            <a:endParaRPr lang="en-GB" sz="16600" dirty="0"/>
-          </a:p>
-        </p:txBody>
-      </p:sp>
-      <p:sp>
-        <p:nvSpPr>
-          <p:cNvPr id="3" name="Content Placeholder 2"/>
+        <p:spPr/>
+        <p:txBody>
+          <a:bodyPr/>
+          <a:lstStyle/>
+          <a:p>
+            <a:r>
+              <a:rPr lang="en-GB" altLang="en-US" smtClean="0"/>
+              <a:t>Summary</a:t>
+            </a:r>
+          </a:p>
+        </p:txBody>
+      </p:sp>
+      <p:sp>
+        <p:nvSpPr>
+          <p:cNvPr id="12291" name="Content Placeholder 2"/>
           <p:cNvSpPr>
             <a:spLocks noGrp="1"/>
           </p:cNvSpPr>
@@ -6362,83 +6417,55 @@
             <p:ph idx="1"/>
           </p:nvPr>
         </p:nvSpPr>
-        <p:spPr>
-          <a:xfrm>
-            <a:off x="685800" y="4876800"/>
-            <a:ext cx="8001000" cy="1219200"/>
-          </a:xfrm>
-        </p:spPr>
-        <p:txBody>
-          <a:bodyPr/>
-          <a:lstStyle/>
-          <a:p>
-            <a:pPr marL="0" indent="0">
-              <a:buNone/>
-            </a:pPr>
-            <a:r>
-              <a:rPr lang="en-GB" dirty="0" smtClean="0"/>
-              <a:t>Last Day – Quizzes/Exercise Submissions</a:t>
-            </a:r>
-          </a:p>
-          <a:p>
-            <a:pPr marL="0" indent="0">
-              <a:buNone/>
-            </a:pPr>
-            <a:r>
-              <a:rPr lang="en-GB" dirty="0" smtClean="0"/>
-              <a:t>Grade Taken</a:t>
-            </a:r>
-          </a:p>
-        </p:txBody>
-      </p:sp>
-      <p:sp>
-        <p:nvSpPr>
-          <p:cNvPr id="4" name="TextBox 3"/>
-          <p:cNvSpPr txBox="1"/>
-          <p:nvPr/>
-        </p:nvSpPr>
-        <p:spPr>
-          <a:xfrm>
-            <a:off x="609600" y="378767"/>
-            <a:ext cx="1532792" cy="461665"/>
-          </a:xfrm>
-          <a:prstGeom prst="rect">
-            <a:avLst/>
-          </a:prstGeom>
-          <a:noFill/>
-        </p:spPr>
-        <p:txBody>
-          <a:bodyPr wrap="none" rtlCol="0">
-            <a:spAutoFit/>
-          </a:bodyPr>
-          <a:lstStyle/>
-          <a:p>
-            <a:r>
-              <a:rPr lang="en-GB" dirty="0" smtClean="0">
-                <a:solidFill>
-                  <a:srgbClr val="FF0000"/>
-                </a:solidFill>
-              </a:rPr>
-              <a:t>Remember</a:t>
-            </a:r>
-            <a:endParaRPr lang="en-GB" dirty="0">
-              <a:solidFill>
-                <a:srgbClr val="FF0000"/>
-              </a:solidFill>
-            </a:endParaRPr>
+        <p:spPr/>
+        <p:txBody>
+          <a:bodyPr/>
+          <a:lstStyle/>
+          <a:p>
+            <a:r>
+              <a:rPr lang="en-GB" altLang="en-US" dirty="0" smtClean="0"/>
+              <a:t>Generic Types with Java</a:t>
+            </a:r>
+          </a:p>
+          <a:p>
+            <a:r>
+              <a:rPr lang="en-GB" altLang="en-US" dirty="0" smtClean="0"/>
+              <a:t>Advantages of Generic Types </a:t>
+            </a:r>
+          </a:p>
+          <a:p>
+            <a:pPr lvl="1"/>
+            <a:r>
+              <a:rPr lang="en-GB" altLang="en-US" dirty="0" smtClean="0"/>
+              <a:t>Flexibility/Robustness</a:t>
+            </a:r>
+          </a:p>
+          <a:p>
+            <a:r>
+              <a:rPr lang="en-GB" altLang="en-US" dirty="0" smtClean="0"/>
+              <a:t>Incorporate Generic Types into your implementations</a:t>
+            </a:r>
+          </a:p>
+          <a:p>
+            <a:r>
+              <a:rPr lang="en-GB" altLang="en-US" dirty="0" smtClean="0"/>
+              <a:t>Examples</a:t>
+            </a:r>
           </a:p>
         </p:txBody>
       </p:sp>
     </p:spTree>
-    <p:extLst>
-      <p:ext uri="{BB962C8B-B14F-4D97-AF65-F5344CB8AC3E}">
-        <p14:creationId xmlns:p14="http://schemas.microsoft.com/office/powerpoint/2010/main" val="3177980834"/>
-      </p:ext>
-    </p:extLst>
   </p:cSld>
   <p:clrMapOvr>
     <a:masterClrMapping/>
   </p:clrMapOvr>
+  <p:timing>
+    <p:tnLst>
+      <p:par>
+        <p:cTn id="1" dur="indefinite" restart="never" nodeType="tmRoot"/>
+      </p:par>
+    </p:tnLst>
+  </p:timing>
 </p:sld>
 </file>
 
@@ -6544,7 +6571,7 @@
     </p:spTree>
     <p:extLst>
       <p:ext uri="{BB962C8B-B14F-4D97-AF65-F5344CB8AC3E}">
-        <p14:creationId xmlns:p14="http://schemas.microsoft.com/office/powerpoint/2010/main" val="1104299852"/>
+        <p14:creationId xmlns:p14="http://schemas.microsoft.com/office/powerpoint/2010/main" xmlns="" val="1104299852"/>
       </p:ext>
     </p:extLst>
   </p:cSld>
@@ -6573,6 +6600,87 @@
       </p:grpSpPr>
       <p:sp>
         <p:nvSpPr>
+          <p:cNvPr id="11266" name="Title 1"/>
+          <p:cNvSpPr>
+            <a:spLocks noGrp="1"/>
+          </p:cNvSpPr>
+          <p:nvPr>
+            <p:ph type="title"/>
+          </p:nvPr>
+        </p:nvSpPr>
+        <p:spPr/>
+        <p:txBody>
+          <a:bodyPr/>
+          <a:lstStyle/>
+          <a:p>
+            <a:r>
+              <a:rPr lang="en-GB" altLang="en-US" smtClean="0"/>
+              <a:t>This Week</a:t>
+            </a:r>
+          </a:p>
+        </p:txBody>
+      </p:sp>
+      <p:sp>
+        <p:nvSpPr>
+          <p:cNvPr id="11267" name="Content Placeholder 2"/>
+          <p:cNvSpPr>
+            <a:spLocks noGrp="1"/>
+          </p:cNvSpPr>
+          <p:nvPr>
+            <p:ph idx="1"/>
+          </p:nvPr>
+        </p:nvSpPr>
+        <p:spPr/>
+        <p:txBody>
+          <a:bodyPr/>
+          <a:lstStyle/>
+          <a:p>
+            <a:r>
+              <a:rPr lang="en-GB" altLang="en-US" dirty="0" smtClean="0"/>
+              <a:t>Read Associated Chapters</a:t>
+            </a:r>
+          </a:p>
+          <a:p>
+            <a:r>
+              <a:rPr lang="en-GB" altLang="en-US" dirty="0" smtClean="0"/>
+              <a:t>Review Slides</a:t>
+            </a:r>
+          </a:p>
+          <a:p>
+            <a:r>
+              <a:rPr lang="en-GB" altLang="en-US" dirty="0" smtClean="0"/>
+              <a:t>Java Exercises</a:t>
+            </a:r>
+          </a:p>
+        </p:txBody>
+      </p:sp>
+    </p:spTree>
+  </p:cSld>
+  <p:clrMapOvr>
+    <a:masterClrMapping/>
+  </p:clrMapOvr>
+</p:sld>
+</file>
+
+<file path=ppt/slides/slide31.xml><?xml version="1.0" encoding="utf-8"?>
+<p:sld xmlns:a="http://schemas.openxmlformats.org/drawingml/2006/main" xmlns:r="http://schemas.openxmlformats.org/officeDocument/2006/relationships" xmlns:p="http://schemas.openxmlformats.org/presentationml/2006/main">
+  <p:cSld>
+    <p:spTree>
+      <p:nvGrpSpPr>
+        <p:cNvPr id="1" name=""/>
+        <p:cNvGrpSpPr/>
+        <p:nvPr/>
+      </p:nvGrpSpPr>
+      <p:grpSpPr>
+        <a:xfrm>
+          <a:off x="0" y="0"/>
+          <a:ext cx="0" cy="0"/>
+          <a:chOff x="0" y="0"/>
+          <a:chExt cx="0" cy="0"/>
+        </a:xfrm>
+      </p:grpSpPr>
+      <p:sp>
+        <p:nvSpPr>
           <p:cNvPr id="2" name="Title 1"/>
           <p:cNvSpPr>
             <a:spLocks noGrp="1"/>
@@ -6581,16 +6689,36 @@
             <p:ph type="title"/>
           </p:nvPr>
         </p:nvSpPr>
-        <p:spPr/>
-        <p:txBody>
-          <a:bodyPr/>
-          <a:lstStyle/>
-          <a:p>
+        <p:spPr>
+          <a:xfrm>
+            <a:off x="685800" y="609600"/>
+            <a:ext cx="7772400" cy="3505200"/>
+          </a:xfrm>
+        </p:spPr>
+        <p:txBody>
+          <a:bodyPr/>
+          <a:lstStyle/>
+          <a:p>
+            <a:r>
+              <a:rPr lang="en-GB" sz="16600" dirty="0" smtClean="0"/>
+              <a:t>25</a:t>
+            </a:r>
+            <a:r>
+              <a:rPr lang="en-GB" sz="16600" baseline="30000" dirty="0" smtClean="0"/>
+              <a:t>th</a:t>
+            </a:r>
+            <a:r>
+              <a:rPr lang="en-GB" sz="16600" dirty="0" smtClean="0"/>
+              <a:t> </a:t>
+            </a:r>
+            <a:br>
+              <a:rPr lang="en-GB" sz="16600" dirty="0" smtClean="0"/>
+            </a:br>
             <a:r>
               <a:rPr lang="en-GB" dirty="0" smtClean="0"/>
-              <a:t>Exercises</a:t>
-            </a:r>
-            <a:endParaRPr lang="en-GB" dirty="0"/>
+              <a:t>December</a:t>
+            </a:r>
+            <a:endParaRPr lang="en-GB" sz="16600" dirty="0"/>
           </a:p>
         </p:txBody>
       </p:sp>
@@ -6604,36 +6732,77 @@
             <p:ph idx="1"/>
           </p:nvPr>
         </p:nvSpPr>
-        <p:spPr/>
-        <p:txBody>
-          <a:bodyPr/>
-          <a:lstStyle/>
-          <a:p>
-            <a:r>
-              <a:rPr lang="en-GB" dirty="0" smtClean="0"/>
-              <a:t>Exercises 21.1 to 21.2 (Generics)</a:t>
-            </a:r>
-          </a:p>
+        <p:spPr>
+          <a:xfrm>
+            <a:off x="685800" y="4876800"/>
+            <a:ext cx="8001000" cy="1219200"/>
+          </a:xfrm>
+        </p:spPr>
+        <p:txBody>
+          <a:bodyPr/>
+          <a:lstStyle/>
           <a:p>
             <a:pPr marL="0" indent="0">
               <a:buNone/>
             </a:pPr>
             <a:r>
-              <a:rPr lang="en-GB" dirty="0"/>
-              <a:t> </a:t>
-            </a:r>
-            <a:r>
               <a:rPr lang="en-GB" dirty="0" smtClean="0"/>
-              <a:t>                   25.1 to 25.2 (Arrays/Lists)</a:t>
-            </a:r>
-            <a:endParaRPr lang="en-GB" dirty="0"/>
+              <a:t>Last Day – Quizzes/Exercise Submissions</a:t>
+            </a:r>
+          </a:p>
+          <a:p>
+            <a:pPr marL="0" indent="0">
+              <a:buNone/>
+            </a:pPr>
+            <a:r>
+              <a:rPr lang="en-GB" dirty="0" smtClean="0"/>
+              <a:t>Grade Taken</a:t>
+            </a:r>
+          </a:p>
+        </p:txBody>
+      </p:sp>
+      <p:sp>
+        <p:nvSpPr>
+          <p:cNvPr id="4" name="TextBox 3"/>
+          <p:cNvSpPr txBox="1"/>
+          <p:nvPr/>
+        </p:nvSpPr>
+        <p:spPr>
+          <a:xfrm>
+            <a:off x="609600" y="378767"/>
+            <a:ext cx="1532792" cy="461665"/>
+          </a:xfrm>
+          <a:prstGeom prst="rect">
+            <a:avLst/>
+          </a:prstGeom>
+          <a:noFill/>
+        </p:spPr>
+        <p:txBody>
+          <a:bodyPr wrap="none" rtlCol="0">
+            <a:spAutoFit/>
+          </a:bodyPr>
+          <a:lstStyle/>
+          <a:p>
+            <a:r>
+              <a:rPr lang="en-GB" dirty="0" smtClean="0">
+                <a:solidFill>
+                  <a:srgbClr val="FF0000"/>
+                </a:solidFill>
+              </a:rPr>
+              <a:t>Remember</a:t>
+            </a:r>
+            <a:endParaRPr lang="en-GB" dirty="0">
+              <a:solidFill>
+                <a:srgbClr val="FF0000"/>
+              </a:solidFill>
+            </a:endParaRPr>
           </a:p>
         </p:txBody>
       </p:sp>
     </p:spTree>
     <p:extLst>
       <p:ext uri="{BB962C8B-B14F-4D97-AF65-F5344CB8AC3E}">
-        <p14:creationId xmlns:p14="http://schemas.microsoft.com/office/powerpoint/2010/main" val="612155335"/>
+        <p14:creationId xmlns:p14="http://schemas.microsoft.com/office/powerpoint/2010/main" xmlns="" val="3177980834"/>
       </p:ext>
     </p:extLst>
   </p:cSld>
@@ -6643,7 +6812,96 @@
 </p:sld>
 </file>
 
-<file path=ppt/slides/slide31.xml><?xml version="1.0" encoding="utf-8"?>
+<file path=ppt/slides/slide32.xml><?xml version="1.0" encoding="utf-8"?>
+<p:sld xmlns:a="http://schemas.openxmlformats.org/drawingml/2006/main" xmlns:r="http://schemas.openxmlformats.org/officeDocument/2006/relationships" xmlns:p="http://schemas.openxmlformats.org/presentationml/2006/main">
+  <p:cSld>
+    <p:spTree>
+      <p:nvGrpSpPr>
+        <p:cNvPr id="1" name=""/>
+        <p:cNvGrpSpPr/>
+        <p:nvPr/>
+      </p:nvGrpSpPr>
+      <p:grpSpPr>
+        <a:xfrm>
+          <a:off x="0" y="0"/>
+          <a:ext cx="0" cy="0"/>
+          <a:chOff x="0" y="0"/>
+          <a:chExt cx="0" cy="0"/>
+        </a:xfrm>
+      </p:grpSpPr>
+      <p:sp>
+        <p:nvSpPr>
+          <p:cNvPr id="2" name="Title 1"/>
+          <p:cNvSpPr>
+            <a:spLocks noGrp="1"/>
+          </p:cNvSpPr>
+          <p:nvPr>
+            <p:ph type="title"/>
+          </p:nvPr>
+        </p:nvSpPr>
+        <p:spPr/>
+        <p:txBody>
+          <a:bodyPr/>
+          <a:lstStyle/>
+          <a:p>
+            <a:r>
+              <a:rPr lang="en-GB" dirty="0" smtClean="0"/>
+              <a:t>Exercises</a:t>
+            </a:r>
+            <a:endParaRPr lang="en-GB" dirty="0"/>
+          </a:p>
+        </p:txBody>
+      </p:sp>
+      <p:sp>
+        <p:nvSpPr>
+          <p:cNvPr id="3" name="Content Placeholder 2"/>
+          <p:cNvSpPr>
+            <a:spLocks noGrp="1"/>
+          </p:cNvSpPr>
+          <p:nvPr>
+            <p:ph idx="1"/>
+          </p:nvPr>
+        </p:nvSpPr>
+        <p:spPr/>
+        <p:txBody>
+          <a:bodyPr/>
+          <a:lstStyle/>
+          <a:p>
+            <a:r>
+              <a:rPr lang="en-GB" dirty="0" smtClean="0"/>
+              <a:t>Exercises 21.1 to 21.2 (Generics)</a:t>
+            </a:r>
+          </a:p>
+          <a:p>
+            <a:pPr marL="0" indent="0">
+              <a:buNone/>
+            </a:pPr>
+            <a:r>
+              <a:rPr lang="en-GB" dirty="0"/>
+              <a:t> </a:t>
+            </a:r>
+            <a:r>
+              <a:rPr lang="en-GB" dirty="0" smtClean="0"/>
+              <a:t>                   25.1 to 25.2 (Arrays/Lists)</a:t>
+            </a:r>
+            <a:endParaRPr lang="en-GB" dirty="0"/>
+          </a:p>
+        </p:txBody>
+      </p:sp>
+    </p:spTree>
+    <p:extLst>
+      <p:ext uri="{BB962C8B-B14F-4D97-AF65-F5344CB8AC3E}">
+        <p14:creationId xmlns:p14="http://schemas.microsoft.com/office/powerpoint/2010/main" xmlns="" val="612155335"/>
+      </p:ext>
+    </p:extLst>
+  </p:cSld>
+  <p:clrMapOvr>
+    <a:masterClrMapping/>
+  </p:clrMapOvr>
+</p:sld>
+</file>
+
+<file path=ppt/slides/slide33.xml><?xml version="1.0" encoding="utf-8"?>
 <p:sld xmlns:a="http://schemas.openxmlformats.org/drawingml/2006/main" xmlns:r="http://schemas.openxmlformats.org/officeDocument/2006/relationships" xmlns:p="http://schemas.openxmlformats.org/presentationml/2006/main">
   <p:cSld>
     <p:spTree>
@@ -6745,21 +7003,16 @@
             <p:ph type="title"/>
           </p:nvPr>
         </p:nvSpPr>
-        <p:spPr>
-          <a:xfrm>
-            <a:off x="685800" y="-76200"/>
-            <a:ext cx="7772400" cy="1143000"/>
-          </a:xfrm>
-        </p:spPr>
-        <p:txBody>
-          <a:bodyPr/>
-          <a:lstStyle/>
-          <a:p>
-            <a:r>
-              <a:rPr lang="en-GB" dirty="0" smtClean="0"/>
+        <p:spPr/>
+        <p:txBody>
+          <a:bodyPr/>
+          <a:lstStyle/>
+          <a:p>
+            <a:r>
+              <a:rPr lang="en-US" dirty="0" smtClean="0"/>
               <a:t>Question</a:t>
             </a:r>
-            <a:endParaRPr lang="en-GB" dirty="0"/>
+            <a:endParaRPr lang="en-US" dirty="0"/>
           </a:p>
         </p:txBody>
       </p:sp>
@@ -6773,12 +7026,7 @@
             <p:ph idx="1"/>
           </p:nvPr>
         </p:nvSpPr>
-        <p:spPr>
-          <a:xfrm>
-            <a:off x="685800" y="838200"/>
-            <a:ext cx="7772400" cy="4114800"/>
-          </a:xfrm>
-        </p:spPr>
+        <p:spPr/>
         <p:txBody>
           <a:bodyPr/>
           <a:lstStyle/>
@@ -6787,40 +7035,45 @@
               <a:rPr lang="en-GB" dirty="0" smtClean="0"/>
               <a:t>Does the following code compile?  What would the output be?</a:t>
             </a:r>
-            <a:endParaRPr lang="en-GB" dirty="0"/>
+          </a:p>
+          <a:p>
+            <a:endParaRPr lang="en-US" dirty="0"/>
           </a:p>
         </p:txBody>
       </p:sp>
       <p:pic>
         <p:nvPicPr>
-          <p:cNvPr id="6" name="Picture 5"/>
+          <p:cNvPr id="1026" name="Picture 2"/>
           <p:cNvPicPr>
-            <a:picLocks noChangeAspect="1"/>
+            <a:picLocks noChangeAspect="1" noChangeArrowheads="1"/>
           </p:cNvPicPr>
           <p:nvPr/>
         </p:nvPicPr>
         <p:blipFill>
-          <a:blip r:embed="rId2"/>
+          <a:blip r:embed="rId2" cstate="print"/>
+          <a:srcRect/>
           <a:stretch>
             <a:fillRect/>
           </a:stretch>
         </p:blipFill>
-        <p:spPr>
-          <a:xfrm>
-            <a:off x="1676400" y="2133600"/>
-            <a:ext cx="5181600" cy="4435383"/>
+        <p:spPr bwMode="auto">
+          <a:xfrm>
+            <a:off x="1828800" y="3352800"/>
+            <a:ext cx="4805150" cy="1981200"/>
           </a:xfrm>
           <a:prstGeom prst="rect">
             <a:avLst/>
           </a:prstGeom>
+          <a:noFill/>
+          <a:ln w="9525">
+            <a:noFill/>
+            <a:miter lim="800000"/>
+            <a:headEnd/>
+            <a:tailEnd/>
+          </a:ln>
         </p:spPr>
       </p:pic>
     </p:spTree>
-    <p:extLst>
-      <p:ext uri="{BB962C8B-B14F-4D97-AF65-F5344CB8AC3E}">
-        <p14:creationId xmlns:p14="http://schemas.microsoft.com/office/powerpoint/2010/main" val="2845058267"/>
-      </p:ext>
-    </p:extLst>
   </p:cSld>
   <p:clrMapOvr>
     <a:masterClrMapping/>
@@ -6861,10 +7114,10 @@
           <a:lstStyle/>
           <a:p>
             <a:r>
-              <a:rPr lang="en-GB" dirty="0" smtClean="0"/>
+              <a:rPr lang="en-US" dirty="0" smtClean="0"/>
               <a:t>Answer</a:t>
             </a:r>
-            <a:endParaRPr lang="en-GB" dirty="0"/>
+            <a:endParaRPr lang="en-US" dirty="0"/>
           </a:p>
         </p:txBody>
       </p:sp>
@@ -6880,47 +7133,82 @@
         </p:nvSpPr>
         <p:spPr/>
         <p:txBody>
-          <a:bodyPr/>
-          <a:lstStyle/>
-          <a:p>
-            <a:r>
-              <a:rPr lang="en-GB" dirty="0" smtClean="0"/>
-              <a:t>7</a:t>
-            </a:r>
-            <a:endParaRPr lang="en-GB" dirty="0"/>
+          <a:bodyPr>
+            <a:normAutofit/>
+          </a:bodyPr>
+          <a:lstStyle/>
+          <a:p>
+            <a:r>
+              <a:rPr lang="en-US" dirty="0" smtClean="0"/>
+              <a:t>array address followed </a:t>
+            </a:r>
+            <a:r>
+              <a:rPr lang="en-US" smtClean="0"/>
+              <a:t>by 0</a:t>
+            </a:r>
+            <a:endParaRPr lang="en-US" dirty="0" smtClean="0"/>
+          </a:p>
+          <a:p>
+            <a:endParaRPr lang="en-US" dirty="0" smtClean="0"/>
+          </a:p>
+          <a:p>
+            <a:endParaRPr lang="en-US" dirty="0" smtClean="0"/>
+          </a:p>
+          <a:p>
+            <a:endParaRPr lang="en-US" dirty="0" smtClean="0"/>
+          </a:p>
+          <a:p>
+            <a:endParaRPr lang="en-US" dirty="0" smtClean="0"/>
+          </a:p>
+          <a:p>
+            <a:pPr>
+              <a:buNone/>
+            </a:pPr>
+            <a:r>
+              <a:rPr lang="en-US" dirty="0" smtClean="0"/>
+              <a:t>Note: Short </a:t>
+            </a:r>
+            <a:r>
+              <a:rPr lang="en-US" dirty="0" smtClean="0"/>
+              <a:t>variable has default value of 0 if defined as an instance/static variable</a:t>
+            </a:r>
+            <a:endParaRPr lang="en-US" dirty="0"/>
           </a:p>
         </p:txBody>
       </p:sp>
       <p:pic>
         <p:nvPicPr>
-          <p:cNvPr id="4" name="Picture 3"/>
+          <p:cNvPr id="2050" name="Picture 2"/>
           <p:cNvPicPr>
-            <a:picLocks noChangeAspect="1"/>
+            <a:picLocks noChangeAspect="1" noChangeArrowheads="1"/>
           </p:cNvPicPr>
           <p:nvPr/>
         </p:nvPicPr>
         <p:blipFill>
-          <a:blip r:embed="rId2"/>
+          <a:blip r:embed="rId2" cstate="print"/>
+          <a:srcRect/>
           <a:stretch>
             <a:fillRect/>
           </a:stretch>
         </p:blipFill>
-        <p:spPr>
-          <a:xfrm>
-            <a:off x="838200" y="3733800"/>
-            <a:ext cx="2562225" cy="409575"/>
+        <p:spPr bwMode="auto">
+          <a:xfrm>
+            <a:off x="838200" y="3429000"/>
+            <a:ext cx="3719513" cy="838200"/>
           </a:xfrm>
           <a:prstGeom prst="rect">
             <a:avLst/>
           </a:prstGeom>
+          <a:noFill/>
+          <a:ln w="9525">
+            <a:noFill/>
+            <a:miter lim="800000"/>
+            <a:headEnd/>
+            <a:tailEnd/>
+          </a:ln>
         </p:spPr>
       </p:pic>
     </p:spTree>
-    <p:extLst>
-      <p:ext uri="{BB962C8B-B14F-4D97-AF65-F5344CB8AC3E}">
-        <p14:creationId xmlns:p14="http://schemas.microsoft.com/office/powerpoint/2010/main" val="535764243"/>
-      </p:ext>
-    </p:extLst>
   </p:cSld>
   <p:clrMapOvr>
     <a:masterClrMapping/>
@@ -6955,7 +7243,12 @@
             <p:ph type="title"/>
           </p:nvPr>
         </p:nvSpPr>
-        <p:spPr/>
+        <p:spPr>
+          <a:xfrm>
+            <a:off x="685800" y="-76200"/>
+            <a:ext cx="7772400" cy="1143000"/>
+          </a:xfrm>
+        </p:spPr>
         <p:txBody>
           <a:bodyPr/>
           <a:lstStyle/>
@@ -6978,39 +7271,42 @@
             <p:ph idx="1"/>
           </p:nvPr>
         </p:nvSpPr>
-        <p:spPr/>
-        <p:txBody>
-          <a:bodyPr/>
-          <a:lstStyle/>
-          <a:p>
-            <a:r>
-              <a:rPr lang="en-GB" dirty="0"/>
+        <p:spPr>
+          <a:xfrm>
+            <a:off x="685800" y="838200"/>
+            <a:ext cx="7772400" cy="4114800"/>
+          </a:xfrm>
+        </p:spPr>
+        <p:txBody>
+          <a:bodyPr/>
+          <a:lstStyle/>
+          <a:p>
+            <a:r>
+              <a:rPr lang="en-GB" dirty="0" smtClean="0"/>
               <a:t>Does the following code compile?  What would the output be?</a:t>
             </a:r>
-          </a:p>
-          <a:p>
             <a:endParaRPr lang="en-GB" dirty="0"/>
           </a:p>
         </p:txBody>
       </p:sp>
       <p:pic>
         <p:nvPicPr>
-          <p:cNvPr id="4" name="Picture 3"/>
+          <p:cNvPr id="6" name="Picture 5"/>
           <p:cNvPicPr>
             <a:picLocks noChangeAspect="1"/>
           </p:cNvPicPr>
           <p:nvPr/>
         </p:nvPicPr>
         <p:blipFill>
-          <a:blip r:embed="rId2"/>
+          <a:blip r:embed="rId2" cstate="print"/>
           <a:stretch>
             <a:fillRect/>
           </a:stretch>
         </p:blipFill>
         <p:spPr>
           <a:xfrm>
-            <a:off x="1752600" y="3505200"/>
-            <a:ext cx="4953000" cy="2021953"/>
+            <a:off x="1676400" y="2133600"/>
+            <a:ext cx="5181600" cy="4435383"/>
           </a:xfrm>
           <a:prstGeom prst="rect">
             <a:avLst/>
@@ -7020,7 +7316,7 @@
     </p:spTree>
     <p:extLst>
       <p:ext uri="{BB962C8B-B14F-4D97-AF65-F5344CB8AC3E}">
-        <p14:creationId xmlns:p14="http://schemas.microsoft.com/office/powerpoint/2010/main" val="390980096"/>
+        <p14:creationId xmlns:p14="http://schemas.microsoft.com/office/powerpoint/2010/main" xmlns="" val="2845058267"/>
       </p:ext>
     </p:extLst>
   </p:cSld>
@@ -7085,21 +7381,9 @@
           <a:bodyPr/>
           <a:lstStyle/>
           <a:p>
-            <a:pPr marL="0" indent="0">
-              <a:buNone/>
-            </a:pPr>
             <a:r>
               <a:rPr lang="en-GB" dirty="0" smtClean="0"/>
-              <a:t>val:12</a:t>
-            </a:r>
-          </a:p>
-          <a:p>
-            <a:pPr marL="0" indent="0">
-              <a:buNone/>
-            </a:pPr>
-            <a:r>
-              <a:rPr lang="en-GB" dirty="0" smtClean="0"/>
-              <a:t>3:val</a:t>
+              <a:t>7</a:t>
             </a:r>
             <a:endParaRPr lang="en-GB" dirty="0"/>
           </a:p>
@@ -7114,15 +7398,15 @@
           <p:nvPr/>
         </p:nvPicPr>
         <p:blipFill>
-          <a:blip r:embed="rId2"/>
+          <a:blip r:embed="rId2" cstate="print"/>
           <a:stretch>
             <a:fillRect/>
           </a:stretch>
         </p:blipFill>
         <p:spPr>
           <a:xfrm>
-            <a:off x="762000" y="4343400"/>
-            <a:ext cx="2552700" cy="676275"/>
+            <a:off x="838200" y="3733800"/>
+            <a:ext cx="2562225" cy="409575"/>
           </a:xfrm>
           <a:prstGeom prst="rect">
             <a:avLst/>
@@ -7132,7 +7416,7 @@
     </p:spTree>
     <p:extLst>
       <p:ext uri="{BB962C8B-B14F-4D97-AF65-F5344CB8AC3E}">
-        <p14:creationId xmlns:p14="http://schemas.microsoft.com/office/powerpoint/2010/main" val="3111697431"/>
+        <p14:creationId xmlns:p14="http://schemas.microsoft.com/office/powerpoint/2010/main" xmlns="" val="535764243"/>
       </p:ext>
     </p:extLst>
   </p:cSld>
@@ -7169,12 +7453,7 @@
             <p:ph type="title"/>
           </p:nvPr>
         </p:nvSpPr>
-        <p:spPr>
-          <a:xfrm>
-            <a:off x="685800" y="228600"/>
-            <a:ext cx="7772400" cy="1143000"/>
-          </a:xfrm>
-        </p:spPr>
+        <p:spPr/>
         <p:txBody>
           <a:bodyPr/>
           <a:lstStyle/>
@@ -7197,86 +7476,15 @@
             <p:ph idx="1"/>
           </p:nvPr>
         </p:nvSpPr>
-        <p:spPr>
-          <a:xfrm>
-            <a:off x="685800" y="1600200"/>
-            <a:ext cx="7772400" cy="4648200"/>
-          </a:xfrm>
-        </p:spPr>
-        <p:txBody>
-          <a:bodyPr>
-            <a:normAutofit fontScale="77500" lnSpcReduction="20000"/>
-          </a:bodyPr>
+        <p:spPr/>
+        <p:txBody>
+          <a:bodyPr/>
           <a:lstStyle/>
           <a:p>
             <a:r>
               <a:rPr lang="en-GB" dirty="0"/>
-              <a:t>What will the following code print</a:t>
-            </a:r>
-            <a:r>
-              <a:rPr lang="en-GB" dirty="0" smtClean="0"/>
-              <a:t>?</a:t>
-            </a:r>
-          </a:p>
-          <a:p>
-            <a:endParaRPr lang="en-GB" dirty="0"/>
-          </a:p>
-          <a:p>
-            <a:endParaRPr lang="en-GB" dirty="0" smtClean="0"/>
-          </a:p>
-          <a:p>
-            <a:endParaRPr lang="en-GB" dirty="0"/>
-          </a:p>
-          <a:p>
-            <a:endParaRPr lang="en-GB" dirty="0" smtClean="0"/>
-          </a:p>
-          <a:p>
-            <a:endParaRPr lang="en-GB" dirty="0"/>
-          </a:p>
-          <a:p>
-            <a:endParaRPr lang="en-GB" dirty="0" smtClean="0"/>
-          </a:p>
-          <a:p>
-            <a:endParaRPr lang="en-GB" dirty="0"/>
-          </a:p>
-          <a:p>
-            <a:pPr>
-              <a:buNone/>
-            </a:pPr>
-            <a:r>
-              <a:rPr lang="en-US" dirty="0"/>
-              <a:t>a) 1</a:t>
-            </a:r>
-          </a:p>
-          <a:p>
-            <a:pPr>
-              <a:buNone/>
-            </a:pPr>
-            <a:r>
-              <a:rPr lang="en-US" dirty="0"/>
-              <a:t>b) 10</a:t>
-            </a:r>
-          </a:p>
-          <a:p>
-            <a:pPr>
-              <a:buNone/>
-            </a:pPr>
-            <a:r>
-              <a:rPr lang="en-US" dirty="0"/>
-              <a:t>c) 16</a:t>
-            </a:r>
-          </a:p>
-          <a:p>
-            <a:pPr>
-              <a:buNone/>
-            </a:pPr>
-            <a:r>
-              <a:rPr lang="en-US" dirty="0"/>
-              <a:t>d) 31</a:t>
-            </a:r>
-          </a:p>
-          <a:p>
-            <a:endParaRPr lang="en-GB" dirty="0"/>
+              <a:t>Does the following code compile?  What would the output be?</a:t>
+            </a:r>
           </a:p>
           <a:p>
             <a:endParaRPr lang="en-GB" dirty="0"/>
@@ -7292,15 +7500,15 @@
           <p:nvPr/>
         </p:nvPicPr>
         <p:blipFill>
-          <a:blip r:embed="rId2"/>
+          <a:blip r:embed="rId2" cstate="print"/>
           <a:stretch>
             <a:fillRect/>
           </a:stretch>
         </p:blipFill>
         <p:spPr>
           <a:xfrm>
-            <a:off x="2743200" y="2514600"/>
-            <a:ext cx="4533900" cy="2610427"/>
+            <a:off x="1752600" y="3505200"/>
+            <a:ext cx="4953000" cy="2021953"/>
           </a:xfrm>
           <a:prstGeom prst="rect">
             <a:avLst/>
@@ -7310,7 +7518,7 @@
     </p:spTree>
     <p:extLst>
       <p:ext uri="{BB962C8B-B14F-4D97-AF65-F5344CB8AC3E}">
-        <p14:creationId xmlns:p14="http://schemas.microsoft.com/office/powerpoint/2010/main" val="229536355"/>
+        <p14:creationId xmlns:p14="http://schemas.microsoft.com/office/powerpoint/2010/main" xmlns="" val="390980096"/>
       </p:ext>
     </p:extLst>
   </p:cSld>
@@ -7375,20 +7583,54 @@
           <a:bodyPr/>
           <a:lstStyle/>
           <a:p>
-            <a:r>
-              <a:rPr lang="en-GB" dirty="0"/>
-              <a:t>c) 16</a:t>
-            </a:r>
-          </a:p>
-          <a:p>
+            <a:pPr marL="0" indent="0">
+              <a:buNone/>
+            </a:pPr>
+            <a:r>
+              <a:rPr lang="en-GB" dirty="0" smtClean="0"/>
+              <a:t>val:12</a:t>
+            </a:r>
+          </a:p>
+          <a:p>
+            <a:pPr marL="0" indent="0">
+              <a:buNone/>
+            </a:pPr>
+            <a:r>
+              <a:rPr lang="en-GB" dirty="0" smtClean="0"/>
+              <a:t>3:val</a:t>
+            </a:r>
             <a:endParaRPr lang="en-GB" dirty="0"/>
           </a:p>
         </p:txBody>
       </p:sp>
+      <p:pic>
+        <p:nvPicPr>
+          <p:cNvPr id="4" name="Picture 3"/>
+          <p:cNvPicPr>
+            <a:picLocks noChangeAspect="1"/>
+          </p:cNvPicPr>
+          <p:nvPr/>
+        </p:nvPicPr>
+        <p:blipFill>
+          <a:blip r:embed="rId2" cstate="print"/>
+          <a:stretch>
+            <a:fillRect/>
+          </a:stretch>
+        </p:blipFill>
+        <p:spPr>
+          <a:xfrm>
+            <a:off x="762000" y="4343400"/>
+            <a:ext cx="2552700" cy="676275"/>
+          </a:xfrm>
+          <a:prstGeom prst="rect">
+            <a:avLst/>
+          </a:prstGeom>
+        </p:spPr>
+      </p:pic>
     </p:spTree>
     <p:extLst>
       <p:ext uri="{BB962C8B-B14F-4D97-AF65-F5344CB8AC3E}">
-        <p14:creationId xmlns:p14="http://schemas.microsoft.com/office/powerpoint/2010/main" val="4028211060"/>
+        <p14:creationId xmlns:p14="http://schemas.microsoft.com/office/powerpoint/2010/main" xmlns="" val="3111697431"/>
       </p:ext>
     </p:extLst>
   </p:cSld>
@@ -7881,7 +8123,7 @@
   </a:extraClrSchemeLst>
   <a:extLst>
     <a:ext uri="{05A4C25C-085E-4340-85A3-A5531E510DB2}">
-      <thm15:themeFamily xmlns:thm15="http://schemas.microsoft.com/office/thememl/2012/main" name="Office Theme" id="{62F939B6-93AF-4DB8-9C6B-D6C7DFDC589F}" vid="{4A3C46E8-61CC-4603-A589-7422A47A8E4A}"/>
+      <thm15:themeFamily xmlns:thm15="http://schemas.microsoft.com/office/thememl/2012/main" xmlns="" name="Office Theme" id="{62F939B6-93AF-4DB8-9C6B-D6C7DFDC589F}" vid="{4A3C46E8-61CC-4603-A589-7422A47A8E4A}"/>
     </a:ext>
   </a:extLst>
 </a:theme>
@@ -7930,7 +8172,7 @@
     </a:clrScheme>
     <a:fontScheme name="Office">
       <a:majorFont>
-        <a:latin typeface="Calibri Light" panose="020F0302020204030204"/>
+        <a:latin typeface="Calibri Light"/>
         <a:ea typeface=""/>
         <a:cs typeface=""/>
         <a:font script="Jpan" typeface="ＭＳ Ｐゴシック"/>
@@ -7965,7 +8207,7 @@
         <a:font script="Geor" typeface="Sylfaen"/>
       </a:majorFont>
       <a:minorFont>
-        <a:latin typeface="Calibri" panose="020F0502020204030204"/>
+        <a:latin typeface="Calibri"/>
         <a:ea typeface=""/>
         <a:cs typeface=""/>
         <a:font script="Jpan" typeface="ＭＳ Ｐゴシック"/>
@@ -8142,7 +8384,7 @@
   <a:extraClrSchemeLst/>
   <a:extLst>
     <a:ext uri="{05A4C25C-085E-4340-85A3-A5531E510DB2}">
-      <thm15:themeFamily xmlns:thm15="http://schemas.microsoft.com/office/thememl/2012/main" name="Office Theme" id="{62F939B6-93AF-4DB8-9C6B-D6C7DFDC589F}" vid="{4A3C46E8-61CC-4603-A589-7422A47A8E4A}"/>
+      <thm15:themeFamily xmlns:thm15="http://schemas.microsoft.com/office/thememl/2012/main" xmlns="" name="Office Theme" id="{62F939B6-93AF-4DB8-9C6B-D6C7DFDC589F}" vid="{4A3C46E8-61CC-4603-A589-7422A47A8E4A}"/>
     </a:ext>
   </a:extLst>
 </a:theme>
